--- a/Project 1 - Sleep Project.pptx
+++ b/Project 1 - Sleep Project.pptx
@@ -5,14 +5,19 @@
     <p:sldMasterId id="2147483725" r:id="rId1"/>
   </p:sldMasterIdLst>
   <p:notesMasterIdLst>
-    <p:notesMasterId r:id="rId7"/>
+    <p:notesMasterId r:id="rId12"/>
   </p:notesMasterIdLst>
   <p:sldIdLst>
     <p:sldId id="256" r:id="rId2"/>
     <p:sldId id="257" r:id="rId3"/>
-    <p:sldId id="260" r:id="rId4"/>
-    <p:sldId id="258" r:id="rId5"/>
-    <p:sldId id="259" r:id="rId6"/>
+    <p:sldId id="261" r:id="rId4"/>
+    <p:sldId id="262" r:id="rId5"/>
+    <p:sldId id="263" r:id="rId6"/>
+    <p:sldId id="264" r:id="rId7"/>
+    <p:sldId id="265" r:id="rId8"/>
+    <p:sldId id="260" r:id="rId9"/>
+    <p:sldId id="258" r:id="rId10"/>
+    <p:sldId id="259" r:id="rId11"/>
   </p:sldIdLst>
   <p:sldSz cx="12192000" cy="6858000"/>
   <p:notesSz cx="6858000" cy="9144000"/>
@@ -131,6 +136,35 @@
 </p:cmAuthorLst>
 </file>
 
+<file path=ppt/changesInfos/changesInfo1.xml><?xml version="1.0" encoding="utf-8"?>
+<pc:chgInfo xmlns:a="http://schemas.openxmlformats.org/drawingml/2006/main" xmlns:r="http://schemas.openxmlformats.org/officeDocument/2006/relationships" xmlns:ac="http://schemas.microsoft.com/office/drawing/2013/main/command" xmlns:pc="http://schemas.microsoft.com/office/powerpoint/2013/main/command">
+  <pc:docChgLst>
+    <pc:chgData name="Jared Sletto" userId="917c3e5ce63edd80" providerId="LiveId" clId="{325F601C-A886-4AD7-B21A-3A4BD8E080EC}"/>
+    <pc:docChg chg="custSel modSld">
+      <pc:chgData name="Jared Sletto" userId="917c3e5ce63edd80" providerId="LiveId" clId="{325F601C-A886-4AD7-B21A-3A4BD8E080EC}" dt="2023-08-01T03:42:58.772" v="31" actId="20577"/>
+      <pc:docMkLst>
+        <pc:docMk/>
+      </pc:docMkLst>
+      <pc:sldChg chg="modSp mod">
+        <pc:chgData name="Jared Sletto" userId="917c3e5ce63edd80" providerId="LiveId" clId="{325F601C-A886-4AD7-B21A-3A4BD8E080EC}" dt="2023-08-01T03:42:58.772" v="31" actId="20577"/>
+        <pc:sldMkLst>
+          <pc:docMk/>
+          <pc:sldMk cId="2562965548" sldId="263"/>
+        </pc:sldMkLst>
+        <pc:spChg chg="mod">
+          <ac:chgData name="Jared Sletto" userId="917c3e5ce63edd80" providerId="LiveId" clId="{325F601C-A886-4AD7-B21A-3A4BD8E080EC}" dt="2023-08-01T03:42:58.772" v="31" actId="20577"/>
+          <ac:spMkLst>
+            <pc:docMk/>
+            <pc:sldMk cId="2562965548" sldId="263"/>
+            <ac:spMk id="3" creationId="{A6726F9E-DA1B-457E-6606-BC5C5739F5FC}"/>
+          </ac:spMkLst>
+        </pc:spChg>
+      </pc:sldChg>
+    </pc:docChg>
+  </pc:docChgLst>
+</pc:chgInfo>
+</file>
+
 <file path=ppt/notesMasters/notesMaster1.xml><?xml version="1.0" encoding="utf-8"?>
 <p:notesMaster xmlns:a="http://schemas.openxmlformats.org/drawingml/2006/main" xmlns:r="http://schemas.openxmlformats.org/officeDocument/2006/relationships" xmlns:p="http://schemas.openxmlformats.org/presentationml/2006/main">
   <p:cSld>
@@ -277,38 +311,37 @@
           <a:p>
             <a:pPr lvl="0"/>
             <a:r>
-              <a:rPr lang="en-US" smtClean="0"/>
+              <a:rPr lang="en-US"/>
               <a:t>Edit Master text styles</a:t>
             </a:r>
           </a:p>
           <a:p>
             <a:pPr lvl="1"/>
             <a:r>
-              <a:rPr lang="en-US" smtClean="0"/>
+              <a:rPr lang="en-US"/>
               <a:t>Second level</a:t>
             </a:r>
           </a:p>
           <a:p>
             <a:pPr lvl="2"/>
             <a:r>
-              <a:rPr lang="en-US" smtClean="0"/>
+              <a:rPr lang="en-US"/>
               <a:t>Third level</a:t>
             </a:r>
           </a:p>
           <a:p>
             <a:pPr lvl="3"/>
             <a:r>
-              <a:rPr lang="en-US" smtClean="0"/>
+              <a:rPr lang="en-US"/>
               <a:t>Fourth level</a:t>
             </a:r>
           </a:p>
           <a:p>
             <a:pPr lvl="4"/>
             <a:r>
-              <a:rPr lang="en-US" smtClean="0"/>
+              <a:rPr lang="en-US"/>
               <a:t>Fifth level</a:t>
             </a:r>
-            <a:endParaRPr lang="en-US"/>
           </a:p>
         </p:txBody>
       </p:sp>
@@ -526,7 +559,7 @@
           <a:lstStyle/>
           <a:p>
             <a:r>
-              <a:rPr lang="en-US" sz="1200" dirty="0" smtClean="0"/>
+              <a:rPr lang="en-US" sz="1200" dirty="0"/>
               <a:t>The left y-axis represents the average quality of sleep per profession, while the right y-axis represents the total count per profession. </a:t>
             </a:r>
             <a:endParaRPr lang="en-US" dirty="0"/>
@@ -550,7 +583,7 @@
           <a:p>
             <a:fld id="{F549CD27-3718-460B-998C-454F12E2A21E}" type="slidenum">
               <a:rPr lang="en-US" smtClean="0"/>
-              <a:t>5</a:t>
+              <a:t>10</a:t>
             </a:fld>
             <a:endParaRPr lang="en-US"/>
           </a:p>
@@ -752,7 +785,7 @@
           </a:lstStyle>
           <a:p>
             <a:r>
-              <a:rPr lang="en-US" smtClean="0"/>
+              <a:rPr lang="en-US"/>
               <a:t>Click to edit Master title style</a:t>
             </a:r>
             <a:endParaRPr lang="en-US" dirty="0"/>
@@ -819,7 +852,7 @@
           </a:lstStyle>
           <a:p>
             <a:r>
-              <a:rPr lang="en-US" smtClean="0"/>
+              <a:rPr lang="en-US"/>
               <a:t>Click to edit Master subtitle style</a:t>
             </a:r>
             <a:endParaRPr lang="en-US" dirty="0"/>
@@ -1092,7 +1125,7 @@
           </a:lstStyle>
           <a:p>
             <a:r>
-              <a:rPr lang="en-US" smtClean="0"/>
+              <a:rPr lang="en-US"/>
               <a:t>Click to edit Master title style</a:t>
             </a:r>
             <a:endParaRPr lang="en-US" dirty="0"/>
@@ -1168,7 +1201,7 @@
           </a:lstStyle>
           <a:p>
             <a:r>
-              <a:rPr lang="en-US" smtClean="0"/>
+              <a:rPr lang="en-US"/>
               <a:t>Click icon to add picture</a:t>
             </a:r>
             <a:endParaRPr lang="en-US" dirty="0"/>
@@ -1234,7 +1267,7 @@
           <a:p>
             <a:pPr lvl="0"/>
             <a:r>
-              <a:rPr lang="en-US" smtClean="0"/>
+              <a:rPr lang="en-US"/>
               <a:t>Edit Master text styles</a:t>
             </a:r>
           </a:p>
@@ -1504,7 +1537,7 @@
           </a:lstStyle>
           <a:p>
             <a:r>
-              <a:rPr lang="en-US" smtClean="0"/>
+              <a:rPr lang="en-US"/>
               <a:t>Click to edit Master title style</a:t>
             </a:r>
             <a:endParaRPr lang="en-US" dirty="0"/>
@@ -1570,7 +1603,7 @@
           <a:p>
             <a:pPr lvl="0"/>
             <a:r>
-              <a:rPr lang="en-US" smtClean="0"/>
+              <a:rPr lang="en-US"/>
               <a:t>Edit Master text styles</a:t>
             </a:r>
           </a:p>
@@ -1840,7 +1873,7 @@
           </a:lstStyle>
           <a:p>
             <a:r>
-              <a:rPr lang="en-US" smtClean="0"/>
+              <a:rPr lang="en-US"/>
               <a:t>Click to edit Master title style</a:t>
             </a:r>
             <a:endParaRPr lang="en-US" dirty="0"/>
@@ -1908,7 +1941,7 @@
           <a:p>
             <a:pPr lvl="0"/>
             <a:r>
-              <a:rPr lang="en-US" smtClean="0"/>
+              <a:rPr lang="en-US"/>
               <a:t>Edit Master text styles</a:t>
             </a:r>
           </a:p>
@@ -1975,7 +2008,7 @@
           <a:p>
             <a:pPr lvl="0"/>
             <a:r>
-              <a:rPr lang="en-US" smtClean="0"/>
+              <a:rPr lang="en-US"/>
               <a:t>Edit Master text styles</a:t>
             </a:r>
           </a:p>
@@ -2477,7 +2510,7 @@
           </a:lstStyle>
           <a:p>
             <a:r>
-              <a:rPr lang="en-US" smtClean="0"/>
+              <a:rPr lang="en-US"/>
               <a:t>Click to edit Master title style</a:t>
             </a:r>
             <a:endParaRPr lang="en-US" dirty="0"/>
@@ -2543,7 +2576,7 @@
           <a:p>
             <a:pPr lvl="0"/>
             <a:r>
-              <a:rPr lang="en-US" smtClean="0"/>
+              <a:rPr lang="en-US"/>
               <a:t>Edit Master text styles</a:t>
             </a:r>
           </a:p>
@@ -2809,7 +2842,7 @@
           <a:lstStyle/>
           <a:p>
             <a:r>
-              <a:rPr lang="en-US" smtClean="0"/>
+              <a:rPr lang="en-US"/>
               <a:t>Click to edit Master title style</a:t>
             </a:r>
             <a:endParaRPr lang="en-US" dirty="0"/>
@@ -2881,7 +2914,7 @@
           <a:p>
             <a:pPr lvl="0"/>
             <a:r>
-              <a:rPr lang="en-US" smtClean="0"/>
+              <a:rPr lang="en-US"/>
               <a:t>Edit Master text styles</a:t>
             </a:r>
           </a:p>
@@ -2948,7 +2981,7 @@
           <a:p>
             <a:pPr lvl="0"/>
             <a:r>
-              <a:rPr lang="en-US" smtClean="0"/>
+              <a:rPr lang="en-US"/>
               <a:t>Edit Master text styles</a:t>
             </a:r>
           </a:p>
@@ -3019,7 +3052,7 @@
           <a:p>
             <a:pPr lvl="0"/>
             <a:r>
-              <a:rPr lang="en-US" smtClean="0"/>
+              <a:rPr lang="en-US"/>
               <a:t>Edit Master text styles</a:t>
             </a:r>
           </a:p>
@@ -3086,7 +3119,7 @@
           <a:p>
             <a:pPr lvl="0"/>
             <a:r>
-              <a:rPr lang="en-US" smtClean="0"/>
+              <a:rPr lang="en-US"/>
               <a:t>Edit Master text styles</a:t>
             </a:r>
           </a:p>
@@ -3157,7 +3190,7 @@
           <a:p>
             <a:pPr lvl="0"/>
             <a:r>
-              <a:rPr lang="en-US" smtClean="0"/>
+              <a:rPr lang="en-US"/>
               <a:t>Edit Master text styles</a:t>
             </a:r>
           </a:p>
@@ -3224,7 +3257,7 @@
           <a:p>
             <a:pPr lvl="0"/>
             <a:r>
-              <a:rPr lang="en-US" smtClean="0"/>
+              <a:rPr lang="en-US"/>
               <a:t>Edit Master text styles</a:t>
             </a:r>
           </a:p>
@@ -3485,7 +3518,7 @@
           <a:lstStyle/>
           <a:p>
             <a:r>
-              <a:rPr lang="en-US" smtClean="0"/>
+              <a:rPr lang="en-US"/>
               <a:t>Click to edit Master title style</a:t>
             </a:r>
             <a:endParaRPr lang="en-US" dirty="0"/>
@@ -3557,7 +3590,7 @@
           <a:p>
             <a:pPr lvl="0"/>
             <a:r>
-              <a:rPr lang="en-US" smtClean="0"/>
+              <a:rPr lang="en-US"/>
               <a:t>Edit Master text styles</a:t>
             </a:r>
           </a:p>
@@ -3635,7 +3668,7 @@
           </a:lstStyle>
           <a:p>
             <a:r>
-              <a:rPr lang="en-US" smtClean="0"/>
+              <a:rPr lang="en-US"/>
               <a:t>Click icon to add picture</a:t>
             </a:r>
             <a:endParaRPr lang="en-US" dirty="0"/>
@@ -3703,7 +3736,7 @@
           <a:p>
             <a:pPr lvl="0"/>
             <a:r>
-              <a:rPr lang="en-US" smtClean="0"/>
+              <a:rPr lang="en-US"/>
               <a:t>Edit Master text styles</a:t>
             </a:r>
           </a:p>
@@ -3774,7 +3807,7 @@
           <a:p>
             <a:pPr lvl="0"/>
             <a:r>
-              <a:rPr lang="en-US" smtClean="0"/>
+              <a:rPr lang="en-US"/>
               <a:t>Edit Master text styles</a:t>
             </a:r>
           </a:p>
@@ -3852,7 +3885,7 @@
           </a:lstStyle>
           <a:p>
             <a:r>
-              <a:rPr lang="en-US" smtClean="0"/>
+              <a:rPr lang="en-US"/>
               <a:t>Click icon to add picture</a:t>
             </a:r>
             <a:endParaRPr lang="en-US" dirty="0"/>
@@ -3920,7 +3953,7 @@
           <a:p>
             <a:pPr lvl="0"/>
             <a:r>
-              <a:rPr lang="en-US" smtClean="0"/>
+              <a:rPr lang="en-US"/>
               <a:t>Edit Master text styles</a:t>
             </a:r>
           </a:p>
@@ -3991,7 +4024,7 @@
           <a:p>
             <a:pPr lvl="0"/>
             <a:r>
-              <a:rPr lang="en-US" smtClean="0"/>
+              <a:rPr lang="en-US"/>
               <a:t>Edit Master text styles</a:t>
             </a:r>
           </a:p>
@@ -4069,7 +4102,7 @@
           </a:lstStyle>
           <a:p>
             <a:r>
-              <a:rPr lang="en-US" smtClean="0"/>
+              <a:rPr lang="en-US"/>
               <a:t>Click icon to add picture</a:t>
             </a:r>
             <a:endParaRPr lang="en-US" dirty="0"/>
@@ -4137,7 +4170,7 @@
           <a:p>
             <a:pPr lvl="0"/>
             <a:r>
-              <a:rPr lang="en-US" smtClean="0"/>
+              <a:rPr lang="en-US"/>
               <a:t>Edit Master text styles</a:t>
             </a:r>
           </a:p>
@@ -4397,7 +4430,7 @@
           </a:lstStyle>
           <a:p>
             <a:r>
-              <a:rPr lang="en-US" smtClean="0"/>
+              <a:rPr lang="en-US"/>
               <a:t>Click to edit Master title style</a:t>
             </a:r>
             <a:endParaRPr lang="en-US" dirty="0"/>
@@ -4421,35 +4454,35 @@
           <a:p>
             <a:pPr lvl="0"/>
             <a:r>
-              <a:rPr lang="en-US" smtClean="0"/>
+              <a:rPr lang="en-US"/>
               <a:t>Edit Master text styles</a:t>
             </a:r>
           </a:p>
           <a:p>
             <a:pPr lvl="1"/>
             <a:r>
-              <a:rPr lang="en-US" smtClean="0"/>
+              <a:rPr lang="en-US"/>
               <a:t>Second level</a:t>
             </a:r>
           </a:p>
           <a:p>
             <a:pPr lvl="2"/>
             <a:r>
-              <a:rPr lang="en-US" smtClean="0"/>
+              <a:rPr lang="en-US"/>
               <a:t>Third level</a:t>
             </a:r>
           </a:p>
           <a:p>
             <a:pPr lvl="3"/>
             <a:r>
-              <a:rPr lang="en-US" smtClean="0"/>
+              <a:rPr lang="en-US"/>
               <a:t>Fourth level</a:t>
             </a:r>
           </a:p>
           <a:p>
             <a:pPr lvl="4"/>
             <a:r>
-              <a:rPr lang="en-US" smtClean="0"/>
+              <a:rPr lang="en-US"/>
               <a:t>Fifth level</a:t>
             </a:r>
             <a:endParaRPr lang="en-US" dirty="0"/>
@@ -4651,7 +4684,7 @@
           <a:lstStyle/>
           <a:p>
             <a:r>
-              <a:rPr lang="en-US" smtClean="0"/>
+              <a:rPr lang="en-US"/>
               <a:t>Click to edit Master title style</a:t>
             </a:r>
             <a:endParaRPr lang="en-US" dirty="0"/>
@@ -4680,35 +4713,35 @@
           <a:p>
             <a:pPr lvl="0"/>
             <a:r>
-              <a:rPr lang="en-US" smtClean="0"/>
+              <a:rPr lang="en-US"/>
               <a:t>Edit Master text styles</a:t>
             </a:r>
           </a:p>
           <a:p>
             <a:pPr lvl="1"/>
             <a:r>
-              <a:rPr lang="en-US" smtClean="0"/>
+              <a:rPr lang="en-US"/>
               <a:t>Second level</a:t>
             </a:r>
           </a:p>
           <a:p>
             <a:pPr lvl="2"/>
             <a:r>
-              <a:rPr lang="en-US" smtClean="0"/>
+              <a:rPr lang="en-US"/>
               <a:t>Third level</a:t>
             </a:r>
           </a:p>
           <a:p>
             <a:pPr lvl="3"/>
             <a:r>
-              <a:rPr lang="en-US" smtClean="0"/>
+              <a:rPr lang="en-US"/>
               <a:t>Fourth level</a:t>
             </a:r>
           </a:p>
           <a:p>
             <a:pPr lvl="4"/>
             <a:r>
-              <a:rPr lang="en-US" smtClean="0"/>
+              <a:rPr lang="en-US"/>
               <a:t>Fifth level</a:t>
             </a:r>
             <a:endParaRPr lang="en-US" dirty="0"/>
@@ -4984,7 +5017,7 @@
           <a:lstStyle/>
           <a:p>
             <a:r>
-              <a:rPr lang="en-US" smtClean="0"/>
+              <a:rPr lang="en-US"/>
               <a:t>Click to edit Master title style</a:t>
             </a:r>
             <a:endParaRPr lang="en-US" dirty="0"/>
@@ -5008,35 +5041,35 @@
           <a:p>
             <a:pPr lvl="0"/>
             <a:r>
-              <a:rPr lang="en-US" smtClean="0"/>
+              <a:rPr lang="en-US"/>
               <a:t>Edit Master text styles</a:t>
             </a:r>
           </a:p>
           <a:p>
             <a:pPr lvl="1"/>
             <a:r>
-              <a:rPr lang="en-US" smtClean="0"/>
+              <a:rPr lang="en-US"/>
               <a:t>Second level</a:t>
             </a:r>
           </a:p>
           <a:p>
             <a:pPr lvl="2"/>
             <a:r>
-              <a:rPr lang="en-US" smtClean="0"/>
+              <a:rPr lang="en-US"/>
               <a:t>Third level</a:t>
             </a:r>
           </a:p>
           <a:p>
             <a:pPr lvl="3"/>
             <a:r>
-              <a:rPr lang="en-US" smtClean="0"/>
+              <a:rPr lang="en-US"/>
               <a:t>Fourth level</a:t>
             </a:r>
           </a:p>
           <a:p>
             <a:pPr lvl="4"/>
             <a:r>
-              <a:rPr lang="en-US" smtClean="0"/>
+              <a:rPr lang="en-US"/>
               <a:t>Fifth level</a:t>
             </a:r>
             <a:endParaRPr lang="en-US" dirty="0"/>
@@ -5304,7 +5337,7 @@
           </a:lstStyle>
           <a:p>
             <a:r>
-              <a:rPr lang="en-US" smtClean="0"/>
+              <a:rPr lang="en-US"/>
               <a:t>Click to edit Master title style</a:t>
             </a:r>
             <a:endParaRPr lang="en-US" dirty="0"/>
@@ -5426,7 +5459,7 @@
           <a:p>
             <a:pPr lvl="0"/>
             <a:r>
-              <a:rPr lang="en-US" smtClean="0"/>
+              <a:rPr lang="en-US"/>
               <a:t>Edit Master text styles</a:t>
             </a:r>
           </a:p>
@@ -5687,7 +5720,7 @@
           <a:lstStyle/>
           <a:p>
             <a:r>
-              <a:rPr lang="en-US" smtClean="0"/>
+              <a:rPr lang="en-US"/>
               <a:t>Click to edit Master title style</a:t>
             </a:r>
             <a:endParaRPr lang="en-US" dirty="0"/>
@@ -5716,35 +5749,35 @@
           <a:p>
             <a:pPr lvl="0"/>
             <a:r>
-              <a:rPr lang="en-US" smtClean="0"/>
+              <a:rPr lang="en-US"/>
               <a:t>Edit Master text styles</a:t>
             </a:r>
           </a:p>
           <a:p>
             <a:pPr lvl="1"/>
             <a:r>
-              <a:rPr lang="en-US" smtClean="0"/>
+              <a:rPr lang="en-US"/>
               <a:t>Second level</a:t>
             </a:r>
           </a:p>
           <a:p>
             <a:pPr lvl="2"/>
             <a:r>
-              <a:rPr lang="en-US" smtClean="0"/>
+              <a:rPr lang="en-US"/>
               <a:t>Third level</a:t>
             </a:r>
           </a:p>
           <a:p>
             <a:pPr lvl="3"/>
             <a:r>
-              <a:rPr lang="en-US" smtClean="0"/>
+              <a:rPr lang="en-US"/>
               <a:t>Fourth level</a:t>
             </a:r>
           </a:p>
           <a:p>
             <a:pPr lvl="4"/>
             <a:r>
-              <a:rPr lang="en-US" smtClean="0"/>
+              <a:rPr lang="en-US"/>
               <a:t>Fifth level</a:t>
             </a:r>
             <a:endParaRPr lang="en-US" dirty="0"/>
@@ -5773,35 +5806,35 @@
           <a:p>
             <a:pPr lvl="0"/>
             <a:r>
-              <a:rPr lang="en-US" smtClean="0"/>
+              <a:rPr lang="en-US"/>
               <a:t>Edit Master text styles</a:t>
             </a:r>
           </a:p>
           <a:p>
             <a:pPr lvl="1"/>
             <a:r>
-              <a:rPr lang="en-US" smtClean="0"/>
+              <a:rPr lang="en-US"/>
               <a:t>Second level</a:t>
             </a:r>
           </a:p>
           <a:p>
             <a:pPr lvl="2"/>
             <a:r>
-              <a:rPr lang="en-US" smtClean="0"/>
+              <a:rPr lang="en-US"/>
               <a:t>Third level</a:t>
             </a:r>
           </a:p>
           <a:p>
             <a:pPr lvl="3"/>
             <a:r>
-              <a:rPr lang="en-US" smtClean="0"/>
+              <a:rPr lang="en-US"/>
               <a:t>Fourth level</a:t>
             </a:r>
           </a:p>
           <a:p>
             <a:pPr lvl="4"/>
             <a:r>
-              <a:rPr lang="en-US" smtClean="0"/>
+              <a:rPr lang="en-US"/>
               <a:t>Fifth level</a:t>
             </a:r>
             <a:endParaRPr lang="en-US" dirty="0"/>
@@ -6063,7 +6096,7 @@
           <a:lstStyle/>
           <a:p>
             <a:r>
-              <a:rPr lang="en-US" smtClean="0"/>
+              <a:rPr lang="en-US"/>
               <a:t>Click to edit Master title style</a:t>
             </a:r>
             <a:endParaRPr lang="en-US" dirty="0"/>
@@ -6129,7 +6162,7 @@
           <a:p>
             <a:pPr lvl="0"/>
             <a:r>
-              <a:rPr lang="en-US" smtClean="0"/>
+              <a:rPr lang="en-US"/>
               <a:t>Edit Master text styles</a:t>
             </a:r>
           </a:p>
@@ -6157,35 +6190,35 @@
           <a:p>
             <a:pPr lvl="0"/>
             <a:r>
-              <a:rPr lang="en-US" smtClean="0"/>
+              <a:rPr lang="en-US"/>
               <a:t>Edit Master text styles</a:t>
             </a:r>
           </a:p>
           <a:p>
             <a:pPr lvl="1"/>
             <a:r>
-              <a:rPr lang="en-US" smtClean="0"/>
+              <a:rPr lang="en-US"/>
               <a:t>Second level</a:t>
             </a:r>
           </a:p>
           <a:p>
             <a:pPr lvl="2"/>
             <a:r>
-              <a:rPr lang="en-US" smtClean="0"/>
+              <a:rPr lang="en-US"/>
               <a:t>Third level</a:t>
             </a:r>
           </a:p>
           <a:p>
             <a:pPr lvl="3"/>
             <a:r>
-              <a:rPr lang="en-US" smtClean="0"/>
+              <a:rPr lang="en-US"/>
               <a:t>Fourth level</a:t>
             </a:r>
           </a:p>
           <a:p>
             <a:pPr lvl="4"/>
             <a:r>
-              <a:rPr lang="en-US" smtClean="0"/>
+              <a:rPr lang="en-US"/>
               <a:t>Fifth level</a:t>
             </a:r>
             <a:endParaRPr lang="en-US" dirty="0"/>
@@ -6251,7 +6284,7 @@
           <a:p>
             <a:pPr lvl="0"/>
             <a:r>
-              <a:rPr lang="en-US" smtClean="0"/>
+              <a:rPr lang="en-US"/>
               <a:t>Edit Master text styles</a:t>
             </a:r>
           </a:p>
@@ -6279,35 +6312,35 @@
           <a:p>
             <a:pPr lvl="0"/>
             <a:r>
-              <a:rPr lang="en-US" smtClean="0"/>
+              <a:rPr lang="en-US"/>
               <a:t>Edit Master text styles</a:t>
             </a:r>
           </a:p>
           <a:p>
             <a:pPr lvl="1"/>
             <a:r>
-              <a:rPr lang="en-US" smtClean="0"/>
+              <a:rPr lang="en-US"/>
               <a:t>Second level</a:t>
             </a:r>
           </a:p>
           <a:p>
             <a:pPr lvl="2"/>
             <a:r>
-              <a:rPr lang="en-US" smtClean="0"/>
+              <a:rPr lang="en-US"/>
               <a:t>Third level</a:t>
             </a:r>
           </a:p>
           <a:p>
             <a:pPr lvl="3"/>
             <a:r>
-              <a:rPr lang="en-US" smtClean="0"/>
+              <a:rPr lang="en-US"/>
               <a:t>Fourth level</a:t>
             </a:r>
           </a:p>
           <a:p>
             <a:pPr lvl="4"/>
             <a:r>
-              <a:rPr lang="en-US" smtClean="0"/>
+              <a:rPr lang="en-US"/>
               <a:t>Fifth level</a:t>
             </a:r>
             <a:endParaRPr lang="en-US" dirty="0"/>
@@ -6564,7 +6597,7 @@
           <a:lstStyle/>
           <a:p>
             <a:r>
-              <a:rPr lang="en-US" smtClean="0"/>
+              <a:rPr lang="en-US"/>
               <a:t>Click to edit Master title style</a:t>
             </a:r>
             <a:endParaRPr lang="en-US" dirty="0"/>
@@ -6995,7 +7028,7 @@
           </a:lstStyle>
           <a:p>
             <a:r>
-              <a:rPr lang="en-US" smtClean="0"/>
+              <a:rPr lang="en-US"/>
               <a:t>Click to edit Master title style</a:t>
             </a:r>
             <a:endParaRPr lang="en-US" dirty="0"/>
@@ -7024,35 +7057,35 @@
           <a:p>
             <a:pPr lvl="0"/>
             <a:r>
-              <a:rPr lang="en-US" smtClean="0"/>
+              <a:rPr lang="en-US"/>
               <a:t>Edit Master text styles</a:t>
             </a:r>
           </a:p>
           <a:p>
             <a:pPr lvl="1"/>
             <a:r>
-              <a:rPr lang="en-US" smtClean="0"/>
+              <a:rPr lang="en-US"/>
               <a:t>Second level</a:t>
             </a:r>
           </a:p>
           <a:p>
             <a:pPr lvl="2"/>
             <a:r>
-              <a:rPr lang="en-US" smtClean="0"/>
+              <a:rPr lang="en-US"/>
               <a:t>Third level</a:t>
             </a:r>
           </a:p>
           <a:p>
             <a:pPr lvl="3"/>
             <a:r>
-              <a:rPr lang="en-US" smtClean="0"/>
+              <a:rPr lang="en-US"/>
               <a:t>Fourth level</a:t>
             </a:r>
           </a:p>
           <a:p>
             <a:pPr lvl="4"/>
             <a:r>
-              <a:rPr lang="en-US" smtClean="0"/>
+              <a:rPr lang="en-US"/>
               <a:t>Fifth level</a:t>
             </a:r>
             <a:endParaRPr lang="en-US" dirty="0"/>
@@ -7118,7 +7151,7 @@
           <a:p>
             <a:pPr lvl="0"/>
             <a:r>
-              <a:rPr lang="en-US" smtClean="0"/>
+              <a:rPr lang="en-US"/>
               <a:t>Edit Master text styles</a:t>
             </a:r>
           </a:p>
@@ -7385,7 +7418,7 @@
           </a:lstStyle>
           <a:p>
             <a:r>
-              <a:rPr lang="en-US" smtClean="0"/>
+              <a:rPr lang="en-US"/>
               <a:t>Click to edit Master title style</a:t>
             </a:r>
             <a:endParaRPr lang="en-US" dirty="0"/>
@@ -7461,7 +7494,7 @@
           </a:lstStyle>
           <a:p>
             <a:r>
-              <a:rPr lang="en-US" smtClean="0"/>
+              <a:rPr lang="en-US"/>
               <a:t>Click icon to add picture</a:t>
             </a:r>
             <a:endParaRPr lang="en-US" dirty="0"/>
@@ -7527,7 +7560,7 @@
           <a:p>
             <a:pPr lvl="0"/>
             <a:r>
-              <a:rPr lang="en-US" smtClean="0"/>
+              <a:rPr lang="en-US"/>
               <a:t>Edit Master text styles</a:t>
             </a:r>
           </a:p>
@@ -7690,7 +7723,7 @@
           <a:lstStyle/>
           <a:p>
             <a:r>
-              <a:rPr lang="en-US" smtClean="0"/>
+              <a:rPr lang="en-US"/>
               <a:t>Click to edit Master title style</a:t>
             </a:r>
             <a:endParaRPr lang="en-US" dirty="0"/>
@@ -7724,35 +7757,35 @@
           <a:p>
             <a:pPr lvl="0"/>
             <a:r>
-              <a:rPr lang="en-US" smtClean="0"/>
+              <a:rPr lang="en-US"/>
               <a:t>Edit Master text styles</a:t>
             </a:r>
           </a:p>
           <a:p>
             <a:pPr lvl="1"/>
             <a:r>
-              <a:rPr lang="en-US" smtClean="0"/>
+              <a:rPr lang="en-US"/>
               <a:t>Second level</a:t>
             </a:r>
           </a:p>
           <a:p>
             <a:pPr lvl="2"/>
             <a:r>
-              <a:rPr lang="en-US" smtClean="0"/>
+              <a:rPr lang="en-US"/>
               <a:t>Third level</a:t>
             </a:r>
           </a:p>
           <a:p>
             <a:pPr lvl="3"/>
             <a:r>
-              <a:rPr lang="en-US" smtClean="0"/>
+              <a:rPr lang="en-US"/>
               <a:t>Fourth level</a:t>
             </a:r>
           </a:p>
           <a:p>
             <a:pPr lvl="4"/>
             <a:r>
-              <a:rPr lang="en-US" smtClean="0"/>
+              <a:rPr lang="en-US"/>
               <a:t>Fifth level</a:t>
             </a:r>
             <a:endParaRPr lang="en-US" dirty="0"/>
@@ -8221,10 +8254,9 @@
           <a:lstStyle/>
           <a:p>
             <a:r>
-              <a:rPr lang="en-US" dirty="0" smtClean="0"/>
+              <a:rPr lang="en-US" dirty="0"/>
               <a:t>Project 1: Sleep Study</a:t>
             </a:r>
-            <a:endParaRPr lang="en-US" dirty="0"/>
           </a:p>
         </p:txBody>
       </p:sp>
@@ -8251,34 +8283,34 @@
           <a:lstStyle/>
           <a:p>
             <a:r>
-              <a:rPr lang="en-US" dirty="0" smtClean="0"/>
+              <a:rPr lang="en-US" dirty="0"/>
               <a:t>Lydia Bartnick</a:t>
             </a:r>
           </a:p>
           <a:p>
             <a:r>
-              <a:rPr lang="en-US" dirty="0" smtClean="0"/>
+              <a:rPr lang="en-US" dirty="0"/>
               <a:t>Anna </a:t>
             </a:r>
             <a:r>
-              <a:rPr lang="en-US" dirty="0" err="1" smtClean="0"/>
+              <a:rPr lang="en-US" dirty="0" err="1"/>
               <a:t>Collawn</a:t>
             </a:r>
-            <a:endParaRPr lang="en-US" dirty="0" smtClean="0"/>
-          </a:p>
-          <a:p>
-            <a:r>
-              <a:rPr lang="en-US" dirty="0" smtClean="0"/>
+            <a:endParaRPr lang="en-US" dirty="0"/>
+          </a:p>
+          <a:p>
+            <a:r>
+              <a:rPr lang="en-US" dirty="0"/>
               <a:t>Gil Fernandez</a:t>
             </a:r>
           </a:p>
           <a:p>
             <a:r>
-              <a:rPr lang="en-US" dirty="0" smtClean="0"/>
+              <a:rPr lang="en-US" dirty="0"/>
               <a:t>Jared </a:t>
             </a:r>
             <a:r>
-              <a:rPr lang="en-US" dirty="0" err="1" smtClean="0"/>
+              <a:rPr lang="en-US" dirty="0" err="1"/>
               <a:t>Sletto</a:t>
             </a:r>
             <a:endParaRPr lang="en-US" dirty="0"/>
@@ -8298,7 +8330,7 @@
 </p:sld>
 </file>
 
-<file path=ppt/slides/slide2.xml><?xml version="1.0" encoding="utf-8"?>
+<file path=ppt/slides/slide10.xml><?xml version="1.0" encoding="utf-8"?>
 <p:sld xmlns:a="http://schemas.openxmlformats.org/drawingml/2006/main" xmlns:r="http://schemas.openxmlformats.org/officeDocument/2006/relationships" xmlns:p="http://schemas.openxmlformats.org/presentationml/2006/main">
   <p:cSld>
     <p:spTree>
@@ -8331,117 +8363,22 @@
           <a:lstStyle/>
           <a:p>
             <a:r>
-              <a:rPr lang="en-US" dirty="0" smtClean="0"/>
-              <a:t>Overview</a:t>
-            </a:r>
-            <a:endParaRPr lang="en-US" dirty="0"/>
-          </a:p>
-        </p:txBody>
-      </p:sp>
-      <p:sp>
-        <p:nvSpPr>
-          <p:cNvPr id="3" name="Content Placeholder 2"/>
-          <p:cNvSpPr>
-            <a:spLocks noGrp="1"/>
-          </p:cNvSpPr>
-          <p:nvPr>
-            <p:ph idx="1"/>
-          </p:nvPr>
-        </p:nvSpPr>
-        <p:spPr/>
-        <p:txBody>
-          <a:bodyPr/>
-          <a:lstStyle/>
-          <a:p>
-            <a:r>
-              <a:rPr lang="en-US" sz="3200" dirty="0" smtClean="0"/>
-              <a:t>Exploring the different relationships within the dataset. </a:t>
-            </a:r>
-          </a:p>
-          <a:p>
-            <a:pPr lvl="1"/>
-            <a:r>
-              <a:rPr lang="en-US" sz="2800" dirty="0"/>
-              <a:t>Is there a relationship between sleep duration, quality of sleep, and physical activity with different physiological </a:t>
-            </a:r>
-            <a:r>
-              <a:rPr lang="en-US" sz="2800" dirty="0" smtClean="0"/>
-              <a:t>responses?</a:t>
-            </a:r>
-          </a:p>
-          <a:p>
-            <a:pPr lvl="1"/>
-            <a:r>
-              <a:rPr lang="en-US" sz="2800" dirty="0" smtClean="0"/>
-              <a:t>Does age, gender, and profession play a role in the duration and quality of sleep?</a:t>
-            </a:r>
-            <a:endParaRPr lang="en-US" sz="2800" dirty="0"/>
-          </a:p>
-        </p:txBody>
-      </p:sp>
-    </p:spTree>
-    <p:extLst>
-      <p:ext uri="{BB962C8B-B14F-4D97-AF65-F5344CB8AC3E}">
-        <p14:creationId xmlns:p14="http://schemas.microsoft.com/office/powerpoint/2010/main" val="1301224589"/>
-      </p:ext>
-    </p:extLst>
-  </p:cSld>
-  <p:clrMapOvr>
-    <a:masterClrMapping/>
-  </p:clrMapOvr>
-</p:sld>
-</file>
-
-<file path=ppt/slides/slide3.xml><?xml version="1.0" encoding="utf-8"?>
-<p:sld xmlns:a="http://schemas.openxmlformats.org/drawingml/2006/main" xmlns:r="http://schemas.openxmlformats.org/officeDocument/2006/relationships" xmlns:p="http://schemas.openxmlformats.org/presentationml/2006/main">
-  <p:cSld>
-    <p:spTree>
-      <p:nvGrpSpPr>
-        <p:cNvPr id="1" name=""/>
-        <p:cNvGrpSpPr/>
-        <p:nvPr/>
-      </p:nvGrpSpPr>
-      <p:grpSpPr>
-        <a:xfrm>
-          <a:off x="0" y="0"/>
-          <a:ext cx="0" cy="0"/>
-          <a:chOff x="0" y="0"/>
-          <a:chExt cx="0" cy="0"/>
-        </a:xfrm>
-      </p:grpSpPr>
-      <p:sp>
-        <p:nvSpPr>
-          <p:cNvPr id="2" name="Title 1"/>
-          <p:cNvSpPr>
-            <a:spLocks noGrp="1"/>
-          </p:cNvSpPr>
-          <p:nvPr>
-            <p:ph type="title"/>
-          </p:nvPr>
-        </p:nvSpPr>
-        <p:spPr/>
-        <p:txBody>
-          <a:bodyPr/>
-          <a:lstStyle/>
-          <a:p>
-            <a:r>
-              <a:rPr lang="en-US" dirty="0" smtClean="0"/>
-              <a:t>Quality of Sleep</a:t>
-            </a:r>
-            <a:endParaRPr lang="en-US" dirty="0"/>
-          </a:p>
-        </p:txBody>
-      </p:sp>
-      <p:sp>
-        <p:nvSpPr>
-          <p:cNvPr id="5" name="TextBox 4"/>
+              <a:rPr lang="en-US" dirty="0"/>
+              <a:t>Which Profession Gets Better Quality of Sleep?</a:t>
+            </a:r>
+          </a:p>
+        </p:txBody>
+      </p:sp>
+      <p:sp>
+        <p:nvSpPr>
+          <p:cNvPr id="7" name="TextBox 6"/>
           <p:cNvSpPr txBox="1"/>
           <p:nvPr/>
         </p:nvSpPr>
         <p:spPr>
           <a:xfrm>
-            <a:off x="7192376" y="3044202"/>
-            <a:ext cx="3935663" cy="2308324"/>
+            <a:off x="6533063" y="2254848"/>
+            <a:ext cx="5464028" cy="3785652"/>
           </a:xfrm>
           <a:prstGeom prst="rect">
             <a:avLst/>
@@ -8455,231 +8392,8 @@
           <a:lstStyle/>
           <a:p>
             <a:r>
-              <a:rPr lang="en-US" sz="2400" dirty="0" smtClean="0"/>
-              <a:t>Quality of sleep is the measurement of how well someone sleeps at night. The average adult needs 7 or more hours of restful and restorative sleep.</a:t>
-            </a:r>
-            <a:endParaRPr lang="en-US" sz="2400" dirty="0"/>
-          </a:p>
-        </p:txBody>
-      </p:sp>
-      <p:pic>
-        <p:nvPicPr>
-          <p:cNvPr id="7" name="Picture 6"/>
-          <p:cNvPicPr>
-            <a:picLocks noChangeAspect="1"/>
-          </p:cNvPicPr>
-          <p:nvPr/>
-        </p:nvPicPr>
-        <p:blipFill>
-          <a:blip r:embed="rId2"/>
-          <a:stretch>
-            <a:fillRect/>
-          </a:stretch>
-        </p:blipFill>
-        <p:spPr>
-          <a:xfrm>
-            <a:off x="325688" y="2420302"/>
-            <a:ext cx="6278312" cy="3556125"/>
-          </a:xfrm>
-          <a:prstGeom prst="rect">
-            <a:avLst/>
-          </a:prstGeom>
-        </p:spPr>
-      </p:pic>
-    </p:spTree>
-    <p:extLst>
-      <p:ext uri="{BB962C8B-B14F-4D97-AF65-F5344CB8AC3E}">
-        <p14:creationId xmlns:p14="http://schemas.microsoft.com/office/powerpoint/2010/main" val="1174100958"/>
-      </p:ext>
-    </p:extLst>
-  </p:cSld>
-  <p:clrMapOvr>
-    <a:masterClrMapping/>
-  </p:clrMapOvr>
-</p:sld>
-</file>
-
-<file path=ppt/slides/slide4.xml><?xml version="1.0" encoding="utf-8"?>
-<p:sld xmlns:a="http://schemas.openxmlformats.org/drawingml/2006/main" xmlns:r="http://schemas.openxmlformats.org/officeDocument/2006/relationships" xmlns:p="http://schemas.openxmlformats.org/presentationml/2006/main">
-  <p:cSld>
-    <p:spTree>
-      <p:nvGrpSpPr>
-        <p:cNvPr id="1" name=""/>
-        <p:cNvGrpSpPr/>
-        <p:nvPr/>
-      </p:nvGrpSpPr>
-      <p:grpSpPr>
-        <a:xfrm>
-          <a:off x="0" y="0"/>
-          <a:ext cx="0" cy="0"/>
-          <a:chOff x="0" y="0"/>
-          <a:chExt cx="0" cy="0"/>
-        </a:xfrm>
-      </p:grpSpPr>
-      <p:sp>
-        <p:nvSpPr>
-          <p:cNvPr id="2" name="Title 1"/>
-          <p:cNvSpPr>
-            <a:spLocks noGrp="1"/>
-          </p:cNvSpPr>
-          <p:nvPr>
-            <p:ph type="title"/>
-          </p:nvPr>
-        </p:nvSpPr>
-        <p:spPr/>
-        <p:txBody>
-          <a:bodyPr/>
-          <a:lstStyle/>
-          <a:p>
-            <a:r>
-              <a:rPr lang="en-US" dirty="0" smtClean="0"/>
-              <a:t>Which Gender Gets the Better Quality of Sleep?</a:t>
-            </a:r>
-            <a:endParaRPr lang="en-US" dirty="0"/>
-          </a:p>
-        </p:txBody>
-      </p:sp>
-      <p:pic>
-        <p:nvPicPr>
-          <p:cNvPr id="4" name="Content Placeholder 3"/>
-          <p:cNvPicPr>
-            <a:picLocks noGrp="1" noChangeAspect="1"/>
-          </p:cNvPicPr>
-          <p:nvPr>
-            <p:ph idx="1"/>
-          </p:nvPr>
-        </p:nvPicPr>
-        <p:blipFill>
-          <a:blip r:embed="rId2">
-            <a:extLst>
-              <a:ext uri="{28A0092B-C50C-407E-A947-70E740481C1C}">
-                <a14:useLocalDpi xmlns:a14="http://schemas.microsoft.com/office/drawing/2010/main" val="0"/>
-              </a:ext>
-            </a:extLst>
-          </a:blip>
-          <a:stretch>
-            <a:fillRect/>
-          </a:stretch>
-        </p:blipFill>
-        <p:spPr>
-          <a:xfrm>
-            <a:off x="680321" y="2112210"/>
-            <a:ext cx="5360097" cy="4416927"/>
-          </a:xfrm>
-        </p:spPr>
-      </p:pic>
-      <p:sp>
-        <p:nvSpPr>
-          <p:cNvPr id="5" name="TextBox 4"/>
-          <p:cNvSpPr txBox="1"/>
-          <p:nvPr/>
-        </p:nvSpPr>
-        <p:spPr>
-          <a:xfrm>
-            <a:off x="6748182" y="2797179"/>
-            <a:ext cx="4919579" cy="3046988"/>
-          </a:xfrm>
-          <a:prstGeom prst="rect">
-            <a:avLst/>
-          </a:prstGeom>
-          <a:noFill/>
-        </p:spPr>
-        <p:txBody>
-          <a:bodyPr wrap="square" rtlCol="0">
-            <a:spAutoFit/>
-          </a:bodyPr>
-          <a:lstStyle/>
-          <a:p>
-            <a:r>
-              <a:rPr lang="en-US" sz="2400" dirty="0" smtClean="0"/>
-              <a:t>In this dataset, 185 males and 189 females were analyzed. On average, the men from the dataset get a more restful and restorative sleep. Men, on average, received 8 hours of quality sleep, while women received 7 hours. </a:t>
-            </a:r>
-            <a:endParaRPr lang="en-US" sz="2400" dirty="0"/>
-          </a:p>
-        </p:txBody>
-      </p:sp>
-    </p:spTree>
-    <p:extLst>
-      <p:ext uri="{BB962C8B-B14F-4D97-AF65-F5344CB8AC3E}">
-        <p14:creationId xmlns:p14="http://schemas.microsoft.com/office/powerpoint/2010/main" val="687638618"/>
-      </p:ext>
-    </p:extLst>
-  </p:cSld>
-  <p:clrMapOvr>
-    <a:masterClrMapping/>
-  </p:clrMapOvr>
-</p:sld>
-</file>
-
-<file path=ppt/slides/slide5.xml><?xml version="1.0" encoding="utf-8"?>
-<p:sld xmlns:a="http://schemas.openxmlformats.org/drawingml/2006/main" xmlns:r="http://schemas.openxmlformats.org/officeDocument/2006/relationships" xmlns:p="http://schemas.openxmlformats.org/presentationml/2006/main">
-  <p:cSld>
-    <p:spTree>
-      <p:nvGrpSpPr>
-        <p:cNvPr id="1" name=""/>
-        <p:cNvGrpSpPr/>
-        <p:nvPr/>
-      </p:nvGrpSpPr>
-      <p:grpSpPr>
-        <a:xfrm>
-          <a:off x="0" y="0"/>
-          <a:ext cx="0" cy="0"/>
-          <a:chOff x="0" y="0"/>
-          <a:chExt cx="0" cy="0"/>
-        </a:xfrm>
-      </p:grpSpPr>
-      <p:sp>
-        <p:nvSpPr>
-          <p:cNvPr id="2" name="Title 1"/>
-          <p:cNvSpPr>
-            <a:spLocks noGrp="1"/>
-          </p:cNvSpPr>
-          <p:nvPr>
-            <p:ph type="title"/>
-          </p:nvPr>
-        </p:nvSpPr>
-        <p:spPr/>
-        <p:txBody>
-          <a:bodyPr/>
-          <a:lstStyle/>
-          <a:p>
-            <a:r>
-              <a:rPr lang="en-US" dirty="0" smtClean="0"/>
-              <a:t>Which Profession Gets Better Quality of Sleep?</a:t>
-            </a:r>
-            <a:endParaRPr lang="en-US" dirty="0"/>
-          </a:p>
-        </p:txBody>
-      </p:sp>
-      <p:sp>
-        <p:nvSpPr>
-          <p:cNvPr id="7" name="TextBox 6"/>
-          <p:cNvSpPr txBox="1"/>
-          <p:nvPr/>
-        </p:nvSpPr>
-        <p:spPr>
-          <a:xfrm>
-            <a:off x="6533063" y="2254848"/>
-            <a:ext cx="5464028" cy="3785652"/>
-          </a:xfrm>
-          <a:prstGeom prst="rect">
-            <a:avLst/>
-          </a:prstGeom>
-          <a:noFill/>
-        </p:spPr>
-        <p:txBody>
-          <a:bodyPr wrap="square" rtlCol="0">
-            <a:spAutoFit/>
-          </a:bodyPr>
-          <a:lstStyle/>
-          <a:p>
-            <a:r>
-              <a:rPr lang="en-US" sz="2000" dirty="0" smtClean="0"/>
-              <a:t>Eleven professions were analyzed from different industries. </a:t>
-            </a:r>
-            <a:r>
-              <a:rPr lang="en-US" sz="2000" dirty="0" smtClean="0"/>
-              <a:t>This graph represents the average quality of sleep per occupation compare to the total count of each occupation. </a:t>
+              <a:rPr lang="en-US" sz="2000" dirty="0"/>
+              <a:t>Eleven professions were analyzed from different industries. This graph represents the average quality of sleep per occupation compare to the total count of each occupation. </a:t>
             </a:r>
           </a:p>
           <a:p>
@@ -8687,10 +8401,9 @@
           </a:p>
           <a:p>
             <a:r>
-              <a:rPr lang="en-US" sz="2000" dirty="0" smtClean="0"/>
+              <a:rPr lang="en-US" sz="2000" dirty="0"/>
               <a:t>The uneven count of each profession proves to be a limitation to our data. For example, Manager occupation only has only 1 count and an average quality of sleep, where as doctor has a 71 count and a below average quality of sleep.</a:t>
             </a:r>
-            <a:endParaRPr lang="en-US" sz="2000" dirty="0"/>
           </a:p>
         </p:txBody>
       </p:sp>
@@ -8817,6 +8530,978 @@
     <p:extLst>
       <p:ext uri="{BB962C8B-B14F-4D97-AF65-F5344CB8AC3E}">
         <p14:creationId xmlns:p14="http://schemas.microsoft.com/office/powerpoint/2010/main" val="1941754537"/>
+      </p:ext>
+    </p:extLst>
+  </p:cSld>
+  <p:clrMapOvr>
+    <a:masterClrMapping/>
+  </p:clrMapOvr>
+</p:sld>
+</file>
+
+<file path=ppt/slides/slide2.xml><?xml version="1.0" encoding="utf-8"?>
+<p:sld xmlns:a="http://schemas.openxmlformats.org/drawingml/2006/main" xmlns:r="http://schemas.openxmlformats.org/officeDocument/2006/relationships" xmlns:p="http://schemas.openxmlformats.org/presentationml/2006/main">
+  <p:cSld>
+    <p:spTree>
+      <p:nvGrpSpPr>
+        <p:cNvPr id="1" name=""/>
+        <p:cNvGrpSpPr/>
+        <p:nvPr/>
+      </p:nvGrpSpPr>
+      <p:grpSpPr>
+        <a:xfrm>
+          <a:off x="0" y="0"/>
+          <a:ext cx="0" cy="0"/>
+          <a:chOff x="0" y="0"/>
+          <a:chExt cx="0" cy="0"/>
+        </a:xfrm>
+      </p:grpSpPr>
+      <p:sp>
+        <p:nvSpPr>
+          <p:cNvPr id="2" name="Title 1"/>
+          <p:cNvSpPr>
+            <a:spLocks noGrp="1"/>
+          </p:cNvSpPr>
+          <p:nvPr>
+            <p:ph type="title"/>
+          </p:nvPr>
+        </p:nvSpPr>
+        <p:spPr/>
+        <p:txBody>
+          <a:bodyPr/>
+          <a:lstStyle/>
+          <a:p>
+            <a:r>
+              <a:rPr lang="en-US" dirty="0"/>
+              <a:t>Overview</a:t>
+            </a:r>
+          </a:p>
+        </p:txBody>
+      </p:sp>
+      <p:sp>
+        <p:nvSpPr>
+          <p:cNvPr id="3" name="Content Placeholder 2"/>
+          <p:cNvSpPr>
+            <a:spLocks noGrp="1"/>
+          </p:cNvSpPr>
+          <p:nvPr>
+            <p:ph idx="1"/>
+          </p:nvPr>
+        </p:nvSpPr>
+        <p:spPr/>
+        <p:txBody>
+          <a:bodyPr/>
+          <a:lstStyle/>
+          <a:p>
+            <a:r>
+              <a:rPr lang="en-US" sz="3200" dirty="0"/>
+              <a:t>Exploring the different relationships within the dataset. </a:t>
+            </a:r>
+          </a:p>
+          <a:p>
+            <a:pPr lvl="1"/>
+            <a:r>
+              <a:rPr lang="en-US" sz="2800" dirty="0"/>
+              <a:t>Is there a relationship between sleep duration, quality of sleep, and physical activity with different physiological responses?</a:t>
+            </a:r>
+          </a:p>
+          <a:p>
+            <a:pPr lvl="1"/>
+            <a:r>
+              <a:rPr lang="en-US" sz="2800" dirty="0"/>
+              <a:t>Does age, gender, and profession play a role in the duration and quality of sleep?</a:t>
+            </a:r>
+          </a:p>
+        </p:txBody>
+      </p:sp>
+    </p:spTree>
+    <p:extLst>
+      <p:ext uri="{BB962C8B-B14F-4D97-AF65-F5344CB8AC3E}">
+        <p14:creationId xmlns:p14="http://schemas.microsoft.com/office/powerpoint/2010/main" val="1301224589"/>
+      </p:ext>
+    </p:extLst>
+  </p:cSld>
+  <p:clrMapOvr>
+    <a:masterClrMapping/>
+  </p:clrMapOvr>
+</p:sld>
+</file>
+
+<file path=ppt/slides/slide3.xml><?xml version="1.0" encoding="utf-8"?>
+<p:sld xmlns:a="http://schemas.openxmlformats.org/drawingml/2006/main" xmlns:r="http://schemas.openxmlformats.org/officeDocument/2006/relationships" xmlns:p="http://schemas.openxmlformats.org/presentationml/2006/main">
+  <p:cSld>
+    <p:spTree>
+      <p:nvGrpSpPr>
+        <p:cNvPr id="1" name=""/>
+        <p:cNvGrpSpPr/>
+        <p:nvPr/>
+      </p:nvGrpSpPr>
+      <p:grpSpPr>
+        <a:xfrm>
+          <a:off x="0" y="0"/>
+          <a:ext cx="0" cy="0"/>
+          <a:chOff x="0" y="0"/>
+          <a:chExt cx="0" cy="0"/>
+        </a:xfrm>
+      </p:grpSpPr>
+      <p:sp>
+        <p:nvSpPr>
+          <p:cNvPr id="2" name="Title 1">
+            <a:extLst>
+              <a:ext uri="{FF2B5EF4-FFF2-40B4-BE49-F238E27FC236}">
+                <a16:creationId xmlns:a16="http://schemas.microsoft.com/office/drawing/2014/main" id="{25973B98-CF0D-3CB5-A082-68397B9D743E}"/>
+              </a:ext>
+            </a:extLst>
+          </p:cNvPr>
+          <p:cNvSpPr>
+            <a:spLocks noGrp="1"/>
+          </p:cNvSpPr>
+          <p:nvPr>
+            <p:ph type="title"/>
+          </p:nvPr>
+        </p:nvSpPr>
+        <p:spPr/>
+        <p:txBody>
+          <a:bodyPr/>
+          <a:lstStyle/>
+          <a:p>
+            <a:r>
+              <a:rPr lang="en-US" dirty="0"/>
+              <a:t>What impact does age have on</a:t>
+            </a:r>
+            <a:br>
+              <a:rPr lang="en-US" dirty="0"/>
+            </a:br>
+            <a:r>
+              <a:rPr lang="en-US" dirty="0"/>
+              <a:t> stress and sleep?</a:t>
+            </a:r>
+          </a:p>
+        </p:txBody>
+      </p:sp>
+      <p:sp>
+        <p:nvSpPr>
+          <p:cNvPr id="3" name="Text Placeholder 2">
+            <a:extLst>
+              <a:ext uri="{FF2B5EF4-FFF2-40B4-BE49-F238E27FC236}">
+                <a16:creationId xmlns:a16="http://schemas.microsoft.com/office/drawing/2014/main" id="{393D4557-4D77-B615-880B-F090AE81933E}"/>
+              </a:ext>
+            </a:extLst>
+          </p:cNvPr>
+          <p:cNvSpPr>
+            <a:spLocks noGrp="1"/>
+          </p:cNvSpPr>
+          <p:nvPr>
+            <p:ph type="body" idx="1"/>
+          </p:nvPr>
+        </p:nvSpPr>
+        <p:spPr/>
+        <p:txBody>
+          <a:bodyPr/>
+          <a:lstStyle/>
+          <a:p>
+            <a:r>
+              <a:rPr lang="en-US" dirty="0"/>
+              <a:t>Why can’t I pull those college all </a:t>
+            </a:r>
+            <a:r>
+              <a:rPr lang="en-US" dirty="0" err="1"/>
+              <a:t>nighters</a:t>
+            </a:r>
+            <a:r>
+              <a:rPr lang="en-US" dirty="0"/>
+              <a:t> anymore?</a:t>
+            </a:r>
+          </a:p>
+          <a:p>
+            <a:r>
+              <a:rPr lang="en-US" dirty="0"/>
+              <a:t>Do we get more stressed out when we age due to sleep?</a:t>
+            </a:r>
+          </a:p>
+          <a:p>
+            <a:endParaRPr lang="en-US" dirty="0"/>
+          </a:p>
+        </p:txBody>
+      </p:sp>
+    </p:spTree>
+    <p:extLst>
+      <p:ext uri="{BB962C8B-B14F-4D97-AF65-F5344CB8AC3E}">
+        <p14:creationId xmlns:p14="http://schemas.microsoft.com/office/powerpoint/2010/main" val="2173364212"/>
+      </p:ext>
+    </p:extLst>
+  </p:cSld>
+  <p:clrMapOvr>
+    <a:masterClrMapping/>
+  </p:clrMapOvr>
+</p:sld>
+</file>
+
+<file path=ppt/slides/slide4.xml><?xml version="1.0" encoding="utf-8"?>
+<p:sld xmlns:a="http://schemas.openxmlformats.org/drawingml/2006/main" xmlns:r="http://schemas.openxmlformats.org/officeDocument/2006/relationships" xmlns:p="http://schemas.openxmlformats.org/presentationml/2006/main">
+  <p:cSld>
+    <p:spTree>
+      <p:nvGrpSpPr>
+        <p:cNvPr id="1" name=""/>
+        <p:cNvGrpSpPr/>
+        <p:nvPr/>
+      </p:nvGrpSpPr>
+      <p:grpSpPr>
+        <a:xfrm>
+          <a:off x="0" y="0"/>
+          <a:ext cx="0" cy="0"/>
+          <a:chOff x="0" y="0"/>
+          <a:chExt cx="0" cy="0"/>
+        </a:xfrm>
+      </p:grpSpPr>
+      <p:sp>
+        <p:nvSpPr>
+          <p:cNvPr id="2" name="Title 1">
+            <a:extLst>
+              <a:ext uri="{FF2B5EF4-FFF2-40B4-BE49-F238E27FC236}">
+                <a16:creationId xmlns:a16="http://schemas.microsoft.com/office/drawing/2014/main" id="{D64F96C8-A14D-F6E3-D61C-45769A58E357}"/>
+              </a:ext>
+            </a:extLst>
+          </p:cNvPr>
+          <p:cNvSpPr>
+            <a:spLocks noGrp="1"/>
+          </p:cNvSpPr>
+          <p:nvPr>
+            <p:ph type="title"/>
+          </p:nvPr>
+        </p:nvSpPr>
+        <p:spPr/>
+        <p:txBody>
+          <a:bodyPr/>
+          <a:lstStyle/>
+          <a:p>
+            <a:r>
+              <a:rPr lang="en-US" dirty="0"/>
+              <a:t>On average, people who slept more were less stressed</a:t>
+            </a:r>
+          </a:p>
+        </p:txBody>
+      </p:sp>
+      <p:sp>
+        <p:nvSpPr>
+          <p:cNvPr id="3" name="Content Placeholder 2">
+            <a:extLst>
+              <a:ext uri="{FF2B5EF4-FFF2-40B4-BE49-F238E27FC236}">
+                <a16:creationId xmlns:a16="http://schemas.microsoft.com/office/drawing/2014/main" id="{25345B8E-0CCE-5D00-6D37-DF422D7D9559}"/>
+              </a:ext>
+            </a:extLst>
+          </p:cNvPr>
+          <p:cNvSpPr>
+            <a:spLocks noGrp="1"/>
+          </p:cNvSpPr>
+          <p:nvPr>
+            <p:ph sz="half" idx="1"/>
+          </p:nvPr>
+        </p:nvSpPr>
+        <p:spPr/>
+        <p:txBody>
+          <a:bodyPr>
+            <a:normAutofit/>
+          </a:bodyPr>
+          <a:lstStyle/>
+          <a:p>
+            <a:r>
+              <a:rPr lang="en-US" dirty="0"/>
+              <a:t>Bar graph shows the averages of each category by age group.</a:t>
+            </a:r>
+          </a:p>
+          <a:p>
+            <a:r>
+              <a:rPr lang="en-US" dirty="0"/>
+              <a:t>Our data csv file included an age column</a:t>
+            </a:r>
+          </a:p>
+          <a:p>
+            <a:r>
+              <a:rPr lang="en-US" dirty="0"/>
+              <a:t>Created bins and calculated the average per bin</a:t>
+            </a:r>
+          </a:p>
+          <a:p>
+            <a:r>
+              <a:rPr lang="en-US" dirty="0"/>
+              <a:t>Why does stress increase in 40s and sleep decrease?</a:t>
+            </a:r>
+          </a:p>
+        </p:txBody>
+      </p:sp>
+      <p:pic>
+        <p:nvPicPr>
+          <p:cNvPr id="10" name="Content Placeholder 9" descr="A graph of stress levels&#10;&#10;Description automatically generated">
+            <a:extLst>
+              <a:ext uri="{FF2B5EF4-FFF2-40B4-BE49-F238E27FC236}">
+                <a16:creationId xmlns:a16="http://schemas.microsoft.com/office/drawing/2014/main" id="{98B4D084-899B-CDB4-E52B-1463DE0DB485}"/>
+              </a:ext>
+            </a:extLst>
+          </p:cNvPr>
+          <p:cNvPicPr>
+            <a:picLocks noGrp="1" noChangeAspect="1"/>
+          </p:cNvPicPr>
+          <p:nvPr>
+            <p:ph sz="half" idx="2"/>
+          </p:nvPr>
+        </p:nvPicPr>
+        <p:blipFill>
+          <a:blip r:embed="rId2">
+            <a:extLst>
+              <a:ext uri="{28A0092B-C50C-407E-A947-70E740481C1C}">
+                <a14:useLocalDpi xmlns:a14="http://schemas.microsoft.com/office/drawing/2010/main" val="0"/>
+              </a:ext>
+            </a:extLst>
+          </a:blip>
+          <a:stretch>
+            <a:fillRect/>
+          </a:stretch>
+        </p:blipFill>
+        <p:spPr>
+          <a:xfrm>
+            <a:off x="5594350" y="2373511"/>
+            <a:ext cx="4700588" cy="3525441"/>
+          </a:xfrm>
+        </p:spPr>
+      </p:pic>
+    </p:spTree>
+    <p:extLst>
+      <p:ext uri="{BB962C8B-B14F-4D97-AF65-F5344CB8AC3E}">
+        <p14:creationId xmlns:p14="http://schemas.microsoft.com/office/powerpoint/2010/main" val="922821069"/>
+      </p:ext>
+    </p:extLst>
+  </p:cSld>
+  <p:clrMapOvr>
+    <a:masterClrMapping/>
+  </p:clrMapOvr>
+</p:sld>
+</file>
+
+<file path=ppt/slides/slide5.xml><?xml version="1.0" encoding="utf-8"?>
+<p:sld xmlns:a="http://schemas.openxmlformats.org/drawingml/2006/main" xmlns:r="http://schemas.openxmlformats.org/officeDocument/2006/relationships" xmlns:p="http://schemas.openxmlformats.org/presentationml/2006/main">
+  <p:cSld>
+    <p:spTree>
+      <p:nvGrpSpPr>
+        <p:cNvPr id="1" name=""/>
+        <p:cNvGrpSpPr/>
+        <p:nvPr/>
+      </p:nvGrpSpPr>
+      <p:grpSpPr>
+        <a:xfrm>
+          <a:off x="0" y="0"/>
+          <a:ext cx="0" cy="0"/>
+          <a:chOff x="0" y="0"/>
+          <a:chExt cx="0" cy="0"/>
+        </a:xfrm>
+      </p:grpSpPr>
+      <p:sp>
+        <p:nvSpPr>
+          <p:cNvPr id="2" name="Title 1">
+            <a:extLst>
+              <a:ext uri="{FF2B5EF4-FFF2-40B4-BE49-F238E27FC236}">
+                <a16:creationId xmlns:a16="http://schemas.microsoft.com/office/drawing/2014/main" id="{EE1AA763-C9ED-91B9-8011-95A898A1FE47}"/>
+              </a:ext>
+            </a:extLst>
+          </p:cNvPr>
+          <p:cNvSpPr>
+            <a:spLocks noGrp="1"/>
+          </p:cNvSpPr>
+          <p:nvPr>
+            <p:ph type="title"/>
+          </p:nvPr>
+        </p:nvSpPr>
+        <p:spPr/>
+        <p:txBody>
+          <a:bodyPr/>
+          <a:lstStyle/>
+          <a:p>
+            <a:r>
+              <a:rPr lang="en-US" dirty="0"/>
+              <a:t>All Participants – Sleep Duration</a:t>
+            </a:r>
+          </a:p>
+        </p:txBody>
+      </p:sp>
+      <p:sp>
+        <p:nvSpPr>
+          <p:cNvPr id="3" name="Content Placeholder 2">
+            <a:extLst>
+              <a:ext uri="{FF2B5EF4-FFF2-40B4-BE49-F238E27FC236}">
+                <a16:creationId xmlns:a16="http://schemas.microsoft.com/office/drawing/2014/main" id="{A6726F9E-DA1B-457E-6606-BC5C5739F5FC}"/>
+              </a:ext>
+            </a:extLst>
+          </p:cNvPr>
+          <p:cNvSpPr>
+            <a:spLocks noGrp="1"/>
+          </p:cNvSpPr>
+          <p:nvPr>
+            <p:ph sz="half" idx="1"/>
+          </p:nvPr>
+        </p:nvSpPr>
+        <p:spPr/>
+        <p:txBody>
+          <a:bodyPr>
+            <a:normAutofit fontScale="92500"/>
+          </a:bodyPr>
+          <a:lstStyle/>
+          <a:p>
+            <a:r>
+              <a:rPr lang="en-US" dirty="0"/>
+              <a:t>Negative relationship</a:t>
+            </a:r>
+          </a:p>
+          <a:p>
+            <a:r>
+              <a:rPr lang="en-US" dirty="0"/>
+              <a:t>~50 points used on this graph</a:t>
+            </a:r>
+          </a:p>
+          <a:p>
+            <a:r>
+              <a:rPr lang="en-US" dirty="0"/>
+              <a:t>354 participants</a:t>
+            </a:r>
+          </a:p>
+          <a:p>
+            <a:r>
+              <a:rPr lang="en-US" dirty="0"/>
+              <a:t>Used different shapes and colors to show different age groups</a:t>
+            </a:r>
+          </a:p>
+          <a:p>
+            <a:r>
+              <a:rPr lang="en-US" dirty="0"/>
+              <a:t>Decreased the alpha so bolder colors are more frequent and can see other symbols</a:t>
+            </a:r>
+          </a:p>
+          <a:p>
+            <a:r>
+              <a:rPr lang="en-US" dirty="0"/>
+              <a:t>No regression lines / </a:t>
+            </a:r>
+            <a:r>
+              <a:rPr lang="en-US"/>
+              <a:t>Too busy</a:t>
+            </a:r>
+            <a:endParaRPr lang="en-US" dirty="0"/>
+          </a:p>
+        </p:txBody>
+      </p:sp>
+      <p:pic>
+        <p:nvPicPr>
+          <p:cNvPr id="6" name="Content Placeholder 5" descr="A graph of a sleep level&#10;&#10;Description automatically generated">
+            <a:extLst>
+              <a:ext uri="{FF2B5EF4-FFF2-40B4-BE49-F238E27FC236}">
+                <a16:creationId xmlns:a16="http://schemas.microsoft.com/office/drawing/2014/main" id="{26B50B33-7097-70FC-AC16-65D8BA7C3CFB}"/>
+              </a:ext>
+            </a:extLst>
+          </p:cNvPr>
+          <p:cNvPicPr>
+            <a:picLocks noGrp="1" noChangeAspect="1"/>
+          </p:cNvPicPr>
+          <p:nvPr>
+            <p:ph sz="half" idx="2"/>
+          </p:nvPr>
+        </p:nvPicPr>
+        <p:blipFill>
+          <a:blip r:embed="rId2">
+            <a:extLst>
+              <a:ext uri="{28A0092B-C50C-407E-A947-70E740481C1C}">
+                <a14:useLocalDpi xmlns:a14="http://schemas.microsoft.com/office/drawing/2010/main" val="0"/>
+              </a:ext>
+            </a:extLst>
+          </a:blip>
+          <a:stretch>
+            <a:fillRect/>
+          </a:stretch>
+        </p:blipFill>
+        <p:spPr>
+          <a:xfrm>
+            <a:off x="5594350" y="2373511"/>
+            <a:ext cx="4700588" cy="3525441"/>
+          </a:xfrm>
+        </p:spPr>
+      </p:pic>
+    </p:spTree>
+    <p:extLst>
+      <p:ext uri="{BB962C8B-B14F-4D97-AF65-F5344CB8AC3E}">
+        <p14:creationId xmlns:p14="http://schemas.microsoft.com/office/powerpoint/2010/main" val="2562965548"/>
+      </p:ext>
+    </p:extLst>
+  </p:cSld>
+  <p:clrMapOvr>
+    <a:masterClrMapping/>
+  </p:clrMapOvr>
+</p:sld>
+</file>
+
+<file path=ppt/slides/slide6.xml><?xml version="1.0" encoding="utf-8"?>
+<p:sld xmlns:a="http://schemas.openxmlformats.org/drawingml/2006/main" xmlns:r="http://schemas.openxmlformats.org/officeDocument/2006/relationships" xmlns:p="http://schemas.openxmlformats.org/presentationml/2006/main">
+  <p:cSld>
+    <p:spTree>
+      <p:nvGrpSpPr>
+        <p:cNvPr id="1" name=""/>
+        <p:cNvGrpSpPr/>
+        <p:nvPr/>
+      </p:nvGrpSpPr>
+      <p:grpSpPr>
+        <a:xfrm>
+          <a:off x="0" y="0"/>
+          <a:ext cx="0" cy="0"/>
+          <a:chOff x="0" y="0"/>
+          <a:chExt cx="0" cy="0"/>
+        </a:xfrm>
+      </p:grpSpPr>
+      <p:sp>
+        <p:nvSpPr>
+          <p:cNvPr id="2" name="Title 1">
+            <a:extLst>
+              <a:ext uri="{FF2B5EF4-FFF2-40B4-BE49-F238E27FC236}">
+                <a16:creationId xmlns:a16="http://schemas.microsoft.com/office/drawing/2014/main" id="{64C53067-3A7F-AC71-6ACE-711D716F837C}"/>
+              </a:ext>
+            </a:extLst>
+          </p:cNvPr>
+          <p:cNvSpPr>
+            <a:spLocks noGrp="1"/>
+          </p:cNvSpPr>
+          <p:nvPr>
+            <p:ph type="title"/>
+          </p:nvPr>
+        </p:nvSpPr>
+        <p:spPr/>
+        <p:txBody>
+          <a:bodyPr/>
+          <a:lstStyle/>
+          <a:p>
+            <a:r>
+              <a:rPr lang="en-US" dirty="0"/>
+              <a:t>All participants – Quality of Sleep</a:t>
+            </a:r>
+          </a:p>
+        </p:txBody>
+      </p:sp>
+      <p:sp>
+        <p:nvSpPr>
+          <p:cNvPr id="3" name="Content Placeholder 2">
+            <a:extLst>
+              <a:ext uri="{FF2B5EF4-FFF2-40B4-BE49-F238E27FC236}">
+                <a16:creationId xmlns:a16="http://schemas.microsoft.com/office/drawing/2014/main" id="{9D5D139E-9127-CA29-652C-180801D057EB}"/>
+              </a:ext>
+            </a:extLst>
+          </p:cNvPr>
+          <p:cNvSpPr>
+            <a:spLocks noGrp="1"/>
+          </p:cNvSpPr>
+          <p:nvPr>
+            <p:ph sz="half" idx="1"/>
+          </p:nvPr>
+        </p:nvSpPr>
+        <p:spPr/>
+        <p:txBody>
+          <a:bodyPr>
+            <a:normAutofit lnSpcReduction="10000"/>
+          </a:bodyPr>
+          <a:lstStyle/>
+          <a:p>
+            <a:r>
+              <a:rPr lang="en-US" dirty="0"/>
+              <a:t>Only 15 points on this graph</a:t>
+            </a:r>
+          </a:p>
+          <a:p>
+            <a:r>
+              <a:rPr lang="en-US" dirty="0"/>
+              <a:t>Still 354 participants</a:t>
+            </a:r>
+          </a:p>
+          <a:p>
+            <a:r>
+              <a:rPr lang="en-US" dirty="0"/>
+              <a:t>No one in their 50s ranked their quality lower than 6.</a:t>
+            </a:r>
+          </a:p>
+          <a:p>
+            <a:r>
+              <a:rPr lang="en-US" dirty="0"/>
+              <a:t>No one in their 20s ranked their quality higher than 7.</a:t>
+            </a:r>
+          </a:p>
+          <a:p>
+            <a:r>
+              <a:rPr lang="en-US" dirty="0"/>
+              <a:t>Yet, there are no visible outliers.</a:t>
+            </a:r>
+          </a:p>
+          <a:p>
+            <a:r>
+              <a:rPr lang="en-US" dirty="0"/>
+              <a:t>Back to Sleep Duration… </a:t>
+            </a:r>
+          </a:p>
+          <a:p>
+            <a:endParaRPr lang="en-US" dirty="0"/>
+          </a:p>
+          <a:p>
+            <a:endParaRPr lang="en-US" dirty="0"/>
+          </a:p>
+        </p:txBody>
+      </p:sp>
+      <p:pic>
+        <p:nvPicPr>
+          <p:cNvPr id="6" name="Content Placeholder 5" descr="A graph of a sleep level">
+            <a:extLst>
+              <a:ext uri="{FF2B5EF4-FFF2-40B4-BE49-F238E27FC236}">
+                <a16:creationId xmlns:a16="http://schemas.microsoft.com/office/drawing/2014/main" id="{89A359D7-799C-486F-F47B-66996F35E587}"/>
+              </a:ext>
+            </a:extLst>
+          </p:cNvPr>
+          <p:cNvPicPr>
+            <a:picLocks noGrp="1" noChangeAspect="1"/>
+          </p:cNvPicPr>
+          <p:nvPr>
+            <p:ph sz="half" idx="2"/>
+          </p:nvPr>
+        </p:nvPicPr>
+        <p:blipFill>
+          <a:blip r:embed="rId2">
+            <a:extLst>
+              <a:ext uri="{28A0092B-C50C-407E-A947-70E740481C1C}">
+                <a14:useLocalDpi xmlns:a14="http://schemas.microsoft.com/office/drawing/2010/main" val="0"/>
+              </a:ext>
+            </a:extLst>
+          </a:blip>
+          <a:stretch>
+            <a:fillRect/>
+          </a:stretch>
+        </p:blipFill>
+        <p:spPr>
+          <a:xfrm>
+            <a:off x="5594350" y="2373511"/>
+            <a:ext cx="4700588" cy="3525441"/>
+          </a:xfrm>
+        </p:spPr>
+      </p:pic>
+    </p:spTree>
+    <p:extLst>
+      <p:ext uri="{BB962C8B-B14F-4D97-AF65-F5344CB8AC3E}">
+        <p14:creationId xmlns:p14="http://schemas.microsoft.com/office/powerpoint/2010/main" val="2231813695"/>
+      </p:ext>
+    </p:extLst>
+  </p:cSld>
+  <p:clrMapOvr>
+    <a:masterClrMapping/>
+  </p:clrMapOvr>
+</p:sld>
+</file>
+
+<file path=ppt/slides/slide7.xml><?xml version="1.0" encoding="utf-8"?>
+<p:sld xmlns:a="http://schemas.openxmlformats.org/drawingml/2006/main" xmlns:r="http://schemas.openxmlformats.org/officeDocument/2006/relationships" xmlns:p="http://schemas.openxmlformats.org/presentationml/2006/main">
+  <p:cSld>
+    <p:spTree>
+      <p:nvGrpSpPr>
+        <p:cNvPr id="1" name=""/>
+        <p:cNvGrpSpPr/>
+        <p:nvPr/>
+      </p:nvGrpSpPr>
+      <p:grpSpPr>
+        <a:xfrm>
+          <a:off x="0" y="0"/>
+          <a:ext cx="0" cy="0"/>
+          <a:chOff x="0" y="0"/>
+          <a:chExt cx="0" cy="0"/>
+        </a:xfrm>
+      </p:grpSpPr>
+      <p:sp>
+        <p:nvSpPr>
+          <p:cNvPr id="2" name="Title 1">
+            <a:extLst>
+              <a:ext uri="{FF2B5EF4-FFF2-40B4-BE49-F238E27FC236}">
+                <a16:creationId xmlns:a16="http://schemas.microsoft.com/office/drawing/2014/main" id="{671DF85A-7AFD-8B26-6F31-F4C3B45290A7}"/>
+              </a:ext>
+            </a:extLst>
+          </p:cNvPr>
+          <p:cNvSpPr>
+            <a:spLocks noGrp="1"/>
+          </p:cNvSpPr>
+          <p:nvPr>
+            <p:ph type="title"/>
+          </p:nvPr>
+        </p:nvSpPr>
+        <p:spPr/>
+        <p:txBody>
+          <a:bodyPr/>
+          <a:lstStyle/>
+          <a:p>
+            <a:r>
+              <a:rPr lang="en-US" dirty="0"/>
+              <a:t>Age conclusion</a:t>
+            </a:r>
+          </a:p>
+        </p:txBody>
+      </p:sp>
+      <p:sp>
+        <p:nvSpPr>
+          <p:cNvPr id="3" name="Text Placeholder 2">
+            <a:extLst>
+              <a:ext uri="{FF2B5EF4-FFF2-40B4-BE49-F238E27FC236}">
+                <a16:creationId xmlns:a16="http://schemas.microsoft.com/office/drawing/2014/main" id="{DAA3291E-AFCA-B0DD-9CB2-3C86B8491763}"/>
+              </a:ext>
+            </a:extLst>
+          </p:cNvPr>
+          <p:cNvSpPr>
+            <a:spLocks noGrp="1"/>
+          </p:cNvSpPr>
+          <p:nvPr>
+            <p:ph type="body" idx="1"/>
+          </p:nvPr>
+        </p:nvSpPr>
+        <p:spPr/>
+        <p:txBody>
+          <a:bodyPr/>
+          <a:lstStyle/>
+          <a:p>
+            <a:r>
+              <a:rPr lang="en-US" dirty="0"/>
+              <a:t>No matter how old you were, if you slept more, you were less stressed.</a:t>
+            </a:r>
+          </a:p>
+          <a:p>
+            <a:endParaRPr lang="en-US" dirty="0"/>
+          </a:p>
+          <a:p>
+            <a:r>
+              <a:rPr lang="en-US" dirty="0"/>
+              <a:t>Chicken or the egg…</a:t>
+            </a:r>
+          </a:p>
+          <a:p>
+            <a:endParaRPr lang="en-US" dirty="0"/>
+          </a:p>
+          <a:p>
+            <a:endParaRPr lang="en-US" dirty="0"/>
+          </a:p>
+        </p:txBody>
+      </p:sp>
+    </p:spTree>
+    <p:extLst>
+      <p:ext uri="{BB962C8B-B14F-4D97-AF65-F5344CB8AC3E}">
+        <p14:creationId xmlns:p14="http://schemas.microsoft.com/office/powerpoint/2010/main" val="1571786278"/>
+      </p:ext>
+    </p:extLst>
+  </p:cSld>
+  <p:clrMapOvr>
+    <a:masterClrMapping/>
+  </p:clrMapOvr>
+</p:sld>
+</file>
+
+<file path=ppt/slides/slide8.xml><?xml version="1.0" encoding="utf-8"?>
+<p:sld xmlns:a="http://schemas.openxmlformats.org/drawingml/2006/main" xmlns:r="http://schemas.openxmlformats.org/officeDocument/2006/relationships" xmlns:p="http://schemas.openxmlformats.org/presentationml/2006/main">
+  <p:cSld>
+    <p:spTree>
+      <p:nvGrpSpPr>
+        <p:cNvPr id="1" name=""/>
+        <p:cNvGrpSpPr/>
+        <p:nvPr/>
+      </p:nvGrpSpPr>
+      <p:grpSpPr>
+        <a:xfrm>
+          <a:off x="0" y="0"/>
+          <a:ext cx="0" cy="0"/>
+          <a:chOff x="0" y="0"/>
+          <a:chExt cx="0" cy="0"/>
+        </a:xfrm>
+      </p:grpSpPr>
+      <p:sp>
+        <p:nvSpPr>
+          <p:cNvPr id="2" name="Title 1"/>
+          <p:cNvSpPr>
+            <a:spLocks noGrp="1"/>
+          </p:cNvSpPr>
+          <p:nvPr>
+            <p:ph type="title"/>
+          </p:nvPr>
+        </p:nvSpPr>
+        <p:spPr/>
+        <p:txBody>
+          <a:bodyPr/>
+          <a:lstStyle/>
+          <a:p>
+            <a:r>
+              <a:rPr lang="en-US" dirty="0"/>
+              <a:t>Quality of Sleep</a:t>
+            </a:r>
+          </a:p>
+        </p:txBody>
+      </p:sp>
+      <p:sp>
+        <p:nvSpPr>
+          <p:cNvPr id="5" name="TextBox 4"/>
+          <p:cNvSpPr txBox="1"/>
+          <p:nvPr/>
+        </p:nvSpPr>
+        <p:spPr>
+          <a:xfrm>
+            <a:off x="7192376" y="3044202"/>
+            <a:ext cx="3935663" cy="2308324"/>
+          </a:xfrm>
+          <a:prstGeom prst="rect">
+            <a:avLst/>
+          </a:prstGeom>
+          <a:noFill/>
+        </p:spPr>
+        <p:txBody>
+          <a:bodyPr wrap="square" rtlCol="0">
+            <a:spAutoFit/>
+          </a:bodyPr>
+          <a:lstStyle/>
+          <a:p>
+            <a:r>
+              <a:rPr lang="en-US" sz="2400" dirty="0"/>
+              <a:t>Quality of sleep is the measurement of how well someone sleeps at night. The average adult needs 7 or more hours of restful and restorative sleep.</a:t>
+            </a:r>
+          </a:p>
+        </p:txBody>
+      </p:sp>
+      <p:pic>
+        <p:nvPicPr>
+          <p:cNvPr id="7" name="Picture 6"/>
+          <p:cNvPicPr>
+            <a:picLocks noChangeAspect="1"/>
+          </p:cNvPicPr>
+          <p:nvPr/>
+        </p:nvPicPr>
+        <p:blipFill>
+          <a:blip r:embed="rId2"/>
+          <a:stretch>
+            <a:fillRect/>
+          </a:stretch>
+        </p:blipFill>
+        <p:spPr>
+          <a:xfrm>
+            <a:off x="325688" y="2420302"/>
+            <a:ext cx="6278312" cy="3556125"/>
+          </a:xfrm>
+          <a:prstGeom prst="rect">
+            <a:avLst/>
+          </a:prstGeom>
+        </p:spPr>
+      </p:pic>
+    </p:spTree>
+    <p:extLst>
+      <p:ext uri="{BB962C8B-B14F-4D97-AF65-F5344CB8AC3E}">
+        <p14:creationId xmlns:p14="http://schemas.microsoft.com/office/powerpoint/2010/main" val="1174100958"/>
+      </p:ext>
+    </p:extLst>
+  </p:cSld>
+  <p:clrMapOvr>
+    <a:masterClrMapping/>
+  </p:clrMapOvr>
+</p:sld>
+</file>
+
+<file path=ppt/slides/slide9.xml><?xml version="1.0" encoding="utf-8"?>
+<p:sld xmlns:a="http://schemas.openxmlformats.org/drawingml/2006/main" xmlns:r="http://schemas.openxmlformats.org/officeDocument/2006/relationships" xmlns:p="http://schemas.openxmlformats.org/presentationml/2006/main">
+  <p:cSld>
+    <p:spTree>
+      <p:nvGrpSpPr>
+        <p:cNvPr id="1" name=""/>
+        <p:cNvGrpSpPr/>
+        <p:nvPr/>
+      </p:nvGrpSpPr>
+      <p:grpSpPr>
+        <a:xfrm>
+          <a:off x="0" y="0"/>
+          <a:ext cx="0" cy="0"/>
+          <a:chOff x="0" y="0"/>
+          <a:chExt cx="0" cy="0"/>
+        </a:xfrm>
+      </p:grpSpPr>
+      <p:sp>
+        <p:nvSpPr>
+          <p:cNvPr id="2" name="Title 1"/>
+          <p:cNvSpPr>
+            <a:spLocks noGrp="1"/>
+          </p:cNvSpPr>
+          <p:nvPr>
+            <p:ph type="title"/>
+          </p:nvPr>
+        </p:nvSpPr>
+        <p:spPr/>
+        <p:txBody>
+          <a:bodyPr/>
+          <a:lstStyle/>
+          <a:p>
+            <a:r>
+              <a:rPr lang="en-US" dirty="0"/>
+              <a:t>Which Gender Gets the Better Quality of Sleep?</a:t>
+            </a:r>
+          </a:p>
+        </p:txBody>
+      </p:sp>
+      <p:pic>
+        <p:nvPicPr>
+          <p:cNvPr id="4" name="Content Placeholder 3"/>
+          <p:cNvPicPr>
+            <a:picLocks noGrp="1" noChangeAspect="1"/>
+          </p:cNvPicPr>
+          <p:nvPr>
+            <p:ph idx="1"/>
+          </p:nvPr>
+        </p:nvPicPr>
+        <p:blipFill>
+          <a:blip r:embed="rId2">
+            <a:extLst>
+              <a:ext uri="{28A0092B-C50C-407E-A947-70E740481C1C}">
+                <a14:useLocalDpi xmlns:a14="http://schemas.microsoft.com/office/drawing/2010/main" val="0"/>
+              </a:ext>
+            </a:extLst>
+          </a:blip>
+          <a:stretch>
+            <a:fillRect/>
+          </a:stretch>
+        </p:blipFill>
+        <p:spPr>
+          <a:xfrm>
+            <a:off x="680321" y="2112210"/>
+            <a:ext cx="5360097" cy="4416927"/>
+          </a:xfrm>
+        </p:spPr>
+      </p:pic>
+      <p:sp>
+        <p:nvSpPr>
+          <p:cNvPr id="5" name="TextBox 4"/>
+          <p:cNvSpPr txBox="1"/>
+          <p:nvPr/>
+        </p:nvSpPr>
+        <p:spPr>
+          <a:xfrm>
+            <a:off x="6748182" y="2797179"/>
+            <a:ext cx="4919579" cy="3046988"/>
+          </a:xfrm>
+          <a:prstGeom prst="rect">
+            <a:avLst/>
+          </a:prstGeom>
+          <a:noFill/>
+        </p:spPr>
+        <p:txBody>
+          <a:bodyPr wrap="square" rtlCol="0">
+            <a:spAutoFit/>
+          </a:bodyPr>
+          <a:lstStyle/>
+          <a:p>
+            <a:r>
+              <a:rPr lang="en-US" sz="2400" dirty="0"/>
+              <a:t>In this dataset, 185 males and 189 females were analyzed. On average, the men from the dataset get a more restful and restorative sleep. Men, on average, received 8 hours of quality sleep, while women received 7 hours. </a:t>
+            </a:r>
+          </a:p>
+        </p:txBody>
+      </p:sp>
+    </p:spTree>
+    <p:extLst>
+      <p:ext uri="{BB962C8B-B14F-4D97-AF65-F5344CB8AC3E}">
+        <p14:creationId xmlns:p14="http://schemas.microsoft.com/office/powerpoint/2010/main" val="687638618"/>
       </p:ext>
     </p:extLst>
   </p:cSld>

--- a/Project 1 - Sleep Project.pptx
+++ b/Project 1 - Sleep Project.pptx
@@ -5,19 +5,32 @@
     <p:sldMasterId id="2147483725" r:id="rId1"/>
   </p:sldMasterIdLst>
   <p:notesMasterIdLst>
-    <p:notesMasterId r:id="rId12"/>
+    <p:notesMasterId r:id="rId25"/>
   </p:notesMasterIdLst>
   <p:sldIdLst>
     <p:sldId id="256" r:id="rId2"/>
-    <p:sldId id="257" r:id="rId3"/>
-    <p:sldId id="261" r:id="rId4"/>
-    <p:sldId id="262" r:id="rId5"/>
-    <p:sldId id="263" r:id="rId6"/>
-    <p:sldId id="264" r:id="rId7"/>
-    <p:sldId id="265" r:id="rId8"/>
-    <p:sldId id="260" r:id="rId9"/>
-    <p:sldId id="258" r:id="rId10"/>
-    <p:sldId id="259" r:id="rId11"/>
+    <p:sldId id="270" r:id="rId3"/>
+    <p:sldId id="257" r:id="rId4"/>
+    <p:sldId id="261" r:id="rId5"/>
+    <p:sldId id="262" r:id="rId6"/>
+    <p:sldId id="263" r:id="rId7"/>
+    <p:sldId id="264" r:id="rId8"/>
+    <p:sldId id="265" r:id="rId9"/>
+    <p:sldId id="271" r:id="rId10"/>
+    <p:sldId id="260" r:id="rId11"/>
+    <p:sldId id="258" r:id="rId12"/>
+    <p:sldId id="259" r:id="rId13"/>
+    <p:sldId id="273" r:id="rId14"/>
+    <p:sldId id="277" r:id="rId15"/>
+    <p:sldId id="278" r:id="rId16"/>
+    <p:sldId id="279" r:id="rId17"/>
+    <p:sldId id="284" r:id="rId18"/>
+    <p:sldId id="280" r:id="rId19"/>
+    <p:sldId id="281" r:id="rId20"/>
+    <p:sldId id="267" r:id="rId21"/>
+    <p:sldId id="268" r:id="rId22"/>
+    <p:sldId id="282" r:id="rId23"/>
+    <p:sldId id="283" r:id="rId24"/>
   </p:sldIdLst>
   <p:sldSz cx="12192000" cy="6858000"/>
   <p:notesSz cx="6858000" cy="9144000"/>
@@ -136,29 +149,85 @@
 </p:cmAuthorLst>
 </file>
 
+<file path=ppt/revisionInfo.xml><?xml version="1.0" encoding="utf-8"?>
+<p1510:revInfo xmlns:a="http://schemas.openxmlformats.org/drawingml/2006/main" xmlns:r="http://schemas.openxmlformats.org/officeDocument/2006/relationships" xmlns:p1510="http://schemas.microsoft.com/office/powerpoint/2015/10/main">
+  <p1510:revLst>
+    <p1510:client id="{5E5C7D58-BE99-4D66-997F-9BEF830AC800}" v="4" dt="2023-08-03T00:18:32.504"/>
+  </p1510:revLst>
+</p1510:revInfo>
+</file>
+
 <file path=ppt/changesInfos/changesInfo1.xml><?xml version="1.0" encoding="utf-8"?>
 <pc:chgInfo xmlns:a="http://schemas.openxmlformats.org/drawingml/2006/main" xmlns:r="http://schemas.openxmlformats.org/officeDocument/2006/relationships" xmlns:ac="http://schemas.microsoft.com/office/drawing/2013/main/command" xmlns:pc="http://schemas.microsoft.com/office/powerpoint/2013/main/command">
   <pc:docChgLst>
-    <pc:chgData name="Jared Sletto" userId="917c3e5ce63edd80" providerId="LiveId" clId="{325F601C-A886-4AD7-B21A-3A4BD8E080EC}"/>
-    <pc:docChg chg="custSel modSld">
-      <pc:chgData name="Jared Sletto" userId="917c3e5ce63edd80" providerId="LiveId" clId="{325F601C-A886-4AD7-B21A-3A4BD8E080EC}" dt="2023-08-01T03:42:58.772" v="31" actId="20577"/>
+    <pc:chgData name="Jared Sletto" userId="917c3e5ce63edd80" providerId="LiveId" clId="{5E5C7D58-BE99-4D66-997F-9BEF830AC800}"/>
+    <pc:docChg chg="addSld modSld">
+      <pc:chgData name="Jared Sletto" userId="917c3e5ce63edd80" providerId="LiveId" clId="{5E5C7D58-BE99-4D66-997F-9BEF830AC800}" dt="2023-08-03T00:19:18.248" v="54" actId="1038"/>
       <pc:docMkLst>
         <pc:docMk/>
       </pc:docMkLst>
-      <pc:sldChg chg="modSp mod">
-        <pc:chgData name="Jared Sletto" userId="917c3e5ce63edd80" providerId="LiveId" clId="{325F601C-A886-4AD7-B21A-3A4BD8E080EC}" dt="2023-08-01T03:42:58.772" v="31" actId="20577"/>
+      <pc:sldChg chg="addSp delSp modSp new mod">
+        <pc:chgData name="Jared Sletto" userId="917c3e5ce63edd80" providerId="LiveId" clId="{5E5C7D58-BE99-4D66-997F-9BEF830AC800}" dt="2023-08-03T00:19:18.248" v="54" actId="1038"/>
         <pc:sldMkLst>
           <pc:docMk/>
-          <pc:sldMk cId="2562965548" sldId="263"/>
+          <pc:sldMk cId="1407693416" sldId="284"/>
         </pc:sldMkLst>
         <pc:spChg chg="mod">
-          <ac:chgData name="Jared Sletto" userId="917c3e5ce63edd80" providerId="LiveId" clId="{325F601C-A886-4AD7-B21A-3A4BD8E080EC}" dt="2023-08-01T03:42:58.772" v="31" actId="20577"/>
+          <ac:chgData name="Jared Sletto" userId="917c3e5ce63edd80" providerId="LiveId" clId="{5E5C7D58-BE99-4D66-997F-9BEF830AC800}" dt="2023-08-03T00:17:07.331" v="11" actId="20577"/>
           <ac:spMkLst>
             <pc:docMk/>
-            <pc:sldMk cId="2562965548" sldId="263"/>
-            <ac:spMk id="3" creationId="{A6726F9E-DA1B-457E-6606-BC5C5739F5FC}"/>
+            <pc:sldMk cId="1407693416" sldId="284"/>
+            <ac:spMk id="2" creationId="{C44A0F0F-A536-A765-87F9-F3EAC5AD2506}"/>
           </ac:spMkLst>
         </pc:spChg>
+        <pc:spChg chg="del">
+          <ac:chgData name="Jared Sletto" userId="917c3e5ce63edd80" providerId="LiveId" clId="{5E5C7D58-BE99-4D66-997F-9BEF830AC800}" dt="2023-08-03T00:17:19.990" v="12" actId="931"/>
+          <ac:spMkLst>
+            <pc:docMk/>
+            <pc:sldMk cId="1407693416" sldId="284"/>
+            <ac:spMk id="3" creationId="{644F0495-BAC2-10A3-55BC-F3822EFCFE5A}"/>
+          </ac:spMkLst>
+        </pc:spChg>
+        <pc:spChg chg="del">
+          <ac:chgData name="Jared Sletto" userId="917c3e5ce63edd80" providerId="LiveId" clId="{5E5C7D58-BE99-4D66-997F-9BEF830AC800}" dt="2023-08-03T00:17:30.067" v="15" actId="931"/>
+          <ac:spMkLst>
+            <pc:docMk/>
+            <pc:sldMk cId="1407693416" sldId="284"/>
+            <ac:spMk id="4" creationId="{EF2E1D38-E3DD-9CB9-1D1A-4300CAEBB5D0}"/>
+          </ac:spMkLst>
+        </pc:spChg>
+        <pc:picChg chg="add mod">
+          <ac:chgData name="Jared Sletto" userId="917c3e5ce63edd80" providerId="LiveId" clId="{5E5C7D58-BE99-4D66-997F-9BEF830AC800}" dt="2023-08-03T00:19:14.676" v="45" actId="14100"/>
+          <ac:picMkLst>
+            <pc:docMk/>
+            <pc:sldMk cId="1407693416" sldId="284"/>
+            <ac:picMk id="6" creationId="{60ABDAA2-429D-6F80-5554-B676F42F9D5D}"/>
+          </ac:picMkLst>
+        </pc:picChg>
+        <pc:picChg chg="add mod">
+          <ac:chgData name="Jared Sletto" userId="917c3e5ce63edd80" providerId="LiveId" clId="{5E5C7D58-BE99-4D66-997F-9BEF830AC800}" dt="2023-08-03T00:19:08.904" v="43" actId="14100"/>
+          <ac:picMkLst>
+            <pc:docMk/>
+            <pc:sldMk cId="1407693416" sldId="284"/>
+            <ac:picMk id="8" creationId="{F2D4ECC8-F8F1-5EFF-088C-251CEF6199A7}"/>
+          </ac:picMkLst>
+        </pc:picChg>
+        <pc:picChg chg="add mod">
+          <ac:chgData name="Jared Sletto" userId="917c3e5ce63edd80" providerId="LiveId" clId="{5E5C7D58-BE99-4D66-997F-9BEF830AC800}" dt="2023-08-03T00:19:18.248" v="54" actId="1038"/>
+          <ac:picMkLst>
+            <pc:docMk/>
+            <pc:sldMk cId="1407693416" sldId="284"/>
+            <ac:picMk id="10" creationId="{14B11FB8-EECF-7874-9659-EE851BBFE824}"/>
+          </ac:picMkLst>
+        </pc:picChg>
+        <pc:picChg chg="add mod">
+          <ac:chgData name="Jared Sletto" userId="917c3e5ce63edd80" providerId="LiveId" clId="{5E5C7D58-BE99-4D66-997F-9BEF830AC800}" dt="2023-08-03T00:19:02.053" v="40" actId="14100"/>
+          <ac:picMkLst>
+            <pc:docMk/>
+            <pc:sldMk cId="1407693416" sldId="284"/>
+            <ac:picMk id="12" creationId="{C3CD5EF7-65CA-9D20-9854-1E624957D52E}"/>
+          </ac:picMkLst>
+        </pc:picChg>
       </pc:sldChg>
     </pc:docChg>
   </pc:docChgLst>
@@ -247,7 +316,7 @@
           <a:p>
             <a:fld id="{58E0AFE5-7583-4100-AC3D-A3C592FF1600}" type="datetimeFigureOut">
               <a:rPr lang="en-US" smtClean="0"/>
-              <a:t>7/31/2023</a:t>
+              <a:t>8/2/2023</a:t>
             </a:fld>
             <a:endParaRPr lang="en-US"/>
           </a:p>
@@ -558,6 +627,167 @@
           <a:bodyPr/>
           <a:lstStyle/>
           <a:p>
+            <a:br>
+              <a:rPr lang="en-US" dirty="0"/>
+            </a:br>
+            <a:br>
+              <a:rPr lang="en-US" dirty="0"/>
+            </a:br>
+            <a:r>
+              <a:rPr lang="en-US" b="0" i="0" dirty="0">
+                <a:solidFill>
+                  <a:srgbClr val="3C4043"/>
+                </a:solidFill>
+                <a:effectLst/>
+                <a:latin typeface="Inter"/>
+              </a:rPr>
+              <a:t>The Sleep Health and Lifestyle </a:t>
+            </a:r>
+            <a:r>
+              <a:rPr lang="en-US" b="0" i="0" dirty="0" err="1">
+                <a:solidFill>
+                  <a:srgbClr val="3C4043"/>
+                </a:solidFill>
+                <a:effectLst/>
+                <a:latin typeface="Inter"/>
+              </a:rPr>
+              <a:t>Datasetl</a:t>
+            </a:r>
+            <a:r>
+              <a:rPr lang="en-US" b="0" i="0" dirty="0">
+                <a:solidFill>
+                  <a:srgbClr val="3C4043"/>
+                </a:solidFill>
+                <a:effectLst/>
+                <a:latin typeface="Inter"/>
+              </a:rPr>
+              <a:t> </a:t>
+            </a:r>
+            <a:r>
+              <a:rPr lang="en-US" b="0" i="0" dirty="0" err="1">
+                <a:solidFill>
+                  <a:srgbClr val="3C4043"/>
+                </a:solidFill>
+                <a:effectLst/>
+                <a:latin typeface="Inter"/>
+              </a:rPr>
+              <a:t>ooks</a:t>
+            </a:r>
+            <a:r>
+              <a:rPr lang="en-US" b="0" i="0" dirty="0">
+                <a:solidFill>
+                  <a:srgbClr val="3C4043"/>
+                </a:solidFill>
+                <a:effectLst/>
+                <a:latin typeface="Inter"/>
+              </a:rPr>
+              <a:t> at a wide range of variables related to sleep and daily habits. It includes details such as gender, age, occupation, sleep duration, quality of sleep, physical activity level, stress levels, BMI category, blood pressure, heart rate, daily steps, and the presence or absence of sleep disorders.</a:t>
+            </a:r>
+          </a:p>
+          <a:p>
+            <a:endParaRPr lang="en-US" b="0" i="0" dirty="0">
+              <a:solidFill>
+                <a:srgbClr val="3C4043"/>
+              </a:solidFill>
+              <a:effectLst/>
+              <a:latin typeface="Inter"/>
+            </a:endParaRPr>
+          </a:p>
+          <a:p>
+            <a:r>
+              <a:rPr lang="en-US" b="0" i="0" dirty="0">
+                <a:solidFill>
+                  <a:srgbClr val="3C4043"/>
+                </a:solidFill>
+                <a:effectLst/>
+                <a:latin typeface="Inter"/>
+              </a:rPr>
+              <a:t>Our group chose to analyze this dataset so we can see how sleep affects or is affected by the factors above. </a:t>
+            </a:r>
+            <a:endParaRPr lang="en-US" dirty="0"/>
+          </a:p>
+        </p:txBody>
+      </p:sp>
+      <p:sp>
+        <p:nvSpPr>
+          <p:cNvPr id="4" name="Slide Number Placeholder 3"/>
+          <p:cNvSpPr>
+            <a:spLocks noGrp="1"/>
+          </p:cNvSpPr>
+          <p:nvPr>
+            <p:ph type="sldNum" sz="quarter" idx="5"/>
+          </p:nvPr>
+        </p:nvSpPr>
+        <p:spPr/>
+        <p:txBody>
+          <a:bodyPr/>
+          <a:lstStyle/>
+          <a:p>
+            <a:fld id="{F549CD27-3718-460B-998C-454F12E2A21E}" type="slidenum">
+              <a:rPr lang="en-US" smtClean="0"/>
+              <a:t>2</a:t>
+            </a:fld>
+            <a:endParaRPr lang="en-US"/>
+          </a:p>
+        </p:txBody>
+      </p:sp>
+    </p:spTree>
+    <p:extLst>
+      <p:ext uri="{BB962C8B-B14F-4D97-AF65-F5344CB8AC3E}">
+        <p14:creationId xmlns:p14="http://schemas.microsoft.com/office/powerpoint/2010/main" val="75006979"/>
+      </p:ext>
+    </p:extLst>
+  </p:cSld>
+  <p:clrMapOvr>
+    <a:masterClrMapping/>
+  </p:clrMapOvr>
+</p:notes>
+</file>
+
+<file path=ppt/notesSlides/notesSlide2.xml><?xml version="1.0" encoding="utf-8"?>
+<p:notes xmlns:a="http://schemas.openxmlformats.org/drawingml/2006/main" xmlns:r="http://schemas.openxmlformats.org/officeDocument/2006/relationships" xmlns:p="http://schemas.openxmlformats.org/presentationml/2006/main">
+  <p:cSld>
+    <p:spTree>
+      <p:nvGrpSpPr>
+        <p:cNvPr id="1" name=""/>
+        <p:cNvGrpSpPr/>
+        <p:nvPr/>
+      </p:nvGrpSpPr>
+      <p:grpSpPr>
+        <a:xfrm>
+          <a:off x="0" y="0"/>
+          <a:ext cx="0" cy="0"/>
+          <a:chOff x="0" y="0"/>
+          <a:chExt cx="0" cy="0"/>
+        </a:xfrm>
+      </p:grpSpPr>
+      <p:sp>
+        <p:nvSpPr>
+          <p:cNvPr id="2" name="Slide Image Placeholder 1"/>
+          <p:cNvSpPr>
+            <a:spLocks noGrp="1" noRot="1" noChangeAspect="1"/>
+          </p:cNvSpPr>
+          <p:nvPr>
+            <p:ph type="sldImg"/>
+          </p:nvPr>
+        </p:nvSpPr>
+        <p:spPr/>
+      </p:sp>
+      <p:sp>
+        <p:nvSpPr>
+          <p:cNvPr id="3" name="Notes Placeholder 2"/>
+          <p:cNvSpPr>
+            <a:spLocks noGrp="1"/>
+          </p:cNvSpPr>
+          <p:nvPr>
+            <p:ph type="body" idx="1"/>
+          </p:nvPr>
+        </p:nvSpPr>
+        <p:spPr/>
+        <p:txBody>
+          <a:bodyPr/>
+          <a:lstStyle/>
+          <a:p>
             <a:r>
               <a:rPr lang="en-US" sz="1200" dirty="0"/>
               <a:t>The left y-axis represents the average quality of sleep per profession, while the right y-axis represents the total count per profession. </a:t>
@@ -583,7 +813,7 @@
           <a:p>
             <a:fld id="{F549CD27-3718-460B-998C-454F12E2A21E}" type="slidenum">
               <a:rPr lang="en-US" smtClean="0"/>
-              <a:t>10</a:t>
+              <a:t>12</a:t>
             </a:fld>
             <a:endParaRPr lang="en-US"/>
           </a:p>
@@ -593,6 +823,180 @@
     <p:extLst>
       <p:ext uri="{BB962C8B-B14F-4D97-AF65-F5344CB8AC3E}">
         <p14:creationId xmlns:p14="http://schemas.microsoft.com/office/powerpoint/2010/main" val="2952790802"/>
+      </p:ext>
+    </p:extLst>
+  </p:cSld>
+  <p:clrMapOvr>
+    <a:masterClrMapping/>
+  </p:clrMapOvr>
+</p:notes>
+</file>
+
+<file path=ppt/notesSlides/notesSlide3.xml><?xml version="1.0" encoding="utf-8"?>
+<p:notes xmlns:a="http://schemas.openxmlformats.org/drawingml/2006/main" xmlns:r="http://schemas.openxmlformats.org/officeDocument/2006/relationships" xmlns:p="http://schemas.openxmlformats.org/presentationml/2006/main">
+  <p:cSld>
+    <p:spTree>
+      <p:nvGrpSpPr>
+        <p:cNvPr id="1" name=""/>
+        <p:cNvGrpSpPr/>
+        <p:nvPr/>
+      </p:nvGrpSpPr>
+      <p:grpSpPr>
+        <a:xfrm>
+          <a:off x="0" y="0"/>
+          <a:ext cx="0" cy="0"/>
+          <a:chOff x="0" y="0"/>
+          <a:chExt cx="0" cy="0"/>
+        </a:xfrm>
+      </p:grpSpPr>
+      <p:sp>
+        <p:nvSpPr>
+          <p:cNvPr id="2" name="Slide Image Placeholder 1"/>
+          <p:cNvSpPr>
+            <a:spLocks noGrp="1" noRot="1" noChangeAspect="1"/>
+          </p:cNvSpPr>
+          <p:nvPr>
+            <p:ph type="sldImg"/>
+          </p:nvPr>
+        </p:nvSpPr>
+        <p:spPr/>
+      </p:sp>
+      <p:sp>
+        <p:nvSpPr>
+          <p:cNvPr id="3" name="Notes Placeholder 2"/>
+          <p:cNvSpPr>
+            <a:spLocks noGrp="1"/>
+          </p:cNvSpPr>
+          <p:nvPr>
+            <p:ph type="body" idx="1"/>
+          </p:nvPr>
+        </p:nvSpPr>
+        <p:spPr/>
+        <p:txBody>
+          <a:bodyPr/>
+          <a:lstStyle/>
+          <a:p>
+            <a:r>
+              <a:rPr lang="en-US" dirty="0"/>
+              <a:t>This is a scatter plot that looks at the relationship between sleep duration and physical activity levels. The x-axis is sleep duration and the y-axis is physical activity levels. The linear regression has a slope of 5.56. This positive slope indicates that there is a correlation between sleep duration and physical activity levels. </a:t>
+            </a:r>
+          </a:p>
+        </p:txBody>
+      </p:sp>
+      <p:sp>
+        <p:nvSpPr>
+          <p:cNvPr id="4" name="Slide Number Placeholder 3"/>
+          <p:cNvSpPr>
+            <a:spLocks noGrp="1"/>
+          </p:cNvSpPr>
+          <p:nvPr>
+            <p:ph type="sldNum" sz="quarter" idx="5"/>
+          </p:nvPr>
+        </p:nvSpPr>
+        <p:spPr/>
+        <p:txBody>
+          <a:bodyPr/>
+          <a:lstStyle/>
+          <a:p>
+            <a:fld id="{F549CD27-3718-460B-998C-454F12E2A21E}" type="slidenum">
+              <a:rPr lang="en-US" smtClean="0"/>
+              <a:t>20</a:t>
+            </a:fld>
+            <a:endParaRPr lang="en-US"/>
+          </a:p>
+        </p:txBody>
+      </p:sp>
+    </p:spTree>
+    <p:extLst>
+      <p:ext uri="{BB962C8B-B14F-4D97-AF65-F5344CB8AC3E}">
+        <p14:creationId xmlns:p14="http://schemas.microsoft.com/office/powerpoint/2010/main" val="661467267"/>
+      </p:ext>
+    </p:extLst>
+  </p:cSld>
+  <p:clrMapOvr>
+    <a:masterClrMapping/>
+  </p:clrMapOvr>
+</p:notes>
+</file>
+
+<file path=ppt/notesSlides/notesSlide4.xml><?xml version="1.0" encoding="utf-8"?>
+<p:notes xmlns:a="http://schemas.openxmlformats.org/drawingml/2006/main" xmlns:r="http://schemas.openxmlformats.org/officeDocument/2006/relationships" xmlns:p="http://schemas.openxmlformats.org/presentationml/2006/main">
+  <p:cSld>
+    <p:spTree>
+      <p:nvGrpSpPr>
+        <p:cNvPr id="1" name=""/>
+        <p:cNvGrpSpPr/>
+        <p:nvPr/>
+      </p:nvGrpSpPr>
+      <p:grpSpPr>
+        <a:xfrm>
+          <a:off x="0" y="0"/>
+          <a:ext cx="0" cy="0"/>
+          <a:chOff x="0" y="0"/>
+          <a:chExt cx="0" cy="0"/>
+        </a:xfrm>
+      </p:grpSpPr>
+      <p:sp>
+        <p:nvSpPr>
+          <p:cNvPr id="2" name="Slide Image Placeholder 1"/>
+          <p:cNvSpPr>
+            <a:spLocks noGrp="1" noRot="1" noChangeAspect="1"/>
+          </p:cNvSpPr>
+          <p:nvPr>
+            <p:ph type="sldImg"/>
+          </p:nvPr>
+        </p:nvSpPr>
+        <p:spPr/>
+      </p:sp>
+      <p:sp>
+        <p:nvSpPr>
+          <p:cNvPr id="3" name="Notes Placeholder 2"/>
+          <p:cNvSpPr>
+            <a:spLocks noGrp="1"/>
+          </p:cNvSpPr>
+          <p:nvPr>
+            <p:ph type="body" idx="1"/>
+          </p:nvPr>
+        </p:nvSpPr>
+        <p:spPr/>
+        <p:txBody>
+          <a:bodyPr/>
+          <a:lstStyle/>
+          <a:p>
+            <a:r>
+              <a:rPr lang="en-US" dirty="0"/>
+              <a:t>This is a scatter plot that looks at the relationship between sleep quality and physical activity levels. The x-axis is sleep quality and the y-axis is physical activity levels. The linear regression has a slope of 3.36. This positive slope indicates that there is a correlation between sleep quality and physical activity levels. </a:t>
+            </a:r>
+          </a:p>
+        </p:txBody>
+      </p:sp>
+      <p:sp>
+        <p:nvSpPr>
+          <p:cNvPr id="4" name="Slide Number Placeholder 3"/>
+          <p:cNvSpPr>
+            <a:spLocks noGrp="1"/>
+          </p:cNvSpPr>
+          <p:nvPr>
+            <p:ph type="sldNum" sz="quarter" idx="5"/>
+          </p:nvPr>
+        </p:nvSpPr>
+        <p:spPr/>
+        <p:txBody>
+          <a:bodyPr/>
+          <a:lstStyle/>
+          <a:p>
+            <a:fld id="{F549CD27-3718-460B-998C-454F12E2A21E}" type="slidenum">
+              <a:rPr lang="en-US" smtClean="0"/>
+              <a:t>21</a:t>
+            </a:fld>
+            <a:endParaRPr lang="en-US"/>
+          </a:p>
+        </p:txBody>
+      </p:sp>
+    </p:spTree>
+    <p:extLst>
+      <p:ext uri="{BB962C8B-B14F-4D97-AF65-F5344CB8AC3E}">
+        <p14:creationId xmlns:p14="http://schemas.microsoft.com/office/powerpoint/2010/main" val="4260564451"/>
       </p:ext>
     </p:extLst>
   </p:cSld>
@@ -876,7 +1280,7 @@
           <a:p>
             <a:fld id="{71DC7789-059D-4A50-B347-FF0AB04E694A}" type="datetimeFigureOut">
               <a:rPr lang="en-US" smtClean="0"/>
-              <a:t>7/31/2023</a:t>
+              <a:t>8/2/2023</a:t>
             </a:fld>
             <a:endParaRPr lang="en-US"/>
           </a:p>
@@ -1290,7 +1694,7 @@
           <a:p>
             <a:fld id="{71DC7789-059D-4A50-B347-FF0AB04E694A}" type="datetimeFigureOut">
               <a:rPr lang="en-US" smtClean="0"/>
-              <a:t>7/31/2023</a:t>
+              <a:t>8/2/2023</a:t>
             </a:fld>
             <a:endParaRPr lang="en-US"/>
           </a:p>
@@ -1626,7 +2030,7 @@
           <a:p>
             <a:fld id="{71DC7789-059D-4A50-B347-FF0AB04E694A}" type="datetimeFigureOut">
               <a:rPr lang="en-US" smtClean="0"/>
-              <a:t>7/31/2023</a:t>
+              <a:t>8/2/2023</a:t>
             </a:fld>
             <a:endParaRPr lang="en-US"/>
           </a:p>
@@ -2031,7 +2435,7 @@
           <a:p>
             <a:fld id="{71DC7789-059D-4A50-B347-FF0AB04E694A}" type="datetimeFigureOut">
               <a:rPr lang="en-US" smtClean="0"/>
-              <a:t>7/31/2023</a:t>
+              <a:t>8/2/2023</a:t>
             </a:fld>
             <a:endParaRPr lang="en-US"/>
           </a:p>
@@ -2599,7 +3003,7 @@
           <a:p>
             <a:fld id="{71DC7789-059D-4A50-B347-FF0AB04E694A}" type="datetimeFigureOut">
               <a:rPr lang="en-US" smtClean="0"/>
-              <a:t>7/31/2023</a:t>
+              <a:t>8/2/2023</a:t>
             </a:fld>
             <a:endParaRPr lang="en-US"/>
           </a:p>
@@ -3280,7 +3684,7 @@
           <a:p>
             <a:fld id="{71DC7789-059D-4A50-B347-FF0AB04E694A}" type="datetimeFigureOut">
               <a:rPr lang="en-US" smtClean="0"/>
-              <a:t>7/31/2023</a:t>
+              <a:t>8/2/2023</a:t>
             </a:fld>
             <a:endParaRPr lang="en-US"/>
           </a:p>
@@ -4193,7 +4597,7 @@
           <a:p>
             <a:fld id="{71DC7789-059D-4A50-B347-FF0AB04E694A}" type="datetimeFigureOut">
               <a:rPr lang="en-US" smtClean="0"/>
-              <a:t>7/31/2023</a:t>
+              <a:t>8/2/2023</a:t>
             </a:fld>
             <a:endParaRPr lang="en-US"/>
           </a:p>
@@ -4506,7 +4910,7 @@
           <a:p>
             <a:fld id="{71DC7789-059D-4A50-B347-FF0AB04E694A}" type="datetimeFigureOut">
               <a:rPr lang="en-US" smtClean="0"/>
-              <a:t>7/31/2023</a:t>
+              <a:t>8/2/2023</a:t>
             </a:fld>
             <a:endParaRPr lang="en-US"/>
           </a:p>
@@ -4770,7 +5174,7 @@
           <a:p>
             <a:fld id="{71DC7789-059D-4A50-B347-FF0AB04E694A}" type="datetimeFigureOut">
               <a:rPr lang="en-US" smtClean="0"/>
-              <a:t>7/31/2023</a:t>
+              <a:t>8/2/2023</a:t>
             </a:fld>
             <a:endParaRPr lang="en-US"/>
           </a:p>
@@ -5093,7 +5497,7 @@
           <a:p>
             <a:fld id="{71DC7789-059D-4A50-B347-FF0AB04E694A}" type="datetimeFigureOut">
               <a:rPr lang="en-US" smtClean="0"/>
-              <a:t>7/31/2023</a:t>
+              <a:t>8/2/2023</a:t>
             </a:fld>
             <a:endParaRPr lang="en-US"/>
           </a:p>
@@ -5482,7 +5886,7 @@
           <a:p>
             <a:fld id="{71DC7789-059D-4A50-B347-FF0AB04E694A}" type="datetimeFigureOut">
               <a:rPr lang="en-US" smtClean="0"/>
-              <a:t>7/31/2023</a:t>
+              <a:t>8/2/2023</a:t>
             </a:fld>
             <a:endParaRPr lang="en-US"/>
           </a:p>
@@ -5858,7 +6262,7 @@
           <a:p>
             <a:fld id="{71DC7789-059D-4A50-B347-FF0AB04E694A}" type="datetimeFigureOut">
               <a:rPr lang="en-US" smtClean="0"/>
-              <a:t>7/31/2023</a:t>
+              <a:t>8/2/2023</a:t>
             </a:fld>
             <a:endParaRPr lang="en-US"/>
           </a:p>
@@ -6364,7 +6768,7 @@
           <a:p>
             <a:fld id="{71DC7789-059D-4A50-B347-FF0AB04E694A}" type="datetimeFigureOut">
               <a:rPr lang="en-US" smtClean="0"/>
-              <a:t>7/31/2023</a:t>
+              <a:t>8/2/2023</a:t>
             </a:fld>
             <a:endParaRPr lang="en-US"/>
           </a:p>
@@ -6621,7 +7025,7 @@
           <a:p>
             <a:fld id="{71DC7789-059D-4A50-B347-FF0AB04E694A}" type="datetimeFigureOut">
               <a:rPr lang="en-US" smtClean="0"/>
-              <a:t>7/31/2023</a:t>
+              <a:t>8/2/2023</a:t>
             </a:fld>
             <a:endParaRPr lang="en-US"/>
           </a:p>
@@ -6784,7 +7188,7 @@
           <a:p>
             <a:fld id="{71DC7789-059D-4A50-B347-FF0AB04E694A}" type="datetimeFigureOut">
               <a:rPr lang="en-US" smtClean="0"/>
-              <a:t>7/31/2023</a:t>
+              <a:t>8/2/2023</a:t>
             </a:fld>
             <a:endParaRPr lang="en-US"/>
           </a:p>
@@ -7174,7 +7578,7 @@
           <a:p>
             <a:fld id="{71DC7789-059D-4A50-B347-FF0AB04E694A}" type="datetimeFigureOut">
               <a:rPr lang="en-US" smtClean="0"/>
-              <a:t>7/31/2023</a:t>
+              <a:t>8/2/2023</a:t>
             </a:fld>
             <a:endParaRPr lang="en-US"/>
           </a:p>
@@ -7583,7 +7987,7 @@
           <a:p>
             <a:fld id="{71DC7789-059D-4A50-B347-FF0AB04E694A}" type="datetimeFigureOut">
               <a:rPr lang="en-US" smtClean="0"/>
-              <a:t>7/31/2023</a:t>
+              <a:t>8/2/2023</a:t>
             </a:fld>
             <a:endParaRPr lang="en-US"/>
           </a:p>
@@ -7827,7 +8231,7 @@
           <a:p>
             <a:fld id="{71DC7789-059D-4A50-B347-FF0AB04E694A}" type="datetimeFigureOut">
               <a:rPr lang="en-US" smtClean="0"/>
-              <a:t>7/31/2023</a:t>
+              <a:t>8/2/2023</a:t>
             </a:fld>
             <a:endParaRPr lang="en-US"/>
           </a:p>
@@ -8364,21 +8768,21 @@
           <a:p>
             <a:r>
               <a:rPr lang="en-US" dirty="0"/>
-              <a:t>Which Profession Gets Better Quality of Sleep?</a:t>
-            </a:r>
-          </a:p>
-        </p:txBody>
-      </p:sp>
-      <p:sp>
-        <p:nvSpPr>
-          <p:cNvPr id="7" name="TextBox 6"/>
+              <a:t>Quality of Sleep</a:t>
+            </a:r>
+          </a:p>
+        </p:txBody>
+      </p:sp>
+      <p:sp>
+        <p:nvSpPr>
+          <p:cNvPr id="5" name="TextBox 4"/>
           <p:cNvSpPr txBox="1"/>
           <p:nvPr/>
         </p:nvSpPr>
         <p:spPr>
           <a:xfrm>
-            <a:off x="6533063" y="2254848"/>
-            <a:ext cx="5464028" cy="3785652"/>
+            <a:off x="6974237" y="3044202"/>
+            <a:ext cx="4386276" cy="2308324"/>
           </a:xfrm>
           <a:prstGeom prst="rect">
             <a:avLst/>
@@ -8391,18 +8795,293 @@
           </a:bodyPr>
           <a:lstStyle/>
           <a:p>
+            <a:pPr marL="342900" indent="-342900">
+              <a:buFont typeface="Arial" panose="020B0604020202020204" pitchFamily="34" charset="0"/>
+              <a:buChar char="•"/>
+            </a:pPr>
+            <a:r>
+              <a:rPr lang="en-US" sz="2400" dirty="0"/>
+              <a:t>Quality of sleep is the measurement of how well someone sleeps at night. </a:t>
+            </a:r>
+          </a:p>
+          <a:p>
+            <a:pPr marL="342900" indent="-342900">
+              <a:buFont typeface="Arial" panose="020B0604020202020204" pitchFamily="34" charset="0"/>
+              <a:buChar char="•"/>
+            </a:pPr>
+            <a:r>
+              <a:rPr lang="en-US" sz="2400" dirty="0"/>
+              <a:t>The average adult needs 7 or more hours of restful and restorative sleep.</a:t>
+            </a:r>
+          </a:p>
+        </p:txBody>
+      </p:sp>
+      <p:pic>
+        <p:nvPicPr>
+          <p:cNvPr id="7" name="Picture 6"/>
+          <p:cNvPicPr>
+            <a:picLocks noChangeAspect="1"/>
+          </p:cNvPicPr>
+          <p:nvPr/>
+        </p:nvPicPr>
+        <p:blipFill>
+          <a:blip r:embed="rId2"/>
+          <a:stretch>
+            <a:fillRect/>
+          </a:stretch>
+        </p:blipFill>
+        <p:spPr>
+          <a:xfrm>
+            <a:off x="325688" y="2420302"/>
+            <a:ext cx="6278312" cy="3556125"/>
+          </a:xfrm>
+          <a:prstGeom prst="rect">
+            <a:avLst/>
+          </a:prstGeom>
+        </p:spPr>
+      </p:pic>
+    </p:spTree>
+    <p:extLst>
+      <p:ext uri="{BB962C8B-B14F-4D97-AF65-F5344CB8AC3E}">
+        <p14:creationId xmlns:p14="http://schemas.microsoft.com/office/powerpoint/2010/main" val="1174100958"/>
+      </p:ext>
+    </p:extLst>
+  </p:cSld>
+  <p:clrMapOvr>
+    <a:masterClrMapping/>
+  </p:clrMapOvr>
+</p:sld>
+</file>
+
+<file path=ppt/slides/slide11.xml><?xml version="1.0" encoding="utf-8"?>
+<p:sld xmlns:a="http://schemas.openxmlformats.org/drawingml/2006/main" xmlns:r="http://schemas.openxmlformats.org/officeDocument/2006/relationships" xmlns:p="http://schemas.openxmlformats.org/presentationml/2006/main">
+  <p:cSld>
+    <p:spTree>
+      <p:nvGrpSpPr>
+        <p:cNvPr id="1" name=""/>
+        <p:cNvGrpSpPr/>
+        <p:nvPr/>
+      </p:nvGrpSpPr>
+      <p:grpSpPr>
+        <a:xfrm>
+          <a:off x="0" y="0"/>
+          <a:ext cx="0" cy="0"/>
+          <a:chOff x="0" y="0"/>
+          <a:chExt cx="0" cy="0"/>
+        </a:xfrm>
+      </p:grpSpPr>
+      <p:sp>
+        <p:nvSpPr>
+          <p:cNvPr id="2" name="Title 1"/>
+          <p:cNvSpPr>
+            <a:spLocks noGrp="1"/>
+          </p:cNvSpPr>
+          <p:nvPr>
+            <p:ph type="title"/>
+          </p:nvPr>
+        </p:nvSpPr>
+        <p:spPr/>
+        <p:txBody>
+          <a:bodyPr/>
+          <a:lstStyle/>
+          <a:p>
+            <a:r>
+              <a:rPr lang="en-US" dirty="0"/>
+              <a:t>Which Gender Gets the Better Quality of Sleep?</a:t>
+            </a:r>
+          </a:p>
+        </p:txBody>
+      </p:sp>
+      <p:sp>
+        <p:nvSpPr>
+          <p:cNvPr id="5" name="TextBox 4"/>
+          <p:cNvSpPr txBox="1"/>
+          <p:nvPr/>
+        </p:nvSpPr>
+        <p:spPr>
+          <a:xfrm>
+            <a:off x="6748182" y="2797179"/>
+            <a:ext cx="4919579" cy="3046988"/>
+          </a:xfrm>
+          <a:prstGeom prst="rect">
+            <a:avLst/>
+          </a:prstGeom>
+          <a:noFill/>
+        </p:spPr>
+        <p:txBody>
+          <a:bodyPr wrap="square" rtlCol="0">
+            <a:spAutoFit/>
+          </a:bodyPr>
+          <a:lstStyle/>
+          <a:p>
+            <a:pPr marL="342900" indent="-342900">
+              <a:buFont typeface="Arial" panose="020B0604020202020204" pitchFamily="34" charset="0"/>
+              <a:buChar char="•"/>
+            </a:pPr>
+            <a:r>
+              <a:rPr lang="en-US" sz="2400" dirty="0"/>
+              <a:t>In this dataset, 185 males and 189 females were analyzed. </a:t>
+            </a:r>
+          </a:p>
+          <a:p>
+            <a:pPr marL="342900" indent="-342900">
+              <a:buFont typeface="Arial" panose="020B0604020202020204" pitchFamily="34" charset="0"/>
+              <a:buChar char="•"/>
+            </a:pPr>
+            <a:r>
+              <a:rPr lang="en-US" sz="2400" dirty="0"/>
+              <a:t>On average, the females from the dataset get a more restful and restorative sleep. </a:t>
+            </a:r>
+          </a:p>
+          <a:p>
+            <a:pPr marL="342900" indent="-342900">
+              <a:buFont typeface="Arial" panose="020B0604020202020204" pitchFamily="34" charset="0"/>
+              <a:buChar char="•"/>
+            </a:pPr>
+            <a:r>
+              <a:rPr lang="en-US" sz="2400" dirty="0"/>
+              <a:t>Females, on average, received 8 hours of quality sleep, while males received 7 hours. </a:t>
+            </a:r>
+          </a:p>
+        </p:txBody>
+      </p:sp>
+      <p:pic>
+        <p:nvPicPr>
+          <p:cNvPr id="9" name="Picture 8" descr="A blue and yellow pie chart&#10;&#10;Description automatically generated">
+            <a:extLst>
+              <a:ext uri="{FF2B5EF4-FFF2-40B4-BE49-F238E27FC236}">
+                <a16:creationId xmlns:a16="http://schemas.microsoft.com/office/drawing/2014/main" id="{9D6C59F6-850B-156E-6E07-3E2570D34AFF}"/>
+              </a:ext>
+            </a:extLst>
+          </p:cNvPr>
+          <p:cNvPicPr>
+            <a:picLocks noChangeAspect="1"/>
+          </p:cNvPicPr>
+          <p:nvPr/>
+        </p:nvPicPr>
+        <p:blipFill>
+          <a:blip r:embed="rId2">
+            <a:extLst>
+              <a:ext uri="{28A0092B-C50C-407E-A947-70E740481C1C}">
+                <a14:useLocalDpi xmlns:a14="http://schemas.microsoft.com/office/drawing/2010/main" val="0"/>
+              </a:ext>
+            </a:extLst>
+          </a:blip>
+          <a:stretch>
+            <a:fillRect/>
+          </a:stretch>
+        </p:blipFill>
+        <p:spPr>
+          <a:xfrm>
+            <a:off x="524238" y="2170234"/>
+            <a:ext cx="6015893" cy="4511919"/>
+          </a:xfrm>
+          <a:prstGeom prst="rect">
+            <a:avLst/>
+          </a:prstGeom>
+        </p:spPr>
+      </p:pic>
+    </p:spTree>
+    <p:extLst>
+      <p:ext uri="{BB962C8B-B14F-4D97-AF65-F5344CB8AC3E}">
+        <p14:creationId xmlns:p14="http://schemas.microsoft.com/office/powerpoint/2010/main" val="687638618"/>
+      </p:ext>
+    </p:extLst>
+  </p:cSld>
+  <p:clrMapOvr>
+    <a:masterClrMapping/>
+  </p:clrMapOvr>
+</p:sld>
+</file>
+
+<file path=ppt/slides/slide12.xml><?xml version="1.0" encoding="utf-8"?>
+<p:sld xmlns:a="http://schemas.openxmlformats.org/drawingml/2006/main" xmlns:r="http://schemas.openxmlformats.org/officeDocument/2006/relationships" xmlns:p="http://schemas.openxmlformats.org/presentationml/2006/main">
+  <p:cSld>
+    <p:spTree>
+      <p:nvGrpSpPr>
+        <p:cNvPr id="1" name=""/>
+        <p:cNvGrpSpPr/>
+        <p:nvPr/>
+      </p:nvGrpSpPr>
+      <p:grpSpPr>
+        <a:xfrm>
+          <a:off x="0" y="0"/>
+          <a:ext cx="0" cy="0"/>
+          <a:chOff x="0" y="0"/>
+          <a:chExt cx="0" cy="0"/>
+        </a:xfrm>
+      </p:grpSpPr>
+      <p:sp>
+        <p:nvSpPr>
+          <p:cNvPr id="2" name="Title 1"/>
+          <p:cNvSpPr>
+            <a:spLocks noGrp="1"/>
+          </p:cNvSpPr>
+          <p:nvPr>
+            <p:ph type="title"/>
+          </p:nvPr>
+        </p:nvSpPr>
+        <p:spPr/>
+        <p:txBody>
+          <a:bodyPr/>
+          <a:lstStyle/>
+          <a:p>
+            <a:r>
+              <a:rPr lang="en-US" dirty="0"/>
+              <a:t>Which Profession Gets Better Quality of Sleep?</a:t>
+            </a:r>
+          </a:p>
+        </p:txBody>
+      </p:sp>
+      <p:sp>
+        <p:nvSpPr>
+          <p:cNvPr id="7" name="TextBox 6"/>
+          <p:cNvSpPr txBox="1"/>
+          <p:nvPr/>
+        </p:nvSpPr>
+        <p:spPr>
+          <a:xfrm>
+            <a:off x="6501962" y="2613392"/>
+            <a:ext cx="5464028" cy="2862322"/>
+          </a:xfrm>
+          <a:prstGeom prst="rect">
+            <a:avLst/>
+          </a:prstGeom>
+          <a:noFill/>
+        </p:spPr>
+        <p:txBody>
+          <a:bodyPr wrap="square" rtlCol="0">
+            <a:spAutoFit/>
+          </a:bodyPr>
+          <a:lstStyle/>
+          <a:p>
+            <a:pPr marL="342900" indent="-342900">
+              <a:buFont typeface="Arial" panose="020B0604020202020204" pitchFamily="34" charset="0"/>
+              <a:buChar char="•"/>
+            </a:pPr>
             <a:r>
               <a:rPr lang="en-US" sz="2000" dirty="0"/>
-              <a:t>Eleven professions were analyzed from different industries. This graph represents the average quality of sleep per occupation compare to the total count of each occupation. </a:t>
-            </a:r>
-          </a:p>
-          <a:p>
-            <a:endParaRPr lang="en-US" sz="2000" dirty="0"/>
-          </a:p>
-          <a:p>
+              <a:t>Occupation with the best sleep quality is Engineer.</a:t>
+            </a:r>
+          </a:p>
+          <a:p>
+            <a:pPr marL="342900" indent="-342900">
+              <a:buFont typeface="Arial" panose="020B0604020202020204" pitchFamily="34" charset="0"/>
+              <a:buChar char="•"/>
+            </a:pPr>
             <a:r>
               <a:rPr lang="en-US" sz="2000" dirty="0"/>
-              <a:t>The uneven count of each profession proves to be a limitation to our data. For example, Manager occupation only has only 1 count and an average quality of sleep, where as doctor has a 71 count and a below average quality of sleep.</a:t>
+              <a:t>Occupation with the worst sleep quality is Sales Representative.</a:t>
+            </a:r>
+          </a:p>
+          <a:p>
+            <a:pPr marL="342900" indent="-342900">
+              <a:buFont typeface="Arial" panose="020B0604020202020204" pitchFamily="34" charset="0"/>
+              <a:buChar char="•"/>
+            </a:pPr>
+            <a:r>
+              <a:rPr lang="en-US" sz="2000" dirty="0"/>
+              <a:t>Eleven professions were analyzed from different industries. This graph represents the average quality of sleep per occupation compared to the total count of each occupation. </a:t>
             </a:r>
           </a:p>
         </p:txBody>
@@ -8539,6 +9218,1158 @@
 </p:sld>
 </file>
 
+<file path=ppt/slides/slide13.xml><?xml version="1.0" encoding="utf-8"?>
+<p:sld xmlns:a="http://schemas.openxmlformats.org/drawingml/2006/main" xmlns:r="http://schemas.openxmlformats.org/officeDocument/2006/relationships" xmlns:p="http://schemas.openxmlformats.org/presentationml/2006/main">
+  <p:cSld>
+    <p:spTree>
+      <p:nvGrpSpPr>
+        <p:cNvPr id="1" name=""/>
+        <p:cNvGrpSpPr/>
+        <p:nvPr/>
+      </p:nvGrpSpPr>
+      <p:grpSpPr>
+        <a:xfrm>
+          <a:off x="0" y="0"/>
+          <a:ext cx="0" cy="0"/>
+          <a:chOff x="0" y="0"/>
+          <a:chExt cx="0" cy="0"/>
+        </a:xfrm>
+      </p:grpSpPr>
+      <p:sp>
+        <p:nvSpPr>
+          <p:cNvPr id="2" name="Title 1">
+            <a:extLst>
+              <a:ext uri="{FF2B5EF4-FFF2-40B4-BE49-F238E27FC236}">
+                <a16:creationId xmlns:a16="http://schemas.microsoft.com/office/drawing/2014/main" id="{0EE655DB-A255-7462-9D50-411CA9EC6D28}"/>
+              </a:ext>
+            </a:extLst>
+          </p:cNvPr>
+          <p:cNvSpPr>
+            <a:spLocks noGrp="1"/>
+          </p:cNvSpPr>
+          <p:nvPr>
+            <p:ph type="title"/>
+          </p:nvPr>
+        </p:nvSpPr>
+        <p:spPr/>
+        <p:txBody>
+          <a:bodyPr/>
+          <a:lstStyle/>
+          <a:p>
+            <a:r>
+              <a:rPr lang="en-US" dirty="0"/>
+              <a:t>Occupation Conclusion</a:t>
+            </a:r>
+          </a:p>
+        </p:txBody>
+      </p:sp>
+      <p:sp>
+        <p:nvSpPr>
+          <p:cNvPr id="3" name="Text Placeholder 2">
+            <a:extLst>
+              <a:ext uri="{FF2B5EF4-FFF2-40B4-BE49-F238E27FC236}">
+                <a16:creationId xmlns:a16="http://schemas.microsoft.com/office/drawing/2014/main" id="{AC4B90EE-A0CD-4B23-0F2F-40FDB7E3A0A4}"/>
+              </a:ext>
+            </a:extLst>
+          </p:cNvPr>
+          <p:cNvSpPr>
+            <a:spLocks noGrp="1"/>
+          </p:cNvSpPr>
+          <p:nvPr>
+            <p:ph type="body" idx="1"/>
+          </p:nvPr>
+        </p:nvSpPr>
+        <p:spPr/>
+        <p:txBody>
+          <a:bodyPr/>
+          <a:lstStyle/>
+          <a:p>
+            <a:r>
+              <a:rPr lang="en-US" sz="2000" dirty="0"/>
+              <a:t>The uneven count of each profession proves to be a limitation to our data. For example, Manager occupation only has only 1 count and an average quality of sleep, where as doctor has a 71 count and a below average quality of sleep.</a:t>
+            </a:r>
+          </a:p>
+          <a:p>
+            <a:endParaRPr lang="en-US" dirty="0"/>
+          </a:p>
+        </p:txBody>
+      </p:sp>
+    </p:spTree>
+    <p:extLst>
+      <p:ext uri="{BB962C8B-B14F-4D97-AF65-F5344CB8AC3E}">
+        <p14:creationId xmlns:p14="http://schemas.microsoft.com/office/powerpoint/2010/main" val="2629467714"/>
+      </p:ext>
+    </p:extLst>
+  </p:cSld>
+  <p:clrMapOvr>
+    <a:masterClrMapping/>
+  </p:clrMapOvr>
+</p:sld>
+</file>
+
+<file path=ppt/slides/slide14.xml><?xml version="1.0" encoding="utf-8"?>
+<p:sld xmlns:a="http://schemas.openxmlformats.org/drawingml/2006/main" xmlns:r="http://schemas.openxmlformats.org/officeDocument/2006/relationships" xmlns:p="http://schemas.openxmlformats.org/presentationml/2006/main">
+  <p:cSld>
+    <p:spTree>
+      <p:nvGrpSpPr>
+        <p:cNvPr id="1" name=""/>
+        <p:cNvGrpSpPr/>
+        <p:nvPr/>
+      </p:nvGrpSpPr>
+      <p:grpSpPr>
+        <a:xfrm>
+          <a:off x="0" y="0"/>
+          <a:ext cx="0" cy="0"/>
+          <a:chOff x="0" y="0"/>
+          <a:chExt cx="0" cy="0"/>
+        </a:xfrm>
+      </p:grpSpPr>
+      <p:sp>
+        <p:nvSpPr>
+          <p:cNvPr id="2" name="Title 1">
+            <a:extLst>
+              <a:ext uri="{FF2B5EF4-FFF2-40B4-BE49-F238E27FC236}">
+                <a16:creationId xmlns:a16="http://schemas.microsoft.com/office/drawing/2014/main" id="{3B108E6E-A451-1B4A-2252-823BB95586A2}"/>
+              </a:ext>
+            </a:extLst>
+          </p:cNvPr>
+          <p:cNvSpPr>
+            <a:spLocks noGrp="1"/>
+          </p:cNvSpPr>
+          <p:nvPr>
+            <p:ph type="ctrTitle"/>
+          </p:nvPr>
+        </p:nvSpPr>
+        <p:spPr/>
+        <p:txBody>
+          <a:bodyPr/>
+          <a:lstStyle/>
+          <a:p>
+            <a:r>
+              <a:rPr lang="en-US" sz="3600" dirty="0">
+                <a:effectLst/>
+              </a:rPr>
+              <a:t>Which career field has the leanest employees and what's the average BMI for employees?</a:t>
+            </a:r>
+            <a:endParaRPr lang="en-US" sz="3600" dirty="0"/>
+          </a:p>
+        </p:txBody>
+      </p:sp>
+      <p:sp>
+        <p:nvSpPr>
+          <p:cNvPr id="3" name="Subtitle 2">
+            <a:extLst>
+              <a:ext uri="{FF2B5EF4-FFF2-40B4-BE49-F238E27FC236}">
+                <a16:creationId xmlns:a16="http://schemas.microsoft.com/office/drawing/2014/main" id="{81B89389-7539-F226-A09B-279837D7E52A}"/>
+              </a:ext>
+            </a:extLst>
+          </p:cNvPr>
+          <p:cNvSpPr>
+            <a:spLocks noGrp="1"/>
+          </p:cNvSpPr>
+          <p:nvPr>
+            <p:ph type="subTitle" idx="1"/>
+          </p:nvPr>
+        </p:nvSpPr>
+        <p:spPr/>
+        <p:txBody>
+          <a:bodyPr/>
+          <a:lstStyle/>
+          <a:p>
+            <a:endParaRPr lang="en-US"/>
+          </a:p>
+        </p:txBody>
+      </p:sp>
+    </p:spTree>
+    <p:extLst>
+      <p:ext uri="{BB962C8B-B14F-4D97-AF65-F5344CB8AC3E}">
+        <p14:creationId xmlns:p14="http://schemas.microsoft.com/office/powerpoint/2010/main" val="3819248180"/>
+      </p:ext>
+    </p:extLst>
+  </p:cSld>
+  <p:clrMapOvr>
+    <a:masterClrMapping/>
+  </p:clrMapOvr>
+</p:sld>
+</file>
+
+<file path=ppt/slides/slide15.xml><?xml version="1.0" encoding="utf-8"?>
+<p:sld xmlns:a="http://schemas.openxmlformats.org/drawingml/2006/main" xmlns:r="http://schemas.openxmlformats.org/officeDocument/2006/relationships" xmlns:p="http://schemas.openxmlformats.org/presentationml/2006/main">
+  <p:cSld>
+    <p:spTree>
+      <p:nvGrpSpPr>
+        <p:cNvPr id="1" name=""/>
+        <p:cNvGrpSpPr/>
+        <p:nvPr/>
+      </p:nvGrpSpPr>
+      <p:grpSpPr>
+        <a:xfrm>
+          <a:off x="0" y="0"/>
+          <a:ext cx="0" cy="0"/>
+          <a:chOff x="0" y="0"/>
+          <a:chExt cx="0" cy="0"/>
+        </a:xfrm>
+      </p:grpSpPr>
+      <p:pic>
+        <p:nvPicPr>
+          <p:cNvPr id="2" name="Picture 2">
+            <a:extLst>
+              <a:ext uri="{FF2B5EF4-FFF2-40B4-BE49-F238E27FC236}">
+                <a16:creationId xmlns:a16="http://schemas.microsoft.com/office/drawing/2014/main" id="{3591B5EC-B083-A8AF-6D31-217FC0B84EA2}"/>
+              </a:ext>
+            </a:extLst>
+          </p:cNvPr>
+          <p:cNvPicPr>
+            <a:picLocks noChangeAspect="1" noChangeArrowheads="1"/>
+          </p:cNvPicPr>
+          <p:nvPr/>
+        </p:nvPicPr>
+        <p:blipFill>
+          <a:blip r:embed="rId2">
+            <a:extLst>
+              <a:ext uri="{28A0092B-C50C-407E-A947-70E740481C1C}">
+                <a14:useLocalDpi xmlns:a14="http://schemas.microsoft.com/office/drawing/2010/main" val="0"/>
+              </a:ext>
+            </a:extLst>
+          </a:blip>
+          <a:srcRect/>
+          <a:stretch>
+            <a:fillRect/>
+          </a:stretch>
+        </p:blipFill>
+        <p:spPr bwMode="auto">
+          <a:xfrm>
+            <a:off x="803413" y="191965"/>
+            <a:ext cx="4208201" cy="3156151"/>
+          </a:xfrm>
+          <a:prstGeom prst="rect">
+            <a:avLst/>
+          </a:prstGeom>
+          <a:noFill/>
+          <a:extLst>
+            <a:ext uri="{909E8E84-426E-40DD-AFC4-6F175D3DCCD1}">
+              <a14:hiddenFill xmlns:a14="http://schemas.microsoft.com/office/drawing/2010/main">
+                <a:solidFill>
+                  <a:srgbClr val="FFFFFF"/>
+                </a:solidFill>
+              </a14:hiddenFill>
+            </a:ext>
+          </a:extLst>
+        </p:spPr>
+      </p:pic>
+      <p:pic>
+        <p:nvPicPr>
+          <p:cNvPr id="3" name="Picture 4">
+            <a:extLst>
+              <a:ext uri="{FF2B5EF4-FFF2-40B4-BE49-F238E27FC236}">
+                <a16:creationId xmlns:a16="http://schemas.microsoft.com/office/drawing/2014/main" id="{D21F1FE2-EACF-58E2-DFD5-554C3A032556}"/>
+              </a:ext>
+            </a:extLst>
+          </p:cNvPr>
+          <p:cNvPicPr>
+            <a:picLocks noChangeAspect="1" noChangeArrowheads="1"/>
+          </p:cNvPicPr>
+          <p:nvPr/>
+        </p:nvPicPr>
+        <p:blipFill>
+          <a:blip r:embed="rId3">
+            <a:extLst>
+              <a:ext uri="{28A0092B-C50C-407E-A947-70E740481C1C}">
+                <a14:useLocalDpi xmlns:a14="http://schemas.microsoft.com/office/drawing/2010/main" val="0"/>
+              </a:ext>
+            </a:extLst>
+          </a:blip>
+          <a:srcRect/>
+          <a:stretch>
+            <a:fillRect/>
+          </a:stretch>
+        </p:blipFill>
+        <p:spPr bwMode="auto">
+          <a:xfrm>
+            <a:off x="803412" y="3509885"/>
+            <a:ext cx="4208201" cy="3156151"/>
+          </a:xfrm>
+          <a:prstGeom prst="rect">
+            <a:avLst/>
+          </a:prstGeom>
+          <a:noFill/>
+          <a:extLst>
+            <a:ext uri="{909E8E84-426E-40DD-AFC4-6F175D3DCCD1}">
+              <a14:hiddenFill xmlns:a14="http://schemas.microsoft.com/office/drawing/2010/main">
+                <a:solidFill>
+                  <a:srgbClr val="FFFFFF"/>
+                </a:solidFill>
+              </a14:hiddenFill>
+            </a:ext>
+          </a:extLst>
+        </p:spPr>
+      </p:pic>
+      <p:pic>
+        <p:nvPicPr>
+          <p:cNvPr id="7" name="Picture 6" descr="A table of text with numbers&#10;&#10;Description automatically generated with medium confidence">
+            <a:extLst>
+              <a:ext uri="{FF2B5EF4-FFF2-40B4-BE49-F238E27FC236}">
+                <a16:creationId xmlns:a16="http://schemas.microsoft.com/office/drawing/2014/main" id="{30AF2937-6EAD-CA8D-FF48-03BA8695F605}"/>
+              </a:ext>
+            </a:extLst>
+          </p:cNvPr>
+          <p:cNvPicPr>
+            <a:picLocks noChangeAspect="1"/>
+          </p:cNvPicPr>
+          <p:nvPr/>
+        </p:nvPicPr>
+        <p:blipFill>
+          <a:blip r:embed="rId4">
+            <a:extLst>
+              <a:ext uri="{28A0092B-C50C-407E-A947-70E740481C1C}">
+                <a14:useLocalDpi xmlns:a14="http://schemas.microsoft.com/office/drawing/2010/main" val="0"/>
+              </a:ext>
+            </a:extLst>
+          </a:blip>
+          <a:stretch>
+            <a:fillRect/>
+          </a:stretch>
+        </p:blipFill>
+        <p:spPr>
+          <a:xfrm>
+            <a:off x="6028072" y="818399"/>
+            <a:ext cx="3488656" cy="2126419"/>
+          </a:xfrm>
+          <a:prstGeom prst="rect">
+            <a:avLst/>
+          </a:prstGeom>
+        </p:spPr>
+      </p:pic>
+      <p:sp>
+        <p:nvSpPr>
+          <p:cNvPr id="9" name="TextBox 8">
+            <a:extLst>
+              <a:ext uri="{FF2B5EF4-FFF2-40B4-BE49-F238E27FC236}">
+                <a16:creationId xmlns:a16="http://schemas.microsoft.com/office/drawing/2014/main" id="{EE6525E6-CCC6-DD7D-41E4-18E9DF53F979}"/>
+              </a:ext>
+            </a:extLst>
+          </p:cNvPr>
+          <p:cNvSpPr txBox="1"/>
+          <p:nvPr/>
+        </p:nvSpPr>
+        <p:spPr>
+          <a:xfrm>
+            <a:off x="6752492" y="304559"/>
+            <a:ext cx="2039815" cy="646331"/>
+          </a:xfrm>
+          <a:prstGeom prst="rect">
+            <a:avLst/>
+          </a:prstGeom>
+          <a:noFill/>
+        </p:spPr>
+        <p:txBody>
+          <a:bodyPr wrap="square" rtlCol="0">
+            <a:spAutoFit/>
+          </a:bodyPr>
+          <a:lstStyle/>
+          <a:p>
+            <a:pPr algn="ctr"/>
+            <a:r>
+              <a:rPr lang="en-US" dirty="0"/>
+              <a:t>Overweight Count</a:t>
+            </a:r>
+          </a:p>
+          <a:p>
+            <a:endParaRPr lang="en-US" dirty="0"/>
+          </a:p>
+        </p:txBody>
+      </p:sp>
+      <p:pic>
+        <p:nvPicPr>
+          <p:cNvPr id="11" name="Picture 10" descr="A close-up of a list of words&#10;&#10;Description automatically generated">
+            <a:extLst>
+              <a:ext uri="{FF2B5EF4-FFF2-40B4-BE49-F238E27FC236}">
+                <a16:creationId xmlns:a16="http://schemas.microsoft.com/office/drawing/2014/main" id="{50E5C134-AA0B-4092-17FE-83D81FB40155}"/>
+              </a:ext>
+            </a:extLst>
+          </p:cNvPr>
+          <p:cNvPicPr>
+            <a:picLocks noChangeAspect="1"/>
+          </p:cNvPicPr>
+          <p:nvPr/>
+        </p:nvPicPr>
+        <p:blipFill>
+          <a:blip r:embed="rId5">
+            <a:extLst>
+              <a:ext uri="{28A0092B-C50C-407E-A947-70E740481C1C}">
+                <a14:useLocalDpi xmlns:a14="http://schemas.microsoft.com/office/drawing/2010/main" val="0"/>
+              </a:ext>
+            </a:extLst>
+          </a:blip>
+          <a:stretch>
+            <a:fillRect/>
+          </a:stretch>
+        </p:blipFill>
+        <p:spPr>
+          <a:xfrm>
+            <a:off x="6010486" y="4268810"/>
+            <a:ext cx="3911600" cy="1638300"/>
+          </a:xfrm>
+          <a:prstGeom prst="rect">
+            <a:avLst/>
+          </a:prstGeom>
+        </p:spPr>
+      </p:pic>
+      <p:sp>
+        <p:nvSpPr>
+          <p:cNvPr id="12" name="TextBox 11">
+            <a:extLst>
+              <a:ext uri="{FF2B5EF4-FFF2-40B4-BE49-F238E27FC236}">
+                <a16:creationId xmlns:a16="http://schemas.microsoft.com/office/drawing/2014/main" id="{B18A522E-C9B2-32EF-5C4B-048D977E61BF}"/>
+              </a:ext>
+            </a:extLst>
+          </p:cNvPr>
+          <p:cNvSpPr txBox="1"/>
+          <p:nvPr/>
+        </p:nvSpPr>
+        <p:spPr>
+          <a:xfrm>
+            <a:off x="7160326" y="3746102"/>
+            <a:ext cx="1611918" cy="646331"/>
+          </a:xfrm>
+          <a:prstGeom prst="rect">
+            <a:avLst/>
+          </a:prstGeom>
+          <a:noFill/>
+        </p:spPr>
+        <p:txBody>
+          <a:bodyPr wrap="square" rtlCol="0">
+            <a:spAutoFit/>
+          </a:bodyPr>
+          <a:lstStyle/>
+          <a:p>
+            <a:pPr algn="ctr"/>
+            <a:r>
+              <a:rPr lang="en-US" dirty="0"/>
+              <a:t>Obese Count</a:t>
+            </a:r>
+          </a:p>
+          <a:p>
+            <a:endParaRPr lang="en-US" dirty="0"/>
+          </a:p>
+        </p:txBody>
+      </p:sp>
+    </p:spTree>
+    <p:extLst>
+      <p:ext uri="{BB962C8B-B14F-4D97-AF65-F5344CB8AC3E}">
+        <p14:creationId xmlns:p14="http://schemas.microsoft.com/office/powerpoint/2010/main" val="3247126128"/>
+      </p:ext>
+    </p:extLst>
+  </p:cSld>
+  <p:clrMapOvr>
+    <a:masterClrMapping/>
+  </p:clrMapOvr>
+</p:sld>
+</file>
+
+<file path=ppt/slides/slide16.xml><?xml version="1.0" encoding="utf-8"?>
+<p:sld xmlns:a="http://schemas.openxmlformats.org/drawingml/2006/main" xmlns:r="http://schemas.openxmlformats.org/officeDocument/2006/relationships" xmlns:p="http://schemas.openxmlformats.org/presentationml/2006/main">
+  <p:cSld>
+    <p:spTree>
+      <p:nvGrpSpPr>
+        <p:cNvPr id="1" name=""/>
+        <p:cNvGrpSpPr/>
+        <p:nvPr/>
+      </p:nvGrpSpPr>
+      <p:grpSpPr>
+        <a:xfrm>
+          <a:off x="0" y="0"/>
+          <a:ext cx="0" cy="0"/>
+          <a:chOff x="0" y="0"/>
+          <a:chExt cx="0" cy="0"/>
+        </a:xfrm>
+      </p:grpSpPr>
+      <p:pic>
+        <p:nvPicPr>
+          <p:cNvPr id="2" name="Picture 2">
+            <a:extLst>
+              <a:ext uri="{FF2B5EF4-FFF2-40B4-BE49-F238E27FC236}">
+                <a16:creationId xmlns:a16="http://schemas.microsoft.com/office/drawing/2014/main" id="{EF5836D9-3296-8A1C-3B13-EDFBC7DA64D9}"/>
+              </a:ext>
+            </a:extLst>
+          </p:cNvPr>
+          <p:cNvPicPr>
+            <a:picLocks noChangeAspect="1" noChangeArrowheads="1"/>
+          </p:cNvPicPr>
+          <p:nvPr/>
+        </p:nvPicPr>
+        <p:blipFill>
+          <a:blip r:embed="rId2">
+            <a:extLst>
+              <a:ext uri="{28A0092B-C50C-407E-A947-70E740481C1C}">
+                <a14:useLocalDpi xmlns:a14="http://schemas.microsoft.com/office/drawing/2010/main" val="0"/>
+              </a:ext>
+            </a:extLst>
+          </a:blip>
+          <a:srcRect/>
+          <a:stretch>
+            <a:fillRect/>
+          </a:stretch>
+        </p:blipFill>
+        <p:spPr bwMode="auto">
+          <a:xfrm>
+            <a:off x="803413" y="3560886"/>
+            <a:ext cx="4208201" cy="3156151"/>
+          </a:xfrm>
+          <a:prstGeom prst="rect">
+            <a:avLst/>
+          </a:prstGeom>
+          <a:noFill/>
+          <a:extLst>
+            <a:ext uri="{909E8E84-426E-40DD-AFC4-6F175D3DCCD1}">
+              <a14:hiddenFill xmlns:a14="http://schemas.microsoft.com/office/drawing/2010/main">
+                <a:solidFill>
+                  <a:srgbClr val="FFFFFF"/>
+                </a:solidFill>
+              </a14:hiddenFill>
+            </a:ext>
+          </a:extLst>
+        </p:spPr>
+      </p:pic>
+      <p:pic>
+        <p:nvPicPr>
+          <p:cNvPr id="3" name="Picture 2">
+            <a:extLst>
+              <a:ext uri="{FF2B5EF4-FFF2-40B4-BE49-F238E27FC236}">
+                <a16:creationId xmlns:a16="http://schemas.microsoft.com/office/drawing/2014/main" id="{AD9276F9-A239-EB74-C4ED-ADC000D5343D}"/>
+              </a:ext>
+            </a:extLst>
+          </p:cNvPr>
+          <p:cNvPicPr>
+            <a:picLocks noChangeAspect="1" noChangeArrowheads="1"/>
+          </p:cNvPicPr>
+          <p:nvPr/>
+        </p:nvPicPr>
+        <p:blipFill>
+          <a:blip r:embed="rId3">
+            <a:extLst>
+              <a:ext uri="{28A0092B-C50C-407E-A947-70E740481C1C}">
+                <a14:useLocalDpi xmlns:a14="http://schemas.microsoft.com/office/drawing/2010/main" val="0"/>
+              </a:ext>
+            </a:extLst>
+          </a:blip>
+          <a:srcRect/>
+          <a:stretch>
+            <a:fillRect/>
+          </a:stretch>
+        </p:blipFill>
+        <p:spPr bwMode="auto">
+          <a:xfrm>
+            <a:off x="803413" y="272849"/>
+            <a:ext cx="4208202" cy="3156151"/>
+          </a:xfrm>
+          <a:prstGeom prst="rect">
+            <a:avLst/>
+          </a:prstGeom>
+          <a:noFill/>
+          <a:extLst>
+            <a:ext uri="{909E8E84-426E-40DD-AFC4-6F175D3DCCD1}">
+              <a14:hiddenFill xmlns:a14="http://schemas.microsoft.com/office/drawing/2010/main">
+                <a:solidFill>
+                  <a:srgbClr val="FFFFFF"/>
+                </a:solidFill>
+              </a14:hiddenFill>
+            </a:ext>
+          </a:extLst>
+        </p:spPr>
+      </p:pic>
+      <p:pic>
+        <p:nvPicPr>
+          <p:cNvPr id="5" name="Picture 4" descr="A close-up of a number&#10;&#10;Description automatically generated">
+            <a:extLst>
+              <a:ext uri="{FF2B5EF4-FFF2-40B4-BE49-F238E27FC236}">
+                <a16:creationId xmlns:a16="http://schemas.microsoft.com/office/drawing/2014/main" id="{60830ED9-EA93-BC29-0D66-2F1716A6444F}"/>
+              </a:ext>
+            </a:extLst>
+          </p:cNvPr>
+          <p:cNvPicPr>
+            <a:picLocks noChangeAspect="1"/>
+          </p:cNvPicPr>
+          <p:nvPr/>
+        </p:nvPicPr>
+        <p:blipFill>
+          <a:blip r:embed="rId4">
+            <a:extLst>
+              <a:ext uri="{28A0092B-C50C-407E-A947-70E740481C1C}">
+                <a14:useLocalDpi xmlns:a14="http://schemas.microsoft.com/office/drawing/2010/main" val="0"/>
+              </a:ext>
+            </a:extLst>
+          </a:blip>
+          <a:stretch>
+            <a:fillRect/>
+          </a:stretch>
+        </p:blipFill>
+        <p:spPr>
+          <a:xfrm>
+            <a:off x="5870819" y="1038124"/>
+            <a:ext cx="3721100" cy="1625600"/>
+          </a:xfrm>
+          <a:prstGeom prst="rect">
+            <a:avLst/>
+          </a:prstGeom>
+        </p:spPr>
+      </p:pic>
+      <p:pic>
+        <p:nvPicPr>
+          <p:cNvPr id="7" name="Picture 6" descr="A black text on a white background&#10;&#10;Description automatically generated">
+            <a:extLst>
+              <a:ext uri="{FF2B5EF4-FFF2-40B4-BE49-F238E27FC236}">
+                <a16:creationId xmlns:a16="http://schemas.microsoft.com/office/drawing/2014/main" id="{137D1EA5-284D-0349-35B8-5B321923CFA1}"/>
+              </a:ext>
+            </a:extLst>
+          </p:cNvPr>
+          <p:cNvPicPr>
+            <a:picLocks noChangeAspect="1"/>
+          </p:cNvPicPr>
+          <p:nvPr/>
+        </p:nvPicPr>
+        <p:blipFill>
+          <a:blip r:embed="rId5">
+            <a:extLst>
+              <a:ext uri="{28A0092B-C50C-407E-A947-70E740481C1C}">
+                <a14:useLocalDpi xmlns:a14="http://schemas.microsoft.com/office/drawing/2010/main" val="0"/>
+              </a:ext>
+            </a:extLst>
+          </a:blip>
+          <a:stretch>
+            <a:fillRect/>
+          </a:stretch>
+        </p:blipFill>
+        <p:spPr>
+          <a:xfrm>
+            <a:off x="5934319" y="4275361"/>
+            <a:ext cx="3594100" cy="1727200"/>
+          </a:xfrm>
+          <a:prstGeom prst="rect">
+            <a:avLst/>
+          </a:prstGeom>
+        </p:spPr>
+      </p:pic>
+      <p:sp>
+        <p:nvSpPr>
+          <p:cNvPr id="8" name="TextBox 7">
+            <a:extLst>
+              <a:ext uri="{FF2B5EF4-FFF2-40B4-BE49-F238E27FC236}">
+                <a16:creationId xmlns:a16="http://schemas.microsoft.com/office/drawing/2014/main" id="{8282F8F8-DF19-DB08-C3AE-80E8EDB2EC77}"/>
+              </a:ext>
+            </a:extLst>
+          </p:cNvPr>
+          <p:cNvSpPr txBox="1"/>
+          <p:nvPr/>
+        </p:nvSpPr>
+        <p:spPr>
+          <a:xfrm>
+            <a:off x="6931269" y="532273"/>
+            <a:ext cx="1600200" cy="646331"/>
+          </a:xfrm>
+          <a:prstGeom prst="rect">
+            <a:avLst/>
+          </a:prstGeom>
+          <a:noFill/>
+        </p:spPr>
+        <p:txBody>
+          <a:bodyPr wrap="square" rtlCol="0">
+            <a:spAutoFit/>
+          </a:bodyPr>
+          <a:lstStyle/>
+          <a:p>
+            <a:pPr algn="ctr"/>
+            <a:r>
+              <a:rPr lang="en-US" dirty="0"/>
+              <a:t>Normal Count</a:t>
+            </a:r>
+          </a:p>
+          <a:p>
+            <a:endParaRPr lang="en-US" dirty="0"/>
+          </a:p>
+        </p:txBody>
+      </p:sp>
+      <p:sp>
+        <p:nvSpPr>
+          <p:cNvPr id="10" name="TextBox 9">
+            <a:extLst>
+              <a:ext uri="{FF2B5EF4-FFF2-40B4-BE49-F238E27FC236}">
+                <a16:creationId xmlns:a16="http://schemas.microsoft.com/office/drawing/2014/main" id="{F95DB5FE-22BC-D8A0-FD4A-02230212ACBE}"/>
+              </a:ext>
+            </a:extLst>
+          </p:cNvPr>
+          <p:cNvSpPr txBox="1"/>
+          <p:nvPr/>
+        </p:nvSpPr>
+        <p:spPr>
+          <a:xfrm>
+            <a:off x="6515099" y="3629030"/>
+            <a:ext cx="2432539" cy="646331"/>
+          </a:xfrm>
+          <a:prstGeom prst="rect">
+            <a:avLst/>
+          </a:prstGeom>
+          <a:noFill/>
+        </p:spPr>
+        <p:txBody>
+          <a:bodyPr wrap="square" rtlCol="0">
+            <a:spAutoFit/>
+          </a:bodyPr>
+          <a:lstStyle/>
+          <a:p>
+            <a:pPr algn="ctr"/>
+            <a:r>
+              <a:rPr lang="en-US" dirty="0"/>
+              <a:t>Normal Weight Count</a:t>
+            </a:r>
+          </a:p>
+          <a:p>
+            <a:endParaRPr lang="en-US" dirty="0"/>
+          </a:p>
+        </p:txBody>
+      </p:sp>
+    </p:spTree>
+    <p:extLst>
+      <p:ext uri="{BB962C8B-B14F-4D97-AF65-F5344CB8AC3E}">
+        <p14:creationId xmlns:p14="http://schemas.microsoft.com/office/powerpoint/2010/main" val="345787832"/>
+      </p:ext>
+    </p:extLst>
+  </p:cSld>
+  <p:clrMapOvr>
+    <a:masterClrMapping/>
+  </p:clrMapOvr>
+</p:sld>
+</file>
+
+<file path=ppt/slides/slide17.xml><?xml version="1.0" encoding="utf-8"?>
+<p:sld xmlns:a="http://schemas.openxmlformats.org/drawingml/2006/main" xmlns:r="http://schemas.openxmlformats.org/officeDocument/2006/relationships" xmlns:p="http://schemas.openxmlformats.org/presentationml/2006/main">
+  <p:cSld>
+    <p:spTree>
+      <p:nvGrpSpPr>
+        <p:cNvPr id="1" name=""/>
+        <p:cNvGrpSpPr/>
+        <p:nvPr/>
+      </p:nvGrpSpPr>
+      <p:grpSpPr>
+        <a:xfrm>
+          <a:off x="0" y="0"/>
+          <a:ext cx="0" cy="0"/>
+          <a:chOff x="0" y="0"/>
+          <a:chExt cx="0" cy="0"/>
+        </a:xfrm>
+      </p:grpSpPr>
+      <p:sp>
+        <p:nvSpPr>
+          <p:cNvPr id="2" name="Title 1">
+            <a:extLst>
+              <a:ext uri="{FF2B5EF4-FFF2-40B4-BE49-F238E27FC236}">
+                <a16:creationId xmlns:a16="http://schemas.microsoft.com/office/drawing/2014/main" id="{C44A0F0F-A536-A765-87F9-F3EAC5AD2506}"/>
+              </a:ext>
+            </a:extLst>
+          </p:cNvPr>
+          <p:cNvSpPr>
+            <a:spLocks noGrp="1"/>
+          </p:cNvSpPr>
+          <p:nvPr>
+            <p:ph type="title"/>
+          </p:nvPr>
+        </p:nvSpPr>
+        <p:spPr/>
+        <p:txBody>
+          <a:bodyPr/>
+          <a:lstStyle/>
+          <a:p>
+            <a:r>
+              <a:rPr lang="en-US" dirty="0"/>
+              <a:t>Percentages</a:t>
+            </a:r>
+          </a:p>
+        </p:txBody>
+      </p:sp>
+      <p:pic>
+        <p:nvPicPr>
+          <p:cNvPr id="6" name="Content Placeholder 5" descr="A graph of a number of people with purple bars&#10;&#10;Description automatically generated with medium confidence">
+            <a:extLst>
+              <a:ext uri="{FF2B5EF4-FFF2-40B4-BE49-F238E27FC236}">
+                <a16:creationId xmlns:a16="http://schemas.microsoft.com/office/drawing/2014/main" id="{60ABDAA2-429D-6F80-5554-B676F42F9D5D}"/>
+              </a:ext>
+            </a:extLst>
+          </p:cNvPr>
+          <p:cNvPicPr>
+            <a:picLocks noGrp="1" noChangeAspect="1"/>
+          </p:cNvPicPr>
+          <p:nvPr>
+            <p:ph sz="half" idx="1"/>
+          </p:nvPr>
+        </p:nvPicPr>
+        <p:blipFill>
+          <a:blip r:embed="rId2">
+            <a:extLst>
+              <a:ext uri="{28A0092B-C50C-407E-A947-70E740481C1C}">
+                <a14:useLocalDpi xmlns:a14="http://schemas.microsoft.com/office/drawing/2010/main" val="0"/>
+              </a:ext>
+            </a:extLst>
+          </a:blip>
+          <a:stretch>
+            <a:fillRect/>
+          </a:stretch>
+        </p:blipFill>
+        <p:spPr>
+          <a:xfrm>
+            <a:off x="903129" y="2335977"/>
+            <a:ext cx="2908206" cy="2180049"/>
+          </a:xfrm>
+        </p:spPr>
+      </p:pic>
+      <p:pic>
+        <p:nvPicPr>
+          <p:cNvPr id="8" name="Content Placeholder 7" descr="A graph of a normal weight&#10;&#10;Description automatically generated">
+            <a:extLst>
+              <a:ext uri="{FF2B5EF4-FFF2-40B4-BE49-F238E27FC236}">
+                <a16:creationId xmlns:a16="http://schemas.microsoft.com/office/drawing/2014/main" id="{F2D4ECC8-F8F1-5EFF-088C-251CEF6199A7}"/>
+              </a:ext>
+            </a:extLst>
+          </p:cNvPr>
+          <p:cNvPicPr>
+            <a:picLocks noGrp="1" noChangeAspect="1"/>
+          </p:cNvPicPr>
+          <p:nvPr>
+            <p:ph sz="half" idx="2"/>
+          </p:nvPr>
+        </p:nvPicPr>
+        <p:blipFill>
+          <a:blip r:embed="rId3">
+            <a:extLst>
+              <a:ext uri="{28A0092B-C50C-407E-A947-70E740481C1C}">
+                <a14:useLocalDpi xmlns:a14="http://schemas.microsoft.com/office/drawing/2010/main" val="0"/>
+              </a:ext>
+            </a:extLst>
+          </a:blip>
+          <a:stretch>
+            <a:fillRect/>
+          </a:stretch>
+        </p:blipFill>
+        <p:spPr>
+          <a:xfrm>
+            <a:off x="3667097" y="4516026"/>
+            <a:ext cx="2906732" cy="2180049"/>
+          </a:xfrm>
+        </p:spPr>
+      </p:pic>
+      <p:pic>
+        <p:nvPicPr>
+          <p:cNvPr id="10" name="Picture 9" descr="A graph of red columns&#10;&#10;Description automatically generated with medium confidence">
+            <a:extLst>
+              <a:ext uri="{FF2B5EF4-FFF2-40B4-BE49-F238E27FC236}">
+                <a16:creationId xmlns:a16="http://schemas.microsoft.com/office/drawing/2014/main" id="{14B11FB8-EECF-7874-9659-EE851BBFE824}"/>
+              </a:ext>
+            </a:extLst>
+          </p:cNvPr>
+          <p:cNvPicPr>
+            <a:picLocks noChangeAspect="1"/>
+          </p:cNvPicPr>
+          <p:nvPr/>
+        </p:nvPicPr>
+        <p:blipFill>
+          <a:blip r:embed="rId4">
+            <a:extLst>
+              <a:ext uri="{28A0092B-C50C-407E-A947-70E740481C1C}">
+                <a14:useLocalDpi xmlns:a14="http://schemas.microsoft.com/office/drawing/2010/main" val="0"/>
+              </a:ext>
+            </a:extLst>
+          </a:blip>
+          <a:stretch>
+            <a:fillRect/>
+          </a:stretch>
+        </p:blipFill>
+        <p:spPr>
+          <a:xfrm>
+            <a:off x="6448181" y="2380458"/>
+            <a:ext cx="2847424" cy="2135568"/>
+          </a:xfrm>
+          <a:prstGeom prst="rect">
+            <a:avLst/>
+          </a:prstGeom>
+        </p:spPr>
+      </p:pic>
+      <p:pic>
+        <p:nvPicPr>
+          <p:cNvPr id="12" name="Picture 11" descr="A graph with green bars&#10;&#10;Description automatically generated">
+            <a:extLst>
+              <a:ext uri="{FF2B5EF4-FFF2-40B4-BE49-F238E27FC236}">
+                <a16:creationId xmlns:a16="http://schemas.microsoft.com/office/drawing/2014/main" id="{C3CD5EF7-65CA-9D20-9854-1E624957D52E}"/>
+              </a:ext>
+            </a:extLst>
+          </p:cNvPr>
+          <p:cNvPicPr>
+            <a:picLocks noChangeAspect="1"/>
+          </p:cNvPicPr>
+          <p:nvPr/>
+        </p:nvPicPr>
+        <p:blipFill>
+          <a:blip r:embed="rId5">
+            <a:extLst>
+              <a:ext uri="{28A0092B-C50C-407E-A947-70E740481C1C}">
+                <a14:useLocalDpi xmlns:a14="http://schemas.microsoft.com/office/drawing/2010/main" val="0"/>
+              </a:ext>
+            </a:extLst>
+          </a:blip>
+          <a:stretch>
+            <a:fillRect/>
+          </a:stretch>
+        </p:blipFill>
+        <p:spPr>
+          <a:xfrm>
+            <a:off x="9124950" y="4516026"/>
+            <a:ext cx="2906732" cy="2180049"/>
+          </a:xfrm>
+          <a:prstGeom prst="rect">
+            <a:avLst/>
+          </a:prstGeom>
+        </p:spPr>
+      </p:pic>
+    </p:spTree>
+    <p:extLst>
+      <p:ext uri="{BB962C8B-B14F-4D97-AF65-F5344CB8AC3E}">
+        <p14:creationId xmlns:p14="http://schemas.microsoft.com/office/powerpoint/2010/main" val="1407693416"/>
+      </p:ext>
+    </p:extLst>
+  </p:cSld>
+  <p:clrMapOvr>
+    <a:masterClrMapping/>
+  </p:clrMapOvr>
+</p:sld>
+</file>
+
+<file path=ppt/slides/slide18.xml><?xml version="1.0" encoding="utf-8"?>
+<p:sld xmlns:a="http://schemas.openxmlformats.org/drawingml/2006/main" xmlns:r="http://schemas.openxmlformats.org/officeDocument/2006/relationships" xmlns:p="http://schemas.openxmlformats.org/presentationml/2006/main">
+  <p:cSld>
+    <p:spTree>
+      <p:nvGrpSpPr>
+        <p:cNvPr id="1" name=""/>
+        <p:cNvGrpSpPr/>
+        <p:nvPr/>
+      </p:nvGrpSpPr>
+      <p:grpSpPr>
+        <a:xfrm>
+          <a:off x="0" y="0"/>
+          <a:ext cx="0" cy="0"/>
+          <a:chOff x="0" y="0"/>
+          <a:chExt cx="0" cy="0"/>
+        </a:xfrm>
+      </p:grpSpPr>
+      <p:sp>
+        <p:nvSpPr>
+          <p:cNvPr id="2" name="Title 1">
+            <a:extLst>
+              <a:ext uri="{FF2B5EF4-FFF2-40B4-BE49-F238E27FC236}">
+                <a16:creationId xmlns:a16="http://schemas.microsoft.com/office/drawing/2014/main" id="{B93A9F1D-2921-80C6-6B98-C6C95C534BF0}"/>
+              </a:ext>
+            </a:extLst>
+          </p:cNvPr>
+          <p:cNvSpPr>
+            <a:spLocks noGrp="1"/>
+          </p:cNvSpPr>
+          <p:nvPr>
+            <p:ph type="ctrTitle"/>
+          </p:nvPr>
+        </p:nvSpPr>
+        <p:spPr/>
+        <p:txBody>
+          <a:bodyPr/>
+          <a:lstStyle/>
+          <a:p>
+            <a:r>
+              <a:rPr lang="en-US" sz="3600" dirty="0"/>
+              <a:t>BMI and Occupation Conclusion</a:t>
+            </a:r>
+          </a:p>
+        </p:txBody>
+      </p:sp>
+      <p:sp>
+        <p:nvSpPr>
+          <p:cNvPr id="3" name="Subtitle 2">
+            <a:extLst>
+              <a:ext uri="{FF2B5EF4-FFF2-40B4-BE49-F238E27FC236}">
+                <a16:creationId xmlns:a16="http://schemas.microsoft.com/office/drawing/2014/main" id="{A3AF772B-AD5D-FF75-8E6E-324F27DB7690}"/>
+              </a:ext>
+            </a:extLst>
+          </p:cNvPr>
+          <p:cNvSpPr>
+            <a:spLocks noGrp="1"/>
+          </p:cNvSpPr>
+          <p:nvPr>
+            <p:ph type="subTitle" idx="1"/>
+          </p:nvPr>
+        </p:nvSpPr>
+        <p:spPr/>
+        <p:txBody>
+          <a:bodyPr/>
+          <a:lstStyle/>
+          <a:p>
+            <a:r>
+              <a:rPr lang="en-US" dirty="0"/>
+              <a:t>One major limitation to these findings is the sample size of each occupation. </a:t>
+            </a:r>
+          </a:p>
+        </p:txBody>
+      </p:sp>
+    </p:spTree>
+    <p:extLst>
+      <p:ext uri="{BB962C8B-B14F-4D97-AF65-F5344CB8AC3E}">
+        <p14:creationId xmlns:p14="http://schemas.microsoft.com/office/powerpoint/2010/main" val="2912466626"/>
+      </p:ext>
+    </p:extLst>
+  </p:cSld>
+  <p:clrMapOvr>
+    <a:masterClrMapping/>
+  </p:clrMapOvr>
+</p:sld>
+</file>
+
+<file path=ppt/slides/slide19.xml><?xml version="1.0" encoding="utf-8"?>
+<p:sld xmlns:a="http://schemas.openxmlformats.org/drawingml/2006/main" xmlns:r="http://schemas.openxmlformats.org/officeDocument/2006/relationships" xmlns:p="http://schemas.openxmlformats.org/presentationml/2006/main">
+  <p:cSld>
+    <p:spTree>
+      <p:nvGrpSpPr>
+        <p:cNvPr id="1" name=""/>
+        <p:cNvGrpSpPr/>
+        <p:nvPr/>
+      </p:nvGrpSpPr>
+      <p:grpSpPr>
+        <a:xfrm>
+          <a:off x="0" y="0"/>
+          <a:ext cx="0" cy="0"/>
+          <a:chOff x="0" y="0"/>
+          <a:chExt cx="0" cy="0"/>
+        </a:xfrm>
+      </p:grpSpPr>
+      <p:sp>
+        <p:nvSpPr>
+          <p:cNvPr id="2" name="Title 1">
+            <a:extLst>
+              <a:ext uri="{FF2B5EF4-FFF2-40B4-BE49-F238E27FC236}">
+                <a16:creationId xmlns:a16="http://schemas.microsoft.com/office/drawing/2014/main" id="{FF16D9EB-39E5-A981-4326-EEFBAE10A893}"/>
+              </a:ext>
+            </a:extLst>
+          </p:cNvPr>
+          <p:cNvSpPr>
+            <a:spLocks noGrp="1"/>
+          </p:cNvSpPr>
+          <p:nvPr>
+            <p:ph type="ctrTitle"/>
+          </p:nvPr>
+        </p:nvSpPr>
+        <p:spPr/>
+        <p:txBody>
+          <a:bodyPr/>
+          <a:lstStyle/>
+          <a:p>
+            <a:r>
+              <a:rPr lang="en-US" sz="3600" dirty="0"/>
+              <a:t>Is there a relationship between sleep and physical activity levels? </a:t>
+            </a:r>
+          </a:p>
+        </p:txBody>
+      </p:sp>
+      <p:pic>
+        <p:nvPicPr>
+          <p:cNvPr id="4" name="Graphic 3" descr="Sleep">
+            <a:extLst>
+              <a:ext uri="{FF2B5EF4-FFF2-40B4-BE49-F238E27FC236}">
+                <a16:creationId xmlns:a16="http://schemas.microsoft.com/office/drawing/2014/main" id="{0BED2770-7E52-BAEB-DF11-F0C66AE2F6CC}"/>
+              </a:ext>
+            </a:extLst>
+          </p:cNvPr>
+          <p:cNvPicPr>
+            <a:picLocks noChangeAspect="1"/>
+          </p:cNvPicPr>
+          <p:nvPr/>
+        </p:nvPicPr>
+        <p:blipFill>
+          <a:blip r:embed="rId2">
+            <a:extLst>
+              <a:ext uri="{28A0092B-C50C-407E-A947-70E740481C1C}">
+                <a14:useLocalDpi xmlns:a14="http://schemas.microsoft.com/office/drawing/2010/main" val="0"/>
+              </a:ext>
+              <a:ext uri="{96DAC541-7B7A-43D3-8B79-37D633B846F1}">
+                <asvg:svgBlip xmlns:asvg="http://schemas.microsoft.com/office/drawing/2016/SVG/main" r:embed="rId3"/>
+              </a:ext>
+            </a:extLst>
+          </a:blip>
+          <a:stretch>
+            <a:fillRect/>
+          </a:stretch>
+        </p:blipFill>
+        <p:spPr>
+          <a:xfrm>
+            <a:off x="2040667" y="3746374"/>
+            <a:ext cx="3111626" cy="3111626"/>
+          </a:xfrm>
+          <a:prstGeom prst="rect">
+            <a:avLst/>
+          </a:prstGeom>
+          <a:ln>
+            <a:noFill/>
+          </a:ln>
+          <a:effectLst>
+            <a:outerShdw blurRad="76200" dist="63500" dir="5040000" algn="tl" rotWithShape="0">
+              <a:srgbClr val="000000">
+                <a:alpha val="41000"/>
+              </a:srgbClr>
+            </a:outerShdw>
+          </a:effectLst>
+        </p:spPr>
+      </p:pic>
+      <p:pic>
+        <p:nvPicPr>
+          <p:cNvPr id="5" name="Picture 4" descr="A black silhouette of a person running&#10;&#10;Description automatically generated">
+            <a:extLst>
+              <a:ext uri="{FF2B5EF4-FFF2-40B4-BE49-F238E27FC236}">
+                <a16:creationId xmlns:a16="http://schemas.microsoft.com/office/drawing/2014/main" id="{94A18F56-1AE0-E51A-0C0C-9E2F13DF7DB6}"/>
+              </a:ext>
+            </a:extLst>
+          </p:cNvPr>
+          <p:cNvPicPr>
+            <a:picLocks noChangeAspect="1"/>
+          </p:cNvPicPr>
+          <p:nvPr/>
+        </p:nvPicPr>
+        <p:blipFill>
+          <a:blip r:embed="rId4" cstate="print">
+            <a:extLst>
+              <a:ext uri="{28A0092B-C50C-407E-A947-70E740481C1C}">
+                <a14:useLocalDpi xmlns:a14="http://schemas.microsoft.com/office/drawing/2010/main" val="0"/>
+              </a:ext>
+            </a:extLst>
+          </a:blip>
+          <a:stretch>
+            <a:fillRect/>
+          </a:stretch>
+        </p:blipFill>
+        <p:spPr>
+          <a:xfrm>
+            <a:off x="6512638" y="4473715"/>
+            <a:ext cx="1949874" cy="1949874"/>
+          </a:xfrm>
+          <a:prstGeom prst="rect">
+            <a:avLst/>
+          </a:prstGeom>
+        </p:spPr>
+      </p:pic>
+    </p:spTree>
+    <p:extLst>
+      <p:ext uri="{BB962C8B-B14F-4D97-AF65-F5344CB8AC3E}">
+        <p14:creationId xmlns:p14="http://schemas.microsoft.com/office/powerpoint/2010/main" val="1840770569"/>
+      </p:ext>
+    </p:extLst>
+  </p:cSld>
+  <p:clrMapOvr>
+    <a:masterClrMapping/>
+  </p:clrMapOvr>
+</p:sld>
+</file>
+
 <file path=ppt/slides/slide2.xml><?xml version="1.0" encoding="utf-8"?>
 <p:sld xmlns:a="http://schemas.openxmlformats.org/drawingml/2006/main" xmlns:r="http://schemas.openxmlformats.org/officeDocument/2006/relationships" xmlns:p="http://schemas.openxmlformats.org/presentationml/2006/main">
   <p:cSld>
@@ -8558,7 +10389,13 @@
       </p:grpSpPr>
       <p:sp>
         <p:nvSpPr>
-          <p:cNvPr id="2" name="Title 1"/>
+          <p:cNvPr id="2" name="Title 1">
+            <a:extLst>
+              <a:ext uri="{FF2B5EF4-FFF2-40B4-BE49-F238E27FC236}">
+                <a16:creationId xmlns:a16="http://schemas.microsoft.com/office/drawing/2014/main" id="{CAAD31A6-5377-0197-65D1-AC1ABC2027BA}"/>
+              </a:ext>
+            </a:extLst>
+          </p:cNvPr>
           <p:cNvSpPr>
             <a:spLocks noGrp="1"/>
           </p:cNvSpPr>
@@ -8573,51 +10410,1025 @@
           <a:p>
             <a:r>
               <a:rPr lang="en-US" dirty="0"/>
-              <a:t>Overview</a:t>
-            </a:r>
-          </a:p>
-        </p:txBody>
-      </p:sp>
-      <p:sp>
-        <p:nvSpPr>
-          <p:cNvPr id="3" name="Content Placeholder 2"/>
-          <p:cNvSpPr>
-            <a:spLocks noGrp="1"/>
-          </p:cNvSpPr>
-          <p:nvPr>
-            <p:ph idx="1"/>
-          </p:nvPr>
-        </p:nvSpPr>
-        <p:spPr/>
-        <p:txBody>
-          <a:bodyPr/>
-          <a:lstStyle/>
-          <a:p>
-            <a:r>
-              <a:rPr lang="en-US" sz="3200" dirty="0"/>
-              <a:t>Exploring the different relationships within the dataset. </a:t>
-            </a:r>
-          </a:p>
-          <a:p>
-            <a:pPr lvl="1"/>
-            <a:r>
-              <a:rPr lang="en-US" sz="2800" dirty="0"/>
-              <a:t>Is there a relationship between sleep duration, quality of sleep, and physical activity with different physiological responses?</a:t>
-            </a:r>
-          </a:p>
-          <a:p>
-            <a:pPr lvl="1"/>
-            <a:r>
-              <a:rPr lang="en-US" sz="2800" dirty="0"/>
-              <a:t>Does age, gender, and profession play a role in the duration and quality of sleep?</a:t>
-            </a:r>
-          </a:p>
-        </p:txBody>
-      </p:sp>
+              <a:t>Sleep Data CSV</a:t>
+            </a:r>
+          </a:p>
+        </p:txBody>
+      </p:sp>
+      <p:pic>
+        <p:nvPicPr>
+          <p:cNvPr id="5" name="Picture 4" descr="A table with numbers and text&#10;&#10;Description automatically generated">
+            <a:extLst>
+              <a:ext uri="{FF2B5EF4-FFF2-40B4-BE49-F238E27FC236}">
+                <a16:creationId xmlns:a16="http://schemas.microsoft.com/office/drawing/2014/main" id="{8CEDACEB-43DD-FA46-11C9-8DF59FA2D44B}"/>
+              </a:ext>
+            </a:extLst>
+          </p:cNvPr>
+          <p:cNvPicPr>
+            <a:picLocks noChangeAspect="1"/>
+          </p:cNvPicPr>
+          <p:nvPr/>
+        </p:nvPicPr>
+        <p:blipFill>
+          <a:blip r:embed="rId3">
+            <a:extLst>
+              <a:ext uri="{28A0092B-C50C-407E-A947-70E740481C1C}">
+                <a14:useLocalDpi xmlns:a14="http://schemas.microsoft.com/office/drawing/2010/main" val="0"/>
+              </a:ext>
+            </a:extLst>
+          </a:blip>
+          <a:stretch>
+            <a:fillRect/>
+          </a:stretch>
+        </p:blipFill>
+        <p:spPr>
+          <a:xfrm>
+            <a:off x="610799" y="2895080"/>
+            <a:ext cx="10970402" cy="2469718"/>
+          </a:xfrm>
+          <a:prstGeom prst="rect">
+            <a:avLst/>
+          </a:prstGeom>
+        </p:spPr>
+      </p:pic>
     </p:spTree>
     <p:extLst>
       <p:ext uri="{BB962C8B-B14F-4D97-AF65-F5344CB8AC3E}">
-        <p14:creationId xmlns:p14="http://schemas.microsoft.com/office/powerpoint/2010/main" val="1301224589"/>
+        <p14:creationId xmlns:p14="http://schemas.microsoft.com/office/powerpoint/2010/main" val="3840696602"/>
+      </p:ext>
+    </p:extLst>
+  </p:cSld>
+  <p:clrMapOvr>
+    <a:masterClrMapping/>
+  </p:clrMapOvr>
+</p:sld>
+</file>
+
+<file path=ppt/slides/slide20.xml><?xml version="1.0" encoding="utf-8"?>
+<p:sld xmlns:a="http://schemas.openxmlformats.org/drawingml/2006/main" xmlns:r="http://schemas.openxmlformats.org/officeDocument/2006/relationships" xmlns:p="http://schemas.openxmlformats.org/presentationml/2006/main">
+  <p:cSld>
+    <p:bg>
+      <p:bgPr>
+        <a:gradFill rotWithShape="1">
+          <a:gsLst>
+            <a:gs pos="0">
+              <a:schemeClr val="bg2">
+                <a:tint val="96000"/>
+                <a:shade val="100000"/>
+                <a:hueMod val="270000"/>
+                <a:satMod val="200000"/>
+                <a:lumMod val="128000"/>
+              </a:schemeClr>
+            </a:gs>
+            <a:gs pos="50000">
+              <a:schemeClr val="bg2">
+                <a:shade val="100000"/>
+                <a:hueMod val="100000"/>
+                <a:satMod val="110000"/>
+                <a:lumMod val="130000"/>
+              </a:schemeClr>
+            </a:gs>
+            <a:gs pos="100000">
+              <a:schemeClr val="bg2">
+                <a:shade val="78000"/>
+                <a:hueMod val="44000"/>
+                <a:satMod val="200000"/>
+                <a:lumMod val="69000"/>
+              </a:schemeClr>
+            </a:gs>
+          </a:gsLst>
+          <a:lin ang="2520000" scaled="0"/>
+        </a:gradFill>
+        <a:effectLst/>
+      </p:bgPr>
+    </p:bg>
+    <p:spTree>
+      <p:nvGrpSpPr>
+        <p:cNvPr id="1" name=""/>
+        <p:cNvGrpSpPr/>
+        <p:nvPr/>
+      </p:nvGrpSpPr>
+      <p:grpSpPr>
+        <a:xfrm>
+          <a:off x="0" y="0"/>
+          <a:ext cx="0" cy="0"/>
+          <a:chOff x="0" y="0"/>
+          <a:chExt cx="0" cy="0"/>
+        </a:xfrm>
+      </p:grpSpPr>
+      <p:sp useBgFill="1">
+        <p:nvSpPr>
+          <p:cNvPr id="10" name="Rectangle 9">
+            <a:extLst>
+              <a:ext uri="{FF2B5EF4-FFF2-40B4-BE49-F238E27FC236}">
+                <a16:creationId xmlns:a16="http://schemas.microsoft.com/office/drawing/2014/main" id="{C610D2AE-07EF-436A-9755-AA8DF4B933A4}"/>
+              </a:ext>
+              <a:ext uri="{C183D7F6-B498-43B3-948B-1728B52AA6E4}">
+                <adec:decorative xmlns:adec="http://schemas.microsoft.com/office/drawing/2017/decorative" val="1"/>
+              </a:ext>
+            </a:extLst>
+          </p:cNvPr>
+          <p:cNvSpPr>
+            <a:spLocks noGrp="1" noRot="1" noChangeAspect="1" noMove="1" noResize="1" noEditPoints="1" noAdjustHandles="1" noChangeArrowheads="1" noChangeShapeType="1" noTextEdit="1"/>
+          </p:cNvSpPr>
+          <p:nvPr>
+            <p:extLst>
+              <p:ext uri="{386F3935-93C4-4BCD-93E2-E3B085C9AB24}">
+                <p16:designElem xmlns:p16="http://schemas.microsoft.com/office/powerpoint/2015/main" val="1"/>
+              </p:ext>
+            </p:extLst>
+          </p:nvPr>
+        </p:nvSpPr>
+        <p:spPr>
+          <a:xfrm>
+            <a:off x="0" y="-1"/>
+            <a:ext cx="12188824" cy="6858001"/>
+          </a:xfrm>
+          <a:prstGeom prst="rect">
+            <a:avLst/>
+          </a:prstGeom>
+          <a:ln>
+            <a:noFill/>
+          </a:ln>
+        </p:spPr>
+        <p:style>
+          <a:lnRef idx="2">
+            <a:schemeClr val="accent1">
+              <a:shade val="50000"/>
+            </a:schemeClr>
+          </a:lnRef>
+          <a:fillRef idx="1">
+            <a:schemeClr val="accent1"/>
+          </a:fillRef>
+          <a:effectRef idx="0">
+            <a:schemeClr val="accent1"/>
+          </a:effectRef>
+          <a:fontRef idx="minor">
+            <a:schemeClr val="lt1"/>
+          </a:fontRef>
+        </p:style>
+        <p:txBody>
+          <a:bodyPr rtlCol="0" anchor="ctr"/>
+          <a:lstStyle/>
+          <a:p>
+            <a:pPr algn="ctr"/>
+            <a:endParaRPr lang="en-US"/>
+          </a:p>
+        </p:txBody>
+      </p:sp>
+      <p:pic>
+        <p:nvPicPr>
+          <p:cNvPr id="12" name="Picture 11">
+            <a:extLst>
+              <a:ext uri="{FF2B5EF4-FFF2-40B4-BE49-F238E27FC236}">
+                <a16:creationId xmlns:a16="http://schemas.microsoft.com/office/drawing/2014/main" id="{6CACDD17-9043-46DF-882D-420365B79C18}"/>
+              </a:ext>
+              <a:ext uri="{C183D7F6-B498-43B3-948B-1728B52AA6E4}">
+                <adec:decorative xmlns:adec="http://schemas.microsoft.com/office/drawing/2017/decorative" val="1"/>
+              </a:ext>
+            </a:extLst>
+          </p:cNvPr>
+          <p:cNvPicPr>
+            <a:picLocks noGrp="1" noRot="1" noChangeAspect="1" noMove="1" noResize="1" noEditPoints="1" noAdjustHandles="1" noChangeArrowheads="1" noChangeShapeType="1" noCrop="1"/>
+          </p:cNvPicPr>
+          <p:nvPr>
+            <p:extLst>
+              <p:ext uri="{386F3935-93C4-4BCD-93E2-E3B085C9AB24}">
+                <p16:designElem xmlns:p16="http://schemas.microsoft.com/office/powerpoint/2015/main" val="1"/>
+              </p:ext>
+            </p:extLst>
+          </p:nvPr>
+        </p:nvPicPr>
+        <p:blipFill>
+          <a:blip r:embed="rId3">
+            <a:alphaModFix amt="10000"/>
+            <a:extLst>
+              <a:ext uri="{28A0092B-C50C-407E-A947-70E740481C1C}">
+                <a14:useLocalDpi xmlns:a14="http://schemas.microsoft.com/office/drawing/2010/main" val="0"/>
+              </a:ext>
+            </a:extLst>
+          </a:blip>
+          <a:stretch>
+            <a:fillRect/>
+          </a:stretch>
+        </p:blipFill>
+        <p:spPr>
+          <a:xfrm>
+            <a:off x="0" y="0"/>
+            <a:ext cx="12192000" cy="6858000"/>
+          </a:xfrm>
+          <a:prstGeom prst="rect">
+            <a:avLst/>
+          </a:prstGeom>
+        </p:spPr>
+      </p:pic>
+      <p:sp>
+        <p:nvSpPr>
+          <p:cNvPr id="14" name="Rectangle 13">
+            <a:extLst>
+              <a:ext uri="{FF2B5EF4-FFF2-40B4-BE49-F238E27FC236}">
+                <a16:creationId xmlns:a16="http://schemas.microsoft.com/office/drawing/2014/main" id="{CF2D8AD5-434A-4C0E-9F5B-C1AFD645F364}"/>
+              </a:ext>
+              <a:ext uri="{C183D7F6-B498-43B3-948B-1728B52AA6E4}">
+                <adec:decorative xmlns:adec="http://schemas.microsoft.com/office/drawing/2017/decorative" val="1"/>
+              </a:ext>
+            </a:extLst>
+          </p:cNvPr>
+          <p:cNvSpPr>
+            <a:spLocks noGrp="1" noRot="1" noChangeAspect="1" noMove="1" noResize="1" noEditPoints="1" noAdjustHandles="1" noChangeArrowheads="1" noChangeShapeType="1" noTextEdit="1"/>
+          </p:cNvSpPr>
+          <p:nvPr>
+            <p:extLst>
+              <p:ext uri="{386F3935-93C4-4BCD-93E2-E3B085C9AB24}">
+                <p16:designElem xmlns:p16="http://schemas.microsoft.com/office/powerpoint/2015/main" val="1"/>
+              </p:ext>
+            </p:extLst>
+          </p:nvPr>
+        </p:nvSpPr>
+        <p:spPr bwMode="grayWhite">
+          <a:xfrm>
+            <a:off x="2" y="609600"/>
+            <a:ext cx="4959094" cy="1368198"/>
+          </a:xfrm>
+          <a:prstGeom prst="rect">
+            <a:avLst/>
+          </a:prstGeom>
+          <a:solidFill>
+            <a:schemeClr val="bg1">
+              <a:lumMod val="85000"/>
+              <a:lumOff val="15000"/>
+            </a:schemeClr>
+          </a:solidFill>
+          <a:ln>
+            <a:noFill/>
+          </a:ln>
+        </p:spPr>
+        <p:style>
+          <a:lnRef idx="2">
+            <a:schemeClr val="accent1">
+              <a:shade val="50000"/>
+            </a:schemeClr>
+          </a:lnRef>
+          <a:fillRef idx="1">
+            <a:schemeClr val="accent1"/>
+          </a:fillRef>
+          <a:effectRef idx="0">
+            <a:schemeClr val="accent1"/>
+          </a:effectRef>
+          <a:fontRef idx="minor">
+            <a:schemeClr val="lt1"/>
+          </a:fontRef>
+        </p:style>
+      </p:sp>
+      <p:sp>
+        <p:nvSpPr>
+          <p:cNvPr id="2" name="Title 1">
+            <a:extLst>
+              <a:ext uri="{FF2B5EF4-FFF2-40B4-BE49-F238E27FC236}">
+                <a16:creationId xmlns:a16="http://schemas.microsoft.com/office/drawing/2014/main" id="{97F5183A-FAB7-EE90-C3BF-970A3BA6EF95}"/>
+              </a:ext>
+            </a:extLst>
+          </p:cNvPr>
+          <p:cNvSpPr>
+            <a:spLocks noGrp="1"/>
+          </p:cNvSpPr>
+          <p:nvPr>
+            <p:ph type="title"/>
+          </p:nvPr>
+        </p:nvSpPr>
+        <p:spPr>
+          <a:xfrm>
+            <a:off x="680321" y="753228"/>
+            <a:ext cx="4136123" cy="1080938"/>
+          </a:xfrm>
+        </p:spPr>
+        <p:txBody>
+          <a:bodyPr>
+            <a:normAutofit/>
+          </a:bodyPr>
+          <a:lstStyle/>
+          <a:p>
+            <a:r>
+              <a:rPr lang="en-US" sz="2400"/>
+              <a:t>Sleep Duration x Physical Activity Level</a:t>
+            </a:r>
+          </a:p>
+        </p:txBody>
+      </p:sp>
+      <p:pic>
+        <p:nvPicPr>
+          <p:cNvPr id="16" name="Picture 15">
+            <a:extLst>
+              <a:ext uri="{FF2B5EF4-FFF2-40B4-BE49-F238E27FC236}">
+                <a16:creationId xmlns:a16="http://schemas.microsoft.com/office/drawing/2014/main" id="{E92B246D-47CC-40F8-8DE7-B65D409E945E}"/>
+              </a:ext>
+              <a:ext uri="{C183D7F6-B498-43B3-948B-1728B52AA6E4}">
+                <adec:decorative xmlns:adec="http://schemas.microsoft.com/office/drawing/2017/decorative" val="1"/>
+              </a:ext>
+            </a:extLst>
+          </p:cNvPr>
+          <p:cNvPicPr>
+            <a:picLocks noGrp="1" noRot="1" noChangeAspect="1" noMove="1" noResize="1" noEditPoints="1" noAdjustHandles="1" noChangeArrowheads="1" noChangeShapeType="1" noCrop="1"/>
+          </p:cNvPicPr>
+          <p:nvPr>
+            <p:extLst>
+              <p:ext uri="{386F3935-93C4-4BCD-93E2-E3B085C9AB24}">
+                <p16:designElem xmlns:p16="http://schemas.microsoft.com/office/powerpoint/2015/main" val="1"/>
+              </p:ext>
+            </p:extLst>
+          </p:nvPr>
+        </p:nvPicPr>
+        <p:blipFill>
+          <a:blip r:embed="rId4">
+            <a:extLst>
+              <a:ext uri="{28A0092B-C50C-407E-A947-70E740481C1C}">
+                <a14:useLocalDpi xmlns:a14="http://schemas.microsoft.com/office/drawing/2010/main" val="0"/>
+              </a:ext>
+            </a:extLst>
+          </a:blip>
+          <a:stretch>
+            <a:fillRect/>
+          </a:stretch>
+        </p:blipFill>
+        <p:spPr>
+          <a:xfrm>
+            <a:off x="2" y="1970241"/>
+            <a:ext cx="4956048" cy="199787"/>
+          </a:xfrm>
+          <a:prstGeom prst="rect">
+            <a:avLst/>
+          </a:prstGeom>
+        </p:spPr>
+      </p:pic>
+      <p:sp>
+        <p:nvSpPr>
+          <p:cNvPr id="3" name="Content Placeholder 2">
+            <a:extLst>
+              <a:ext uri="{FF2B5EF4-FFF2-40B4-BE49-F238E27FC236}">
+                <a16:creationId xmlns:a16="http://schemas.microsoft.com/office/drawing/2014/main" id="{95679338-5BB1-BED8-A294-DAB15BDC0B33}"/>
+              </a:ext>
+            </a:extLst>
+          </p:cNvPr>
+          <p:cNvSpPr>
+            <a:spLocks noGrp="1"/>
+          </p:cNvSpPr>
+          <p:nvPr>
+            <p:ph idx="1"/>
+          </p:nvPr>
+        </p:nvSpPr>
+        <p:spPr>
+          <a:xfrm>
+            <a:off x="343402" y="2306103"/>
+            <a:ext cx="4612648" cy="3599316"/>
+          </a:xfrm>
+        </p:spPr>
+        <p:txBody>
+          <a:bodyPr>
+            <a:normAutofit/>
+          </a:bodyPr>
+          <a:lstStyle/>
+          <a:p>
+            <a:r>
+              <a:rPr lang="en-US" sz="2000" dirty="0"/>
+              <a:t>Based on this sample, there is a positive correlation between the amount of sleep a person gets and their physical activity levels. </a:t>
+            </a:r>
+          </a:p>
+          <a:p>
+            <a:r>
+              <a:rPr lang="en-US" sz="2000" dirty="0"/>
+              <a:t>More sleep correlates with more physical activity.</a:t>
+            </a:r>
+          </a:p>
+          <a:p>
+            <a:r>
+              <a:rPr lang="en-US" sz="2000" dirty="0"/>
+              <a:t>Slope of linear regression = 5.56</a:t>
+            </a:r>
+          </a:p>
+        </p:txBody>
+      </p:sp>
+      <p:pic>
+        <p:nvPicPr>
+          <p:cNvPr id="11" name="Picture 10" descr="A graph with a line and a yellow line&#10;&#10;Description automatically generated">
+            <a:extLst>
+              <a:ext uri="{FF2B5EF4-FFF2-40B4-BE49-F238E27FC236}">
+                <a16:creationId xmlns:a16="http://schemas.microsoft.com/office/drawing/2014/main" id="{A7A4BF5E-A2D5-28C3-E32F-6B5A514A00DD}"/>
+              </a:ext>
+            </a:extLst>
+          </p:cNvPr>
+          <p:cNvPicPr>
+            <a:picLocks noChangeAspect="1"/>
+          </p:cNvPicPr>
+          <p:nvPr/>
+        </p:nvPicPr>
+        <p:blipFill>
+          <a:blip r:embed="rId5">
+            <a:extLst>
+              <a:ext uri="{28A0092B-C50C-407E-A947-70E740481C1C}">
+                <a14:useLocalDpi xmlns:a14="http://schemas.microsoft.com/office/drawing/2010/main" val="0"/>
+              </a:ext>
+            </a:extLst>
+          </a:blip>
+          <a:stretch>
+            <a:fillRect/>
+          </a:stretch>
+        </p:blipFill>
+        <p:spPr>
+          <a:xfrm>
+            <a:off x="5496763" y="753228"/>
+            <a:ext cx="5756031" cy="5756031"/>
+          </a:xfrm>
+          <a:prstGeom prst="rect">
+            <a:avLst/>
+          </a:prstGeom>
+        </p:spPr>
+      </p:pic>
+    </p:spTree>
+    <p:extLst>
+      <p:ext uri="{BB962C8B-B14F-4D97-AF65-F5344CB8AC3E}">
+        <p14:creationId xmlns:p14="http://schemas.microsoft.com/office/powerpoint/2010/main" val="651106763"/>
+      </p:ext>
+    </p:extLst>
+  </p:cSld>
+  <p:clrMapOvr>
+    <a:masterClrMapping/>
+  </p:clrMapOvr>
+</p:sld>
+</file>
+
+<file path=ppt/slides/slide21.xml><?xml version="1.0" encoding="utf-8"?>
+<p:sld xmlns:a="http://schemas.openxmlformats.org/drawingml/2006/main" xmlns:r="http://schemas.openxmlformats.org/officeDocument/2006/relationships" xmlns:p="http://schemas.openxmlformats.org/presentationml/2006/main">
+  <p:cSld>
+    <p:bg>
+      <p:bgPr>
+        <a:gradFill rotWithShape="1">
+          <a:gsLst>
+            <a:gs pos="0">
+              <a:schemeClr val="bg2">
+                <a:tint val="96000"/>
+                <a:shade val="100000"/>
+                <a:hueMod val="270000"/>
+                <a:satMod val="200000"/>
+                <a:lumMod val="128000"/>
+              </a:schemeClr>
+            </a:gs>
+            <a:gs pos="50000">
+              <a:schemeClr val="bg2">
+                <a:shade val="100000"/>
+                <a:hueMod val="100000"/>
+                <a:satMod val="110000"/>
+                <a:lumMod val="130000"/>
+              </a:schemeClr>
+            </a:gs>
+            <a:gs pos="100000">
+              <a:schemeClr val="bg2">
+                <a:shade val="78000"/>
+                <a:hueMod val="44000"/>
+                <a:satMod val="200000"/>
+                <a:lumMod val="69000"/>
+              </a:schemeClr>
+            </a:gs>
+          </a:gsLst>
+          <a:lin ang="2520000" scaled="0"/>
+        </a:gradFill>
+        <a:effectLst/>
+      </p:bgPr>
+    </p:bg>
+    <p:spTree>
+      <p:nvGrpSpPr>
+        <p:cNvPr id="1" name=""/>
+        <p:cNvGrpSpPr/>
+        <p:nvPr/>
+      </p:nvGrpSpPr>
+      <p:grpSpPr>
+        <a:xfrm>
+          <a:off x="0" y="0"/>
+          <a:ext cx="0" cy="0"/>
+          <a:chOff x="0" y="0"/>
+          <a:chExt cx="0" cy="0"/>
+        </a:xfrm>
+      </p:grpSpPr>
+      <p:sp useBgFill="1">
+        <p:nvSpPr>
+          <p:cNvPr id="15" name="Rectangle 14">
+            <a:extLst>
+              <a:ext uri="{FF2B5EF4-FFF2-40B4-BE49-F238E27FC236}">
+                <a16:creationId xmlns:a16="http://schemas.microsoft.com/office/drawing/2014/main" id="{C610D2AE-07EF-436A-9755-AA8DF4B933A4}"/>
+              </a:ext>
+              <a:ext uri="{C183D7F6-B498-43B3-948B-1728B52AA6E4}">
+                <adec:decorative xmlns:adec="http://schemas.microsoft.com/office/drawing/2017/decorative" val="1"/>
+              </a:ext>
+            </a:extLst>
+          </p:cNvPr>
+          <p:cNvSpPr>
+            <a:spLocks noGrp="1" noRot="1" noChangeAspect="1" noMove="1" noResize="1" noEditPoints="1" noAdjustHandles="1" noChangeArrowheads="1" noChangeShapeType="1" noTextEdit="1"/>
+          </p:cNvSpPr>
+          <p:nvPr>
+            <p:extLst>
+              <p:ext uri="{386F3935-93C4-4BCD-93E2-E3B085C9AB24}">
+                <p16:designElem xmlns:p16="http://schemas.microsoft.com/office/powerpoint/2015/main" val="1"/>
+              </p:ext>
+            </p:extLst>
+          </p:nvPr>
+        </p:nvSpPr>
+        <p:spPr>
+          <a:xfrm>
+            <a:off x="0" y="-1"/>
+            <a:ext cx="12188824" cy="6858001"/>
+          </a:xfrm>
+          <a:prstGeom prst="rect">
+            <a:avLst/>
+          </a:prstGeom>
+          <a:ln>
+            <a:noFill/>
+          </a:ln>
+        </p:spPr>
+        <p:style>
+          <a:lnRef idx="2">
+            <a:schemeClr val="accent1">
+              <a:shade val="50000"/>
+            </a:schemeClr>
+          </a:lnRef>
+          <a:fillRef idx="1">
+            <a:schemeClr val="accent1"/>
+          </a:fillRef>
+          <a:effectRef idx="0">
+            <a:schemeClr val="accent1"/>
+          </a:effectRef>
+          <a:fontRef idx="minor">
+            <a:schemeClr val="lt1"/>
+          </a:fontRef>
+        </p:style>
+        <p:txBody>
+          <a:bodyPr rtlCol="0" anchor="ctr"/>
+          <a:lstStyle/>
+          <a:p>
+            <a:pPr algn="ctr"/>
+            <a:endParaRPr lang="en-US"/>
+          </a:p>
+        </p:txBody>
+      </p:sp>
+      <p:pic>
+        <p:nvPicPr>
+          <p:cNvPr id="17" name="Picture 16">
+            <a:extLst>
+              <a:ext uri="{FF2B5EF4-FFF2-40B4-BE49-F238E27FC236}">
+                <a16:creationId xmlns:a16="http://schemas.microsoft.com/office/drawing/2014/main" id="{6CACDD17-9043-46DF-882D-420365B79C18}"/>
+              </a:ext>
+              <a:ext uri="{C183D7F6-B498-43B3-948B-1728B52AA6E4}">
+                <adec:decorative xmlns:adec="http://schemas.microsoft.com/office/drawing/2017/decorative" val="1"/>
+              </a:ext>
+            </a:extLst>
+          </p:cNvPr>
+          <p:cNvPicPr>
+            <a:picLocks noGrp="1" noRot="1" noChangeAspect="1" noMove="1" noResize="1" noEditPoints="1" noAdjustHandles="1" noChangeArrowheads="1" noChangeShapeType="1" noCrop="1"/>
+          </p:cNvPicPr>
+          <p:nvPr>
+            <p:extLst>
+              <p:ext uri="{386F3935-93C4-4BCD-93E2-E3B085C9AB24}">
+                <p16:designElem xmlns:p16="http://schemas.microsoft.com/office/powerpoint/2015/main" val="1"/>
+              </p:ext>
+            </p:extLst>
+          </p:nvPr>
+        </p:nvPicPr>
+        <p:blipFill>
+          <a:blip r:embed="rId3">
+            <a:alphaModFix amt="10000"/>
+            <a:extLst>
+              <a:ext uri="{28A0092B-C50C-407E-A947-70E740481C1C}">
+                <a14:useLocalDpi xmlns:a14="http://schemas.microsoft.com/office/drawing/2010/main" val="0"/>
+              </a:ext>
+            </a:extLst>
+          </a:blip>
+          <a:stretch>
+            <a:fillRect/>
+          </a:stretch>
+        </p:blipFill>
+        <p:spPr>
+          <a:xfrm>
+            <a:off x="0" y="0"/>
+            <a:ext cx="12192000" cy="6858000"/>
+          </a:xfrm>
+          <a:prstGeom prst="rect">
+            <a:avLst/>
+          </a:prstGeom>
+        </p:spPr>
+      </p:pic>
+      <p:sp>
+        <p:nvSpPr>
+          <p:cNvPr id="19" name="Rectangle 18">
+            <a:extLst>
+              <a:ext uri="{FF2B5EF4-FFF2-40B4-BE49-F238E27FC236}">
+                <a16:creationId xmlns:a16="http://schemas.microsoft.com/office/drawing/2014/main" id="{CF2D8AD5-434A-4C0E-9F5B-C1AFD645F364}"/>
+              </a:ext>
+              <a:ext uri="{C183D7F6-B498-43B3-948B-1728B52AA6E4}">
+                <adec:decorative xmlns:adec="http://schemas.microsoft.com/office/drawing/2017/decorative" val="1"/>
+              </a:ext>
+            </a:extLst>
+          </p:cNvPr>
+          <p:cNvSpPr>
+            <a:spLocks noGrp="1" noRot="1" noChangeAspect="1" noMove="1" noResize="1" noEditPoints="1" noAdjustHandles="1" noChangeArrowheads="1" noChangeShapeType="1" noTextEdit="1"/>
+          </p:cNvSpPr>
+          <p:nvPr>
+            <p:extLst>
+              <p:ext uri="{386F3935-93C4-4BCD-93E2-E3B085C9AB24}">
+                <p16:designElem xmlns:p16="http://schemas.microsoft.com/office/powerpoint/2015/main" val="1"/>
+              </p:ext>
+            </p:extLst>
+          </p:nvPr>
+        </p:nvSpPr>
+        <p:spPr bwMode="grayWhite">
+          <a:xfrm>
+            <a:off x="2" y="609600"/>
+            <a:ext cx="4959094" cy="1368198"/>
+          </a:xfrm>
+          <a:prstGeom prst="rect">
+            <a:avLst/>
+          </a:prstGeom>
+          <a:solidFill>
+            <a:schemeClr val="bg1">
+              <a:lumMod val="85000"/>
+              <a:lumOff val="15000"/>
+            </a:schemeClr>
+          </a:solidFill>
+          <a:ln>
+            <a:noFill/>
+          </a:ln>
+        </p:spPr>
+        <p:style>
+          <a:lnRef idx="2">
+            <a:schemeClr val="accent1">
+              <a:shade val="50000"/>
+            </a:schemeClr>
+          </a:lnRef>
+          <a:fillRef idx="1">
+            <a:schemeClr val="accent1"/>
+          </a:fillRef>
+          <a:effectRef idx="0">
+            <a:schemeClr val="accent1"/>
+          </a:effectRef>
+          <a:fontRef idx="minor">
+            <a:schemeClr val="lt1"/>
+          </a:fontRef>
+        </p:style>
+      </p:sp>
+      <p:sp>
+        <p:nvSpPr>
+          <p:cNvPr id="2" name="Title 1">
+            <a:extLst>
+              <a:ext uri="{FF2B5EF4-FFF2-40B4-BE49-F238E27FC236}">
+                <a16:creationId xmlns:a16="http://schemas.microsoft.com/office/drawing/2014/main" id="{5A4C5E29-898D-0778-30D6-43210E6D30B3}"/>
+              </a:ext>
+            </a:extLst>
+          </p:cNvPr>
+          <p:cNvSpPr>
+            <a:spLocks noGrp="1"/>
+          </p:cNvSpPr>
+          <p:nvPr>
+            <p:ph type="title"/>
+          </p:nvPr>
+        </p:nvSpPr>
+        <p:spPr>
+          <a:xfrm>
+            <a:off x="680321" y="753228"/>
+            <a:ext cx="4136123" cy="1080938"/>
+          </a:xfrm>
+        </p:spPr>
+        <p:txBody>
+          <a:bodyPr>
+            <a:normAutofit/>
+          </a:bodyPr>
+          <a:lstStyle/>
+          <a:p>
+            <a:r>
+              <a:rPr lang="en-US" sz="2400"/>
+              <a:t>Sleep Quality x Physical Activity Level</a:t>
+            </a:r>
+          </a:p>
+        </p:txBody>
+      </p:sp>
+      <p:pic>
+        <p:nvPicPr>
+          <p:cNvPr id="21" name="Picture 20">
+            <a:extLst>
+              <a:ext uri="{FF2B5EF4-FFF2-40B4-BE49-F238E27FC236}">
+                <a16:creationId xmlns:a16="http://schemas.microsoft.com/office/drawing/2014/main" id="{E92B246D-47CC-40F8-8DE7-B65D409E945E}"/>
+              </a:ext>
+              <a:ext uri="{C183D7F6-B498-43B3-948B-1728B52AA6E4}">
+                <adec:decorative xmlns:adec="http://schemas.microsoft.com/office/drawing/2017/decorative" val="1"/>
+              </a:ext>
+            </a:extLst>
+          </p:cNvPr>
+          <p:cNvPicPr>
+            <a:picLocks noGrp="1" noRot="1" noChangeAspect="1" noMove="1" noResize="1" noEditPoints="1" noAdjustHandles="1" noChangeArrowheads="1" noChangeShapeType="1" noCrop="1"/>
+          </p:cNvPicPr>
+          <p:nvPr>
+            <p:extLst>
+              <p:ext uri="{386F3935-93C4-4BCD-93E2-E3B085C9AB24}">
+                <p16:designElem xmlns:p16="http://schemas.microsoft.com/office/powerpoint/2015/main" val="1"/>
+              </p:ext>
+            </p:extLst>
+          </p:nvPr>
+        </p:nvPicPr>
+        <p:blipFill>
+          <a:blip r:embed="rId4">
+            <a:extLst>
+              <a:ext uri="{28A0092B-C50C-407E-A947-70E740481C1C}">
+                <a14:useLocalDpi xmlns:a14="http://schemas.microsoft.com/office/drawing/2010/main" val="0"/>
+              </a:ext>
+            </a:extLst>
+          </a:blip>
+          <a:stretch>
+            <a:fillRect/>
+          </a:stretch>
+        </p:blipFill>
+        <p:spPr>
+          <a:xfrm>
+            <a:off x="2" y="1970241"/>
+            <a:ext cx="4956048" cy="199787"/>
+          </a:xfrm>
+          <a:prstGeom prst="rect">
+            <a:avLst/>
+          </a:prstGeom>
+        </p:spPr>
+      </p:pic>
+      <p:sp>
+        <p:nvSpPr>
+          <p:cNvPr id="3" name="Content Placeholder 2">
+            <a:extLst>
+              <a:ext uri="{FF2B5EF4-FFF2-40B4-BE49-F238E27FC236}">
+                <a16:creationId xmlns:a16="http://schemas.microsoft.com/office/drawing/2014/main" id="{CF5A04B5-EE45-3C7A-3D47-354DD723F1CA}"/>
+              </a:ext>
+            </a:extLst>
+          </p:cNvPr>
+          <p:cNvSpPr>
+            <a:spLocks noGrp="1"/>
+          </p:cNvSpPr>
+          <p:nvPr>
+            <p:ph idx="1"/>
+          </p:nvPr>
+        </p:nvSpPr>
+        <p:spPr>
+          <a:xfrm>
+            <a:off x="680321" y="2336873"/>
+            <a:ext cx="4136123" cy="3599316"/>
+          </a:xfrm>
+        </p:spPr>
+        <p:txBody>
+          <a:bodyPr>
+            <a:normAutofit/>
+          </a:bodyPr>
+          <a:lstStyle/>
+          <a:p>
+            <a:r>
+              <a:rPr lang="en-US" sz="1800" dirty="0"/>
+              <a:t>While there is a positive correlation between the amount of sleep a person and their physical activity levels, there is a stronger correlation between sleep quality and physical activity levels. </a:t>
+            </a:r>
+          </a:p>
+          <a:p>
+            <a:endParaRPr lang="en-US" sz="1800" dirty="0"/>
+          </a:p>
+          <a:p>
+            <a:r>
+              <a:rPr lang="en-US" sz="1800" dirty="0"/>
+              <a:t>Slope = 3.36</a:t>
+            </a:r>
+          </a:p>
+        </p:txBody>
+      </p:sp>
+      <p:pic>
+        <p:nvPicPr>
+          <p:cNvPr id="10" name="Picture 9" descr="A graph of a sleep quality and physical activity&#10;&#10;Description automatically generated">
+            <a:extLst>
+              <a:ext uri="{FF2B5EF4-FFF2-40B4-BE49-F238E27FC236}">
+                <a16:creationId xmlns:a16="http://schemas.microsoft.com/office/drawing/2014/main" id="{2976448E-995E-3C6F-A68A-29FB992EC489}"/>
+              </a:ext>
+            </a:extLst>
+          </p:cNvPr>
+          <p:cNvPicPr>
+            <a:picLocks noChangeAspect="1"/>
+          </p:cNvPicPr>
+          <p:nvPr/>
+        </p:nvPicPr>
+        <p:blipFill>
+          <a:blip r:embed="rId5">
+            <a:extLst>
+              <a:ext uri="{28A0092B-C50C-407E-A947-70E740481C1C}">
+                <a14:useLocalDpi xmlns:a14="http://schemas.microsoft.com/office/drawing/2010/main" val="0"/>
+              </a:ext>
+            </a:extLst>
+          </a:blip>
+          <a:stretch>
+            <a:fillRect/>
+          </a:stretch>
+        </p:blipFill>
+        <p:spPr>
+          <a:xfrm>
+            <a:off x="5623497" y="609600"/>
+            <a:ext cx="5608320" cy="5608320"/>
+          </a:xfrm>
+          <a:prstGeom prst="rect">
+            <a:avLst/>
+          </a:prstGeom>
+          <a:ln>
+            <a:noFill/>
+          </a:ln>
+          <a:effectLst>
+            <a:outerShdw blurRad="76200" dist="63500" dir="5040000" algn="tl" rotWithShape="0">
+              <a:srgbClr val="000000">
+                <a:alpha val="41000"/>
+              </a:srgbClr>
+            </a:outerShdw>
+          </a:effectLst>
+        </p:spPr>
+      </p:pic>
+    </p:spTree>
+    <p:extLst>
+      <p:ext uri="{BB962C8B-B14F-4D97-AF65-F5344CB8AC3E}">
+        <p14:creationId xmlns:p14="http://schemas.microsoft.com/office/powerpoint/2010/main" val="2947486323"/>
+      </p:ext>
+    </p:extLst>
+  </p:cSld>
+  <p:clrMapOvr>
+    <a:masterClrMapping/>
+  </p:clrMapOvr>
+</p:sld>
+</file>
+
+<file path=ppt/slides/slide22.xml><?xml version="1.0" encoding="utf-8"?>
+<p:sld xmlns:a="http://schemas.openxmlformats.org/drawingml/2006/main" xmlns:r="http://schemas.openxmlformats.org/officeDocument/2006/relationships" xmlns:p="http://schemas.openxmlformats.org/presentationml/2006/main">
+  <p:cSld>
+    <p:spTree>
+      <p:nvGrpSpPr>
+        <p:cNvPr id="1" name=""/>
+        <p:cNvGrpSpPr/>
+        <p:nvPr/>
+      </p:nvGrpSpPr>
+      <p:grpSpPr>
+        <a:xfrm>
+          <a:off x="0" y="0"/>
+          <a:ext cx="0" cy="0"/>
+          <a:chOff x="0" y="0"/>
+          <a:chExt cx="0" cy="0"/>
+        </a:xfrm>
+      </p:grpSpPr>
+      <p:sp>
+        <p:nvSpPr>
+          <p:cNvPr id="2" name="Title 1">
+            <a:extLst>
+              <a:ext uri="{FF2B5EF4-FFF2-40B4-BE49-F238E27FC236}">
+                <a16:creationId xmlns:a16="http://schemas.microsoft.com/office/drawing/2014/main" id="{B61C136C-7B04-595B-104E-81C9434FCFC5}"/>
+              </a:ext>
+            </a:extLst>
+          </p:cNvPr>
+          <p:cNvSpPr>
+            <a:spLocks noGrp="1"/>
+          </p:cNvSpPr>
+          <p:nvPr>
+            <p:ph type="ctrTitle"/>
+          </p:nvPr>
+        </p:nvSpPr>
+        <p:spPr/>
+        <p:txBody>
+          <a:bodyPr/>
+          <a:lstStyle/>
+          <a:p>
+            <a:r>
+              <a:rPr lang="en-US" sz="3600" dirty="0"/>
+              <a:t>Sleep and Physical Activity Level Conclusion</a:t>
+            </a:r>
+          </a:p>
+        </p:txBody>
+      </p:sp>
+      <p:sp>
+        <p:nvSpPr>
+          <p:cNvPr id="3" name="Subtitle 2">
+            <a:extLst>
+              <a:ext uri="{FF2B5EF4-FFF2-40B4-BE49-F238E27FC236}">
+                <a16:creationId xmlns:a16="http://schemas.microsoft.com/office/drawing/2014/main" id="{55A84CE3-392E-B7E7-FB50-B1BDAC09D8FF}"/>
+              </a:ext>
+            </a:extLst>
+          </p:cNvPr>
+          <p:cNvSpPr>
+            <a:spLocks noGrp="1"/>
+          </p:cNvSpPr>
+          <p:nvPr>
+            <p:ph type="subTitle" idx="1"/>
+          </p:nvPr>
+        </p:nvSpPr>
+        <p:spPr/>
+        <p:txBody>
+          <a:bodyPr>
+            <a:normAutofit fontScale="77500" lnSpcReduction="20000"/>
+          </a:bodyPr>
+          <a:lstStyle/>
+          <a:p>
+            <a:r>
+              <a:rPr lang="en-US" sz="2900" dirty="0"/>
+              <a:t>We see that there is a positive relationship between amount of sleep, quality of sleep, and physical activity levels. This is shown by the slope in the linear regression.</a:t>
+            </a:r>
+          </a:p>
+          <a:p>
+            <a:endParaRPr lang="en-US" dirty="0"/>
+          </a:p>
+          <a:p>
+            <a:endParaRPr lang="en-US" dirty="0"/>
+          </a:p>
+        </p:txBody>
+      </p:sp>
+    </p:spTree>
+    <p:extLst>
+      <p:ext uri="{BB962C8B-B14F-4D97-AF65-F5344CB8AC3E}">
+        <p14:creationId xmlns:p14="http://schemas.microsoft.com/office/powerpoint/2010/main" val="3915069729"/>
+      </p:ext>
+    </p:extLst>
+  </p:cSld>
+  <p:clrMapOvr>
+    <a:masterClrMapping/>
+  </p:clrMapOvr>
+</p:sld>
+</file>
+
+<file path=ppt/slides/slide23.xml><?xml version="1.0" encoding="utf-8"?>
+<p:sld xmlns:a="http://schemas.openxmlformats.org/drawingml/2006/main" xmlns:r="http://schemas.openxmlformats.org/officeDocument/2006/relationships" xmlns:p="http://schemas.openxmlformats.org/presentationml/2006/main">
+  <p:cSld>
+    <p:spTree>
+      <p:nvGrpSpPr>
+        <p:cNvPr id="1" name=""/>
+        <p:cNvGrpSpPr/>
+        <p:nvPr/>
+      </p:nvGrpSpPr>
+      <p:grpSpPr>
+        <a:xfrm>
+          <a:off x="0" y="0"/>
+          <a:ext cx="0" cy="0"/>
+          <a:chOff x="0" y="0"/>
+          <a:chExt cx="0" cy="0"/>
+        </a:xfrm>
+      </p:grpSpPr>
+      <p:sp>
+        <p:nvSpPr>
+          <p:cNvPr id="2" name="Title 1">
+            <a:extLst>
+              <a:ext uri="{FF2B5EF4-FFF2-40B4-BE49-F238E27FC236}">
+                <a16:creationId xmlns:a16="http://schemas.microsoft.com/office/drawing/2014/main" id="{01165BA0-5F7F-F96F-87A7-7F2F86A48832}"/>
+              </a:ext>
+            </a:extLst>
+          </p:cNvPr>
+          <p:cNvSpPr>
+            <a:spLocks noGrp="1"/>
+          </p:cNvSpPr>
+          <p:nvPr>
+            <p:ph type="title"/>
+          </p:nvPr>
+        </p:nvSpPr>
+        <p:spPr/>
+        <p:txBody>
+          <a:bodyPr/>
+          <a:lstStyle/>
+          <a:p>
+            <a:r>
+              <a:rPr lang="en-US" dirty="0"/>
+              <a:t>Summary</a:t>
+            </a:r>
+          </a:p>
+        </p:txBody>
+      </p:sp>
+      <p:sp>
+        <p:nvSpPr>
+          <p:cNvPr id="3" name="Content Placeholder 2">
+            <a:extLst>
+              <a:ext uri="{FF2B5EF4-FFF2-40B4-BE49-F238E27FC236}">
+                <a16:creationId xmlns:a16="http://schemas.microsoft.com/office/drawing/2014/main" id="{D8F95E5C-0B63-A7DD-BE6F-A8C053D6EF90}"/>
+              </a:ext>
+            </a:extLst>
+          </p:cNvPr>
+          <p:cNvSpPr>
+            <a:spLocks noGrp="1"/>
+          </p:cNvSpPr>
+          <p:nvPr>
+            <p:ph idx="1"/>
+          </p:nvPr>
+        </p:nvSpPr>
+        <p:spPr/>
+        <p:txBody>
+          <a:bodyPr/>
+          <a:lstStyle/>
+          <a:p>
+            <a:r>
+              <a:rPr lang="en-US" dirty="0"/>
+              <a:t>Sleep is a variable that can influence your lifestyle. While it is not the sole factor, sleep (duration and quality) are influential to a person’s stress levels, occupation, BMI, and physical activity level. </a:t>
+            </a:r>
+          </a:p>
+          <a:p>
+            <a:endParaRPr lang="en-US" dirty="0"/>
+          </a:p>
+        </p:txBody>
+      </p:sp>
+    </p:spTree>
+    <p:extLst>
+      <p:ext uri="{BB962C8B-B14F-4D97-AF65-F5344CB8AC3E}">
+        <p14:creationId xmlns:p14="http://schemas.microsoft.com/office/powerpoint/2010/main" val="3998523717"/>
       </p:ext>
     </p:extLst>
   </p:cSld>
@@ -8646,13 +11457,7 @@
       </p:grpSpPr>
       <p:sp>
         <p:nvSpPr>
-          <p:cNvPr id="2" name="Title 1">
-            <a:extLst>
-              <a:ext uri="{FF2B5EF4-FFF2-40B4-BE49-F238E27FC236}">
-                <a16:creationId xmlns:a16="http://schemas.microsoft.com/office/drawing/2014/main" id="{25973B98-CF0D-3CB5-A082-68397B9D743E}"/>
-              </a:ext>
-            </a:extLst>
-          </p:cNvPr>
+          <p:cNvPr id="2" name="Title 1"/>
           <p:cNvSpPr>
             <a:spLocks noGrp="1"/>
           </p:cNvSpPr>
@@ -8667,32 +11472,19 @@
           <a:p>
             <a:r>
               <a:rPr lang="en-US" dirty="0"/>
-              <a:t>What impact does age have on</a:t>
-            </a:r>
-            <a:br>
-              <a:rPr lang="en-US" dirty="0"/>
-            </a:br>
-            <a:r>
-              <a:rPr lang="en-US" dirty="0"/>
-              <a:t> stress and sleep?</a:t>
-            </a:r>
-          </a:p>
-        </p:txBody>
-      </p:sp>
-      <p:sp>
-        <p:nvSpPr>
-          <p:cNvPr id="3" name="Text Placeholder 2">
-            <a:extLst>
-              <a:ext uri="{FF2B5EF4-FFF2-40B4-BE49-F238E27FC236}">
-                <a16:creationId xmlns:a16="http://schemas.microsoft.com/office/drawing/2014/main" id="{393D4557-4D77-B615-880B-F090AE81933E}"/>
-              </a:ext>
-            </a:extLst>
-          </p:cNvPr>
-          <p:cNvSpPr>
-            <a:spLocks noGrp="1"/>
-          </p:cNvSpPr>
-          <p:nvPr>
-            <p:ph type="body" idx="1"/>
+              <a:t>Overview</a:t>
+            </a:r>
+          </a:p>
+        </p:txBody>
+      </p:sp>
+      <p:sp>
+        <p:nvSpPr>
+          <p:cNvPr id="3" name="Content Placeholder 2"/>
+          <p:cNvSpPr>
+            <a:spLocks noGrp="1"/>
+          </p:cNvSpPr>
+          <p:nvPr>
+            <p:ph idx="1"/>
           </p:nvPr>
         </p:nvSpPr>
         <p:spPr/>
@@ -8701,33 +11493,30 @@
           <a:lstStyle/>
           <a:p>
             <a:r>
-              <a:rPr lang="en-US" dirty="0"/>
-              <a:t>Why can’t I pull those college all </a:t>
-            </a:r>
-            <a:r>
-              <a:rPr lang="en-US" dirty="0" err="1"/>
-              <a:t>nighters</a:t>
-            </a:r>
-            <a:r>
-              <a:rPr lang="en-US" dirty="0"/>
-              <a:t> anymore?</a:t>
-            </a:r>
-          </a:p>
-          <a:p>
-            <a:r>
-              <a:rPr lang="en-US" dirty="0"/>
-              <a:t>Do we get more stressed out when we age due to sleep?</a:t>
-            </a:r>
-          </a:p>
-          <a:p>
-            <a:endParaRPr lang="en-US" dirty="0"/>
+              <a:rPr lang="en-US" sz="3200" dirty="0"/>
+              <a:t>Exploring the different relationships within the dataset. </a:t>
+            </a:r>
+          </a:p>
+          <a:p>
+            <a:pPr lvl="1"/>
+            <a:r>
+              <a:rPr lang="en-US" sz="2800" dirty="0"/>
+              <a:t>Is there a relationship between sleep duration, quality of sleep, and physical activity with different physiological responses?</a:t>
+            </a:r>
+          </a:p>
+          <a:p>
+            <a:pPr lvl="1"/>
+            <a:r>
+              <a:rPr lang="en-US" sz="2800" dirty="0"/>
+              <a:t>Does age, gender, and profession play a role in the duration and quality of sleep?</a:t>
+            </a:r>
           </a:p>
         </p:txBody>
       </p:sp>
     </p:spTree>
     <p:extLst>
       <p:ext uri="{BB962C8B-B14F-4D97-AF65-F5344CB8AC3E}">
-        <p14:creationId xmlns:p14="http://schemas.microsoft.com/office/powerpoint/2010/main" val="2173364212"/>
+        <p14:creationId xmlns:p14="http://schemas.microsoft.com/office/powerpoint/2010/main" val="1301224589"/>
       </p:ext>
     </p:extLst>
   </p:cSld>
@@ -8759,7 +11548,7 @@
           <p:cNvPr id="2" name="Title 1">
             <a:extLst>
               <a:ext uri="{FF2B5EF4-FFF2-40B4-BE49-F238E27FC236}">
-                <a16:creationId xmlns:a16="http://schemas.microsoft.com/office/drawing/2014/main" id="{D64F96C8-A14D-F6E3-D61C-45769A58E357}"/>
+                <a16:creationId xmlns:a16="http://schemas.microsoft.com/office/drawing/2014/main" id="{25973B98-CF0D-3CB5-A082-68397B9D743E}"/>
               </a:ext>
             </a:extLst>
           </p:cNvPr>
@@ -8777,17 +11566,24 @@
           <a:p>
             <a:r>
               <a:rPr lang="en-US" dirty="0"/>
-              <a:t>On average, people who slept more were less stressed</a:t>
-            </a:r>
-          </a:p>
-        </p:txBody>
-      </p:sp>
-      <p:sp>
-        <p:nvSpPr>
-          <p:cNvPr id="3" name="Content Placeholder 2">
+              <a:t>What impact does age have on</a:t>
+            </a:r>
+            <a:br>
+              <a:rPr lang="en-US" dirty="0"/>
+            </a:br>
+            <a:r>
+              <a:rPr lang="en-US" dirty="0"/>
+              <a:t> stress and sleep?</a:t>
+            </a:r>
+          </a:p>
+        </p:txBody>
+      </p:sp>
+      <p:sp>
+        <p:nvSpPr>
+          <p:cNvPr id="3" name="Text Placeholder 2">
             <a:extLst>
               <a:ext uri="{FF2B5EF4-FFF2-40B4-BE49-F238E27FC236}">
-                <a16:creationId xmlns:a16="http://schemas.microsoft.com/office/drawing/2014/main" id="{25345B8E-0CCE-5D00-6D37-DF422D7D9559}"/>
+                <a16:creationId xmlns:a16="http://schemas.microsoft.com/office/drawing/2014/main" id="{393D4557-4D77-B615-880B-F090AE81933E}"/>
               </a:ext>
             </a:extLst>
           </p:cNvPr>
@@ -8795,80 +11591,42 @@
             <a:spLocks noGrp="1"/>
           </p:cNvSpPr>
           <p:nvPr>
-            <p:ph sz="half" idx="1"/>
+            <p:ph type="body" idx="1"/>
           </p:nvPr>
         </p:nvSpPr>
         <p:spPr/>
         <p:txBody>
-          <a:bodyPr>
-            <a:normAutofit/>
-          </a:bodyPr>
+          <a:bodyPr/>
           <a:lstStyle/>
           <a:p>
             <a:r>
               <a:rPr lang="en-US" dirty="0"/>
-              <a:t>Bar graph shows the averages of each category by age group.</a:t>
-            </a:r>
-          </a:p>
-          <a:p>
+              <a:t>Why can’t I pull those college all </a:t>
+            </a:r>
+            <a:r>
+              <a:rPr lang="en-US" dirty="0" err="1"/>
+              <a:t>nighters</a:t>
+            </a:r>
             <a:r>
               <a:rPr lang="en-US" dirty="0"/>
-              <a:t>Our data csv file included an age column</a:t>
+              <a:t> anymore?</a:t>
             </a:r>
           </a:p>
           <a:p>
             <a:r>
               <a:rPr lang="en-US" dirty="0"/>
-              <a:t>Created bins and calculated the average per bin</a:t>
-            </a:r>
-          </a:p>
-          <a:p>
-            <a:r>
-              <a:rPr lang="en-US" dirty="0"/>
-              <a:t>Why does stress increase in 40s and sleep decrease?</a:t>
-            </a:r>
-          </a:p>
-        </p:txBody>
-      </p:sp>
-      <p:pic>
-        <p:nvPicPr>
-          <p:cNvPr id="10" name="Content Placeholder 9" descr="A graph of stress levels&#10;&#10;Description automatically generated">
-            <a:extLst>
-              <a:ext uri="{FF2B5EF4-FFF2-40B4-BE49-F238E27FC236}">
-                <a16:creationId xmlns:a16="http://schemas.microsoft.com/office/drawing/2014/main" id="{98B4D084-899B-CDB4-E52B-1463DE0DB485}"/>
-              </a:ext>
-            </a:extLst>
-          </p:cNvPr>
-          <p:cNvPicPr>
-            <a:picLocks noGrp="1" noChangeAspect="1"/>
-          </p:cNvPicPr>
-          <p:nvPr>
-            <p:ph sz="half" idx="2"/>
-          </p:nvPr>
-        </p:nvPicPr>
-        <p:blipFill>
-          <a:blip r:embed="rId2">
-            <a:extLst>
-              <a:ext uri="{28A0092B-C50C-407E-A947-70E740481C1C}">
-                <a14:useLocalDpi xmlns:a14="http://schemas.microsoft.com/office/drawing/2010/main" val="0"/>
-              </a:ext>
-            </a:extLst>
-          </a:blip>
-          <a:stretch>
-            <a:fillRect/>
-          </a:stretch>
-        </p:blipFill>
-        <p:spPr>
-          <a:xfrm>
-            <a:off x="5594350" y="2373511"/>
-            <a:ext cx="4700588" cy="3525441"/>
-          </a:xfrm>
-        </p:spPr>
-      </p:pic>
+              <a:t>Do we get more stressed out when we age due to sleep?</a:t>
+            </a:r>
+          </a:p>
+          <a:p>
+            <a:endParaRPr lang="en-US" dirty="0"/>
+          </a:p>
+        </p:txBody>
+      </p:sp>
     </p:spTree>
     <p:extLst>
       <p:ext uri="{BB962C8B-B14F-4D97-AF65-F5344CB8AC3E}">
-        <p14:creationId xmlns:p14="http://schemas.microsoft.com/office/powerpoint/2010/main" val="922821069"/>
+        <p14:creationId xmlns:p14="http://schemas.microsoft.com/office/powerpoint/2010/main" val="2173364212"/>
       </p:ext>
     </p:extLst>
   </p:cSld>
@@ -8900,7 +11658,7 @@
           <p:cNvPr id="2" name="Title 1">
             <a:extLst>
               <a:ext uri="{FF2B5EF4-FFF2-40B4-BE49-F238E27FC236}">
-                <a16:creationId xmlns:a16="http://schemas.microsoft.com/office/drawing/2014/main" id="{EE1AA763-C9ED-91B9-8011-95A898A1FE47}"/>
+                <a16:creationId xmlns:a16="http://schemas.microsoft.com/office/drawing/2014/main" id="{D64F96C8-A14D-F6E3-D61C-45769A58E357}"/>
               </a:ext>
             </a:extLst>
           </p:cNvPr>
@@ -8918,7 +11676,7 @@
           <a:p>
             <a:r>
               <a:rPr lang="en-US" dirty="0"/>
-              <a:t>All Participants – Sleep Duration</a:t>
+              <a:t>On average, people who slept more were less stressed</a:t>
             </a:r>
           </a:p>
         </p:txBody>
@@ -8928,7 +11686,7 @@
           <p:cNvPr id="3" name="Content Placeholder 2">
             <a:extLst>
               <a:ext uri="{FF2B5EF4-FFF2-40B4-BE49-F238E27FC236}">
-                <a16:creationId xmlns:a16="http://schemas.microsoft.com/office/drawing/2014/main" id="{A6726F9E-DA1B-457E-6606-BC5C5739F5FC}"/>
+                <a16:creationId xmlns:a16="http://schemas.microsoft.com/office/drawing/2014/main" id="{25345B8E-0CCE-5D00-6D37-DF422D7D9559}"/>
               </a:ext>
             </a:extLst>
           </p:cNvPr>
@@ -8942,58 +11700,41 @@
         <p:spPr/>
         <p:txBody>
           <a:bodyPr>
-            <a:normAutofit fontScale="92500"/>
+            <a:normAutofit/>
           </a:bodyPr>
           <a:lstStyle/>
           <a:p>
             <a:r>
               <a:rPr lang="en-US" dirty="0"/>
-              <a:t>Negative relationship</a:t>
+              <a:t>Bar graph shows the averages of each category by age group.</a:t>
             </a:r>
           </a:p>
           <a:p>
             <a:r>
               <a:rPr lang="en-US" dirty="0"/>
-              <a:t>~50 points used on this graph</a:t>
+              <a:t>Our data csv file included an age column</a:t>
             </a:r>
           </a:p>
           <a:p>
             <a:r>
               <a:rPr lang="en-US" dirty="0"/>
-              <a:t>354 participants</a:t>
+              <a:t>Created bins and calculated the average per bin</a:t>
             </a:r>
           </a:p>
           <a:p>
             <a:r>
               <a:rPr lang="en-US" dirty="0"/>
-              <a:t>Used different shapes and colors to show different age groups</a:t>
-            </a:r>
-          </a:p>
-          <a:p>
-            <a:r>
-              <a:rPr lang="en-US" dirty="0"/>
-              <a:t>Decreased the alpha so bolder colors are more frequent and can see other symbols</a:t>
-            </a:r>
-          </a:p>
-          <a:p>
-            <a:r>
-              <a:rPr lang="en-US" dirty="0"/>
-              <a:t>No regression lines / </a:t>
-            </a:r>
-            <a:r>
-              <a:rPr lang="en-US"/>
-              <a:t>Too busy</a:t>
-            </a:r>
-            <a:endParaRPr lang="en-US" dirty="0"/>
+              <a:t>Why does stress increase in 40s and sleep decrease?</a:t>
+            </a:r>
           </a:p>
         </p:txBody>
       </p:sp>
       <p:pic>
         <p:nvPicPr>
-          <p:cNvPr id="6" name="Content Placeholder 5" descr="A graph of a sleep level&#10;&#10;Description automatically generated">
+          <p:cNvPr id="10" name="Content Placeholder 9" descr="A graph of stress levels&#10;&#10;Description automatically generated">
             <a:extLst>
               <a:ext uri="{FF2B5EF4-FFF2-40B4-BE49-F238E27FC236}">
-                <a16:creationId xmlns:a16="http://schemas.microsoft.com/office/drawing/2014/main" id="{26B50B33-7097-70FC-AC16-65D8BA7C3CFB}"/>
+                <a16:creationId xmlns:a16="http://schemas.microsoft.com/office/drawing/2014/main" id="{98B4D084-899B-CDB4-E52B-1463DE0DB485}"/>
               </a:ext>
             </a:extLst>
           </p:cNvPr>
@@ -9026,7 +11767,7 @@
     </p:spTree>
     <p:extLst>
       <p:ext uri="{BB962C8B-B14F-4D97-AF65-F5344CB8AC3E}">
-        <p14:creationId xmlns:p14="http://schemas.microsoft.com/office/powerpoint/2010/main" val="2562965548"/>
+        <p14:creationId xmlns:p14="http://schemas.microsoft.com/office/powerpoint/2010/main" val="922821069"/>
       </p:ext>
     </p:extLst>
   </p:cSld>
@@ -9058,7 +11799,7 @@
           <p:cNvPr id="2" name="Title 1">
             <a:extLst>
               <a:ext uri="{FF2B5EF4-FFF2-40B4-BE49-F238E27FC236}">
-                <a16:creationId xmlns:a16="http://schemas.microsoft.com/office/drawing/2014/main" id="{64C53067-3A7F-AC71-6ACE-711D716F837C}"/>
+                <a16:creationId xmlns:a16="http://schemas.microsoft.com/office/drawing/2014/main" id="{EE1AA763-C9ED-91B9-8011-95A898A1FE47}"/>
               </a:ext>
             </a:extLst>
           </p:cNvPr>
@@ -9076,7 +11817,7 @@
           <a:p>
             <a:r>
               <a:rPr lang="en-US" dirty="0"/>
-              <a:t>All participants – Quality of Sleep</a:t>
+              <a:t>All Participants – Sleep Duration</a:t>
             </a:r>
           </a:p>
         </p:txBody>
@@ -9086,7 +11827,7 @@
           <p:cNvPr id="3" name="Content Placeholder 2">
             <a:extLst>
               <a:ext uri="{FF2B5EF4-FFF2-40B4-BE49-F238E27FC236}">
-                <a16:creationId xmlns:a16="http://schemas.microsoft.com/office/drawing/2014/main" id="{9D5D139E-9127-CA29-652C-180801D057EB}"/>
+                <a16:creationId xmlns:a16="http://schemas.microsoft.com/office/drawing/2014/main" id="{A6726F9E-DA1B-457E-6606-BC5C5739F5FC}"/>
               </a:ext>
             </a:extLst>
           </p:cNvPr>
@@ -9100,59 +11841,58 @@
         <p:spPr/>
         <p:txBody>
           <a:bodyPr>
-            <a:normAutofit lnSpcReduction="10000"/>
+            <a:normAutofit fontScale="92500"/>
           </a:bodyPr>
           <a:lstStyle/>
           <a:p>
             <a:r>
               <a:rPr lang="en-US" dirty="0"/>
-              <a:t>Only 15 points on this graph</a:t>
+              <a:t>Negative relationship</a:t>
             </a:r>
           </a:p>
           <a:p>
             <a:r>
               <a:rPr lang="en-US" dirty="0"/>
-              <a:t>Still 354 participants</a:t>
+              <a:t>~50 points used on this graph</a:t>
             </a:r>
           </a:p>
           <a:p>
             <a:r>
               <a:rPr lang="en-US" dirty="0"/>
-              <a:t>No one in their 50s ranked their quality lower than 6.</a:t>
+              <a:t>354 participants</a:t>
             </a:r>
           </a:p>
           <a:p>
             <a:r>
               <a:rPr lang="en-US" dirty="0"/>
-              <a:t>No one in their 20s ranked their quality higher than 7.</a:t>
+              <a:t>Used different shapes and colors to show different age groups</a:t>
             </a:r>
           </a:p>
           <a:p>
             <a:r>
               <a:rPr lang="en-US" dirty="0"/>
-              <a:t>Yet, there are no visible outliers.</a:t>
+              <a:t>Decreased the alpha so bolder colors are more frequent and can see other symbols</a:t>
             </a:r>
           </a:p>
           <a:p>
             <a:r>
               <a:rPr lang="en-US" dirty="0"/>
-              <a:t>Back to Sleep Duration… </a:t>
-            </a:r>
-          </a:p>
-          <a:p>
-            <a:endParaRPr lang="en-US" dirty="0"/>
-          </a:p>
-          <a:p>
+              <a:t>No regression lines / </a:t>
+            </a:r>
+            <a:r>
+              <a:rPr lang="en-US"/>
+              <a:t>Too busy</a:t>
+            </a:r>
             <a:endParaRPr lang="en-US" dirty="0"/>
           </a:p>
         </p:txBody>
       </p:sp>
       <p:pic>
         <p:nvPicPr>
-          <p:cNvPr id="6" name="Content Placeholder 5" descr="A graph of a sleep level">
+          <p:cNvPr id="6" name="Content Placeholder 5" descr="A graph of a sleep level&#10;&#10;Description automatically generated">
             <a:extLst>
               <a:ext uri="{FF2B5EF4-FFF2-40B4-BE49-F238E27FC236}">
-                <a16:creationId xmlns:a16="http://schemas.microsoft.com/office/drawing/2014/main" id="{89A359D7-799C-486F-F47B-66996F35E587}"/>
+                <a16:creationId xmlns:a16="http://schemas.microsoft.com/office/drawing/2014/main" id="{26B50B33-7097-70FC-AC16-65D8BA7C3CFB}"/>
               </a:ext>
             </a:extLst>
           </p:cNvPr>
@@ -9185,7 +11925,7 @@
     </p:spTree>
     <p:extLst>
       <p:ext uri="{BB962C8B-B14F-4D97-AF65-F5344CB8AC3E}">
-        <p14:creationId xmlns:p14="http://schemas.microsoft.com/office/powerpoint/2010/main" val="2231813695"/>
+        <p14:creationId xmlns:p14="http://schemas.microsoft.com/office/powerpoint/2010/main" val="2562965548"/>
       </p:ext>
     </p:extLst>
   </p:cSld>
@@ -9217,7 +11957,7 @@
           <p:cNvPr id="2" name="Title 1">
             <a:extLst>
               <a:ext uri="{FF2B5EF4-FFF2-40B4-BE49-F238E27FC236}">
-                <a16:creationId xmlns:a16="http://schemas.microsoft.com/office/drawing/2014/main" id="{671DF85A-7AFD-8B26-6F31-F4C3B45290A7}"/>
+                <a16:creationId xmlns:a16="http://schemas.microsoft.com/office/drawing/2014/main" id="{64C53067-3A7F-AC71-6ACE-711D716F837C}"/>
               </a:ext>
             </a:extLst>
           </p:cNvPr>
@@ -9235,17 +11975,17 @@
           <a:p>
             <a:r>
               <a:rPr lang="en-US" dirty="0"/>
-              <a:t>Age conclusion</a:t>
-            </a:r>
-          </a:p>
-        </p:txBody>
-      </p:sp>
-      <p:sp>
-        <p:nvSpPr>
-          <p:cNvPr id="3" name="Text Placeholder 2">
+              <a:t>All participants – Quality of Sleep</a:t>
+            </a:r>
+          </a:p>
+        </p:txBody>
+      </p:sp>
+      <p:sp>
+        <p:nvSpPr>
+          <p:cNvPr id="3" name="Content Placeholder 2">
             <a:extLst>
               <a:ext uri="{FF2B5EF4-FFF2-40B4-BE49-F238E27FC236}">
-                <a16:creationId xmlns:a16="http://schemas.microsoft.com/office/drawing/2014/main" id="{DAA3291E-AFCA-B0DD-9CB2-3C86B8491763}"/>
+                <a16:creationId xmlns:a16="http://schemas.microsoft.com/office/drawing/2014/main" id="{9D5D139E-9127-CA29-652C-180801D057EB}"/>
               </a:ext>
             </a:extLst>
           </p:cNvPr>
@@ -9253,40 +11993,98 @@
             <a:spLocks noGrp="1"/>
           </p:cNvSpPr>
           <p:nvPr>
-            <p:ph type="body" idx="1"/>
+            <p:ph sz="half" idx="1"/>
           </p:nvPr>
         </p:nvSpPr>
         <p:spPr/>
         <p:txBody>
-          <a:bodyPr/>
+          <a:bodyPr>
+            <a:normAutofit lnSpcReduction="10000"/>
+          </a:bodyPr>
           <a:lstStyle/>
           <a:p>
             <a:r>
               <a:rPr lang="en-US" dirty="0"/>
-              <a:t>No matter how old you were, if you slept more, you were less stressed.</a:t>
+              <a:t>Only 15 points on this graph</a:t>
+            </a:r>
+          </a:p>
+          <a:p>
+            <a:r>
+              <a:rPr lang="en-US" dirty="0"/>
+              <a:t>Still 354 participants</a:t>
+            </a:r>
+          </a:p>
+          <a:p>
+            <a:r>
+              <a:rPr lang="en-US" dirty="0"/>
+              <a:t>No one in their 50s ranked their quality lower than 6.</a:t>
+            </a:r>
+          </a:p>
+          <a:p>
+            <a:r>
+              <a:rPr lang="en-US" dirty="0"/>
+              <a:t>No one in their 20s ranked their quality higher than 7.</a:t>
+            </a:r>
+          </a:p>
+          <a:p>
+            <a:r>
+              <a:rPr lang="en-US" dirty="0"/>
+              <a:t>Yet, there are no visible outliers.</a:t>
+            </a:r>
+          </a:p>
+          <a:p>
+            <a:r>
+              <a:rPr lang="en-US" dirty="0"/>
+              <a:t>Back to Sleep Duration… </a:t>
             </a:r>
           </a:p>
           <a:p>
             <a:endParaRPr lang="en-US" dirty="0"/>
           </a:p>
           <a:p>
-            <a:r>
-              <a:rPr lang="en-US" dirty="0"/>
-              <a:t>Chicken or the egg…</a:t>
-            </a:r>
-          </a:p>
-          <a:p>
             <a:endParaRPr lang="en-US" dirty="0"/>
           </a:p>
-          <a:p>
-            <a:endParaRPr lang="en-US" dirty="0"/>
-          </a:p>
-        </p:txBody>
-      </p:sp>
+        </p:txBody>
+      </p:sp>
+      <p:pic>
+        <p:nvPicPr>
+          <p:cNvPr id="6" name="Content Placeholder 5" descr="A graph of a sleep level">
+            <a:extLst>
+              <a:ext uri="{FF2B5EF4-FFF2-40B4-BE49-F238E27FC236}">
+                <a16:creationId xmlns:a16="http://schemas.microsoft.com/office/drawing/2014/main" id="{89A359D7-799C-486F-F47B-66996F35E587}"/>
+              </a:ext>
+            </a:extLst>
+          </p:cNvPr>
+          <p:cNvPicPr>
+            <a:picLocks noGrp="1" noChangeAspect="1"/>
+          </p:cNvPicPr>
+          <p:nvPr>
+            <p:ph sz="half" idx="2"/>
+          </p:nvPr>
+        </p:nvPicPr>
+        <p:blipFill>
+          <a:blip r:embed="rId2">
+            <a:extLst>
+              <a:ext uri="{28A0092B-C50C-407E-A947-70E740481C1C}">
+                <a14:useLocalDpi xmlns:a14="http://schemas.microsoft.com/office/drawing/2010/main" val="0"/>
+              </a:ext>
+            </a:extLst>
+          </a:blip>
+          <a:stretch>
+            <a:fillRect/>
+          </a:stretch>
+        </p:blipFill>
+        <p:spPr>
+          <a:xfrm>
+            <a:off x="5594350" y="2373511"/>
+            <a:ext cx="4700588" cy="3525441"/>
+          </a:xfrm>
+        </p:spPr>
+      </p:pic>
     </p:spTree>
     <p:extLst>
       <p:ext uri="{BB962C8B-B14F-4D97-AF65-F5344CB8AC3E}">
-        <p14:creationId xmlns:p14="http://schemas.microsoft.com/office/powerpoint/2010/main" val="1571786278"/>
+        <p14:creationId xmlns:p14="http://schemas.microsoft.com/office/powerpoint/2010/main" val="2231813695"/>
       </p:ext>
     </p:extLst>
   </p:cSld>
@@ -9299,6 +12097,41 @@
 <file path=ppt/slides/slide8.xml><?xml version="1.0" encoding="utf-8"?>
 <p:sld xmlns:a="http://schemas.openxmlformats.org/drawingml/2006/main" xmlns:r="http://schemas.openxmlformats.org/officeDocument/2006/relationships" xmlns:p="http://schemas.openxmlformats.org/presentationml/2006/main">
   <p:cSld>
+    <p:bg>
+      <p:bgPr>
+        <a:gradFill rotWithShape="1">
+          <a:gsLst>
+            <a:gs pos="0">
+              <a:schemeClr val="bg2">
+                <a:tint val="96000"/>
+                <a:shade val="100000"/>
+                <a:hueMod val="270000"/>
+                <a:satMod val="200000"/>
+                <a:lumMod val="128000"/>
+              </a:schemeClr>
+            </a:gs>
+            <a:gs pos="50000">
+              <a:schemeClr val="bg2">
+                <a:shade val="100000"/>
+                <a:hueMod val="100000"/>
+                <a:satMod val="110000"/>
+                <a:lumMod val="130000"/>
+              </a:schemeClr>
+            </a:gs>
+            <a:gs pos="100000">
+              <a:schemeClr val="bg2">
+                <a:shade val="78000"/>
+                <a:hueMod val="44000"/>
+                <a:satMod val="200000"/>
+                <a:lumMod val="69000"/>
+              </a:schemeClr>
+            </a:gs>
+          </a:gsLst>
+          <a:lin ang="2520000" scaled="0"/>
+        </a:gradFill>
+        <a:effectLst/>
+      </p:bgPr>
+    </p:bg>
     <p:spTree>
       <p:nvGrpSpPr>
         <p:cNvPr id="1" name=""/>
@@ -9313,85 +12146,632 @@
           <a:chExt cx="0" cy="0"/>
         </a:xfrm>
       </p:grpSpPr>
-      <p:sp>
-        <p:nvSpPr>
-          <p:cNvPr id="2" name="Title 1"/>
-          <p:cNvSpPr>
-            <a:spLocks noGrp="1"/>
-          </p:cNvSpPr>
-          <p:nvPr>
-            <p:ph type="title"/>
-          </p:nvPr>
-        </p:nvSpPr>
-        <p:spPr/>
-        <p:txBody>
-          <a:bodyPr/>
-          <a:lstStyle/>
-          <a:p>
-            <a:r>
-              <a:rPr lang="en-US" dirty="0"/>
-              <a:t>Quality of Sleep</a:t>
-            </a:r>
-          </a:p>
-        </p:txBody>
-      </p:sp>
-      <p:sp>
-        <p:nvSpPr>
-          <p:cNvPr id="5" name="TextBox 4"/>
-          <p:cNvSpPr txBox="1"/>
-          <p:nvPr/>
-        </p:nvSpPr>
-        <p:spPr>
-          <a:xfrm>
-            <a:off x="7192376" y="3044202"/>
-            <a:ext cx="3935663" cy="2308324"/>
+      <p:pic>
+        <p:nvPicPr>
+          <p:cNvPr id="9" name="Picture 8">
+            <a:extLst>
+              <a:ext uri="{FF2B5EF4-FFF2-40B4-BE49-F238E27FC236}">
+                <a16:creationId xmlns:a16="http://schemas.microsoft.com/office/drawing/2014/main" id="{01CFC1BB-C5B3-4479-9752-C53221627F91}"/>
+              </a:ext>
+              <a:ext uri="{C183D7F6-B498-43B3-948B-1728B52AA6E4}">
+                <adec:decorative xmlns:adec="http://schemas.microsoft.com/office/drawing/2017/decorative" val="1"/>
+              </a:ext>
+            </a:extLst>
+          </p:cNvPr>
+          <p:cNvPicPr>
+            <a:picLocks noGrp="1" noRot="1" noChangeAspect="1" noMove="1" noResize="1" noEditPoints="1" noAdjustHandles="1" noChangeArrowheads="1" noChangeShapeType="1" noCrop="1"/>
+          </p:cNvPicPr>
+          <p:nvPr>
+            <p:extLst>
+              <p:ext uri="{386F3935-93C4-4BCD-93E2-E3B085C9AB24}">
+                <p16:designElem xmlns:p16="http://schemas.microsoft.com/office/powerpoint/2015/main" val="1"/>
+              </p:ext>
+            </p:extLst>
+          </p:nvPr>
+        </p:nvPicPr>
+        <p:blipFill>
+          <a:blip r:embed="rId2">
+            <a:alphaModFix amt="10000"/>
+            <a:extLst>
+              <a:ext uri="{28A0092B-C50C-407E-A947-70E740481C1C}">
+                <a14:useLocalDpi xmlns:a14="http://schemas.microsoft.com/office/drawing/2010/main" val="0"/>
+              </a:ext>
+            </a:extLst>
+          </a:blip>
+          <a:stretch>
+            <a:fillRect/>
+          </a:stretch>
+        </p:blipFill>
+        <p:spPr>
+          <a:xfrm>
+            <a:off x="0" y="0"/>
+            <a:ext cx="12192000" cy="6858000"/>
           </a:xfrm>
           <a:prstGeom prst="rect">
             <a:avLst/>
           </a:prstGeom>
-          <a:noFill/>
-        </p:spPr>
-        <p:txBody>
-          <a:bodyPr wrap="square" rtlCol="0">
-            <a:spAutoFit/>
-          </a:bodyPr>
-          <a:lstStyle/>
-          <a:p>
-            <a:r>
-              <a:rPr lang="en-US" sz="2400" dirty="0"/>
-              <a:t>Quality of sleep is the measurement of how well someone sleeps at night. The average adult needs 7 or more hours of restful and restorative sleep.</a:t>
-            </a:r>
-          </a:p>
-        </p:txBody>
-      </p:sp>
+        </p:spPr>
+      </p:pic>
       <p:pic>
         <p:nvPicPr>
-          <p:cNvPr id="7" name="Picture 6"/>
+          <p:cNvPr id="11" name="Picture 10">
+            <a:extLst>
+              <a:ext uri="{FF2B5EF4-FFF2-40B4-BE49-F238E27FC236}">
+                <a16:creationId xmlns:a16="http://schemas.microsoft.com/office/drawing/2014/main" id="{5B5FB5AC-39B2-4094-B486-0FCD501D5044}"/>
+              </a:ext>
+              <a:ext uri="{C183D7F6-B498-43B3-948B-1728B52AA6E4}">
+                <adec:decorative xmlns:adec="http://schemas.microsoft.com/office/drawing/2017/decorative" val="1"/>
+              </a:ext>
+            </a:extLst>
+          </p:cNvPr>
+          <p:cNvPicPr>
+            <a:picLocks noGrp="1" noRot="1" noChangeAspect="1" noMove="1" noResize="1" noEditPoints="1" noAdjustHandles="1" noChangeArrowheads="1" noChangeShapeType="1" noCrop="1"/>
+          </p:cNvPicPr>
+          <p:nvPr>
+            <p:extLst>
+              <p:ext uri="{386F3935-93C4-4BCD-93E2-E3B085C9AB24}">
+                <p16:designElem xmlns:p16="http://schemas.microsoft.com/office/powerpoint/2015/main" val="1"/>
+              </p:ext>
+            </p:extLst>
+          </p:nvPr>
+        </p:nvPicPr>
+        <p:blipFill>
+          <a:blip r:embed="rId3">
+            <a:extLst>
+              <a:ext uri="{28A0092B-C50C-407E-A947-70E740481C1C}">
+                <a14:useLocalDpi xmlns:a14="http://schemas.microsoft.com/office/drawing/2010/main" val="0"/>
+              </a:ext>
+            </a:extLst>
+          </a:blip>
+          <a:stretch>
+            <a:fillRect/>
+          </a:stretch>
+        </p:blipFill>
+        <p:spPr>
+          <a:xfrm>
+            <a:off x="1" y="4242851"/>
+            <a:ext cx="8968084" cy="275942"/>
+          </a:xfrm>
+          <a:prstGeom prst="rect">
+            <a:avLst/>
+          </a:prstGeom>
+        </p:spPr>
+      </p:pic>
+      <p:pic>
+        <p:nvPicPr>
+          <p:cNvPr id="13" name="Picture 12">
+            <a:extLst>
+              <a:ext uri="{FF2B5EF4-FFF2-40B4-BE49-F238E27FC236}">
+                <a16:creationId xmlns:a16="http://schemas.microsoft.com/office/drawing/2014/main" id="{7150CFE4-97B0-48C6-ACD6-9399CBA11906}"/>
+              </a:ext>
+              <a:ext uri="{C183D7F6-B498-43B3-948B-1728B52AA6E4}">
+                <adec:decorative xmlns:adec="http://schemas.microsoft.com/office/drawing/2017/decorative" val="1"/>
+              </a:ext>
+            </a:extLst>
+          </p:cNvPr>
+          <p:cNvPicPr>
+            <a:picLocks noGrp="1" noRot="1" noChangeAspect="1" noMove="1" noResize="1" noEditPoints="1" noAdjustHandles="1" noChangeArrowheads="1" noChangeShapeType="1" noCrop="1"/>
+          </p:cNvPicPr>
+          <p:nvPr>
+            <p:extLst>
+              <p:ext uri="{386F3935-93C4-4BCD-93E2-E3B085C9AB24}">
+                <p16:designElem xmlns:p16="http://schemas.microsoft.com/office/powerpoint/2015/main" val="1"/>
+              </p:ext>
+            </p:extLst>
+          </p:nvPr>
+        </p:nvPicPr>
+        <p:blipFill>
+          <a:blip r:embed="rId4">
+            <a:extLst>
+              <a:ext uri="{28A0092B-C50C-407E-A947-70E740481C1C}">
+                <a14:useLocalDpi xmlns:a14="http://schemas.microsoft.com/office/drawing/2010/main" val="0"/>
+              </a:ext>
+            </a:extLst>
+          </a:blip>
+          <a:stretch>
+            <a:fillRect/>
+          </a:stretch>
+        </p:blipFill>
+        <p:spPr>
+          <a:xfrm>
+            <a:off x="9111716" y="4243845"/>
+            <a:ext cx="3077108" cy="276940"/>
+          </a:xfrm>
+          <a:prstGeom prst="rect">
+            <a:avLst/>
+          </a:prstGeom>
+        </p:spPr>
+      </p:pic>
+      <p:sp>
+        <p:nvSpPr>
+          <p:cNvPr id="15" name="Rectangle 14">
+            <a:extLst>
+              <a:ext uri="{FF2B5EF4-FFF2-40B4-BE49-F238E27FC236}">
+                <a16:creationId xmlns:a16="http://schemas.microsoft.com/office/drawing/2014/main" id="{A3C6F7F0-46EA-4F8E-A112-1B517C2B5A00}"/>
+              </a:ext>
+              <a:ext uri="{C183D7F6-B498-43B3-948B-1728B52AA6E4}">
+                <adec:decorative xmlns:adec="http://schemas.microsoft.com/office/drawing/2017/decorative" val="1"/>
+              </a:ext>
+            </a:extLst>
+          </p:cNvPr>
+          <p:cNvSpPr>
+            <a:spLocks noGrp="1" noRot="1" noChangeAspect="1" noMove="1" noResize="1" noEditPoints="1" noAdjustHandles="1" noChangeArrowheads="1" noChangeShapeType="1" noTextEdit="1"/>
+          </p:cNvSpPr>
+          <p:nvPr>
+            <p:extLst>
+              <p:ext uri="{386F3935-93C4-4BCD-93E2-E3B085C9AB24}">
+                <p16:designElem xmlns:p16="http://schemas.microsoft.com/office/powerpoint/2015/main" val="1"/>
+              </p:ext>
+            </p:extLst>
+          </p:nvPr>
+        </p:nvSpPr>
+        <p:spPr>
+          <a:xfrm>
+            <a:off x="0" y="2590078"/>
+            <a:ext cx="8968085" cy="1660332"/>
+          </a:xfrm>
+          <a:prstGeom prst="rect">
+            <a:avLst/>
+          </a:prstGeom>
+          <a:solidFill>
+            <a:schemeClr val="bg1">
+              <a:lumMod val="85000"/>
+              <a:lumOff val="15000"/>
+            </a:schemeClr>
+          </a:solidFill>
+          <a:ln>
+            <a:noFill/>
+          </a:ln>
+        </p:spPr>
+        <p:style>
+          <a:lnRef idx="2">
+            <a:schemeClr val="accent1">
+              <a:shade val="50000"/>
+            </a:schemeClr>
+          </a:lnRef>
+          <a:fillRef idx="1">
+            <a:schemeClr val="accent1"/>
+          </a:fillRef>
+          <a:effectRef idx="0">
+            <a:schemeClr val="accent1"/>
+          </a:effectRef>
+          <a:fontRef idx="minor">
+            <a:schemeClr val="lt1"/>
+          </a:fontRef>
+        </p:style>
+      </p:sp>
+      <p:sp>
+        <p:nvSpPr>
+          <p:cNvPr id="17" name="Rectangle 16">
+            <a:extLst>
+              <a:ext uri="{FF2B5EF4-FFF2-40B4-BE49-F238E27FC236}">
+                <a16:creationId xmlns:a16="http://schemas.microsoft.com/office/drawing/2014/main" id="{1691A3CC-CDA1-4C3B-9150-FCFB5373D82B}"/>
+              </a:ext>
+              <a:ext uri="{C183D7F6-B498-43B3-948B-1728B52AA6E4}">
+                <adec:decorative xmlns:adec="http://schemas.microsoft.com/office/drawing/2017/decorative" val="1"/>
+              </a:ext>
+            </a:extLst>
+          </p:cNvPr>
+          <p:cNvSpPr>
+            <a:spLocks noGrp="1" noRot="1" noChangeAspect="1" noMove="1" noResize="1" noEditPoints="1" noAdjustHandles="1" noChangeArrowheads="1" noChangeShapeType="1" noTextEdit="1"/>
+          </p:cNvSpPr>
+          <p:nvPr>
+            <p:extLst>
+              <p:ext uri="{386F3935-93C4-4BCD-93E2-E3B085C9AB24}">
+                <p16:designElem xmlns:p16="http://schemas.microsoft.com/office/powerpoint/2015/main" val="1"/>
+              </p:ext>
+            </p:extLst>
+          </p:nvPr>
+        </p:nvSpPr>
+        <p:spPr>
+          <a:xfrm>
+            <a:off x="9111715" y="2590078"/>
+            <a:ext cx="3077109" cy="1660332"/>
+          </a:xfrm>
+          <a:prstGeom prst="rect">
+            <a:avLst/>
+          </a:prstGeom>
+          <a:solidFill>
+            <a:schemeClr val="accent1"/>
+          </a:solidFill>
+          <a:ln>
+            <a:noFill/>
+          </a:ln>
+        </p:spPr>
+        <p:style>
+          <a:lnRef idx="2">
+            <a:schemeClr val="accent1">
+              <a:shade val="50000"/>
+            </a:schemeClr>
+          </a:lnRef>
+          <a:fillRef idx="1">
+            <a:schemeClr val="accent1"/>
+          </a:fillRef>
+          <a:effectRef idx="0">
+            <a:schemeClr val="accent1"/>
+          </a:effectRef>
+          <a:fontRef idx="minor">
+            <a:schemeClr val="lt1"/>
+          </a:fontRef>
+        </p:style>
+      </p:sp>
+      <p:pic>
+        <p:nvPicPr>
+          <p:cNvPr id="5" name="Picture 4" descr="Eggs and chick">
+            <a:extLst>
+              <a:ext uri="{FF2B5EF4-FFF2-40B4-BE49-F238E27FC236}">
+                <a16:creationId xmlns:a16="http://schemas.microsoft.com/office/drawing/2014/main" id="{CB5EDC64-A048-74E8-D825-A76A7888E0F3}"/>
+              </a:ext>
+            </a:extLst>
+          </p:cNvPr>
           <p:cNvPicPr>
             <a:picLocks noChangeAspect="1"/>
           </p:cNvPicPr>
           <p:nvPr/>
         </p:nvPicPr>
-        <p:blipFill>
-          <a:blip r:embed="rId2"/>
-          <a:stretch>
-            <a:fillRect/>
-          </a:stretch>
+        <p:blipFill rotWithShape="1">
+          <a:blip r:embed="rId5"/>
+          <a:srcRect t="15730"/>
+          <a:stretch/>
         </p:blipFill>
         <p:spPr>
           <a:xfrm>
-            <a:off x="325688" y="2420302"/>
-            <a:ext cx="6278312" cy="3556125"/>
+            <a:off x="-3176" y="10"/>
+            <a:ext cx="12192000" cy="6857991"/>
           </a:xfrm>
           <a:prstGeom prst="rect">
             <a:avLst/>
           </a:prstGeom>
         </p:spPr>
       </p:pic>
+      <p:sp>
+        <p:nvSpPr>
+          <p:cNvPr id="19" name="Rectangle 18">
+            <a:extLst>
+              <a:ext uri="{FF2B5EF4-FFF2-40B4-BE49-F238E27FC236}">
+                <a16:creationId xmlns:a16="http://schemas.microsoft.com/office/drawing/2014/main" id="{41704883-D088-4683-A1FD-AEE53B336130}"/>
+              </a:ext>
+              <a:ext uri="{C183D7F6-B498-43B3-948B-1728B52AA6E4}">
+                <adec:decorative xmlns:adec="http://schemas.microsoft.com/office/drawing/2017/decorative" val="1"/>
+              </a:ext>
+            </a:extLst>
+          </p:cNvPr>
+          <p:cNvSpPr>
+            <a:spLocks noGrp="1" noRot="1" noChangeAspect="1" noMove="1" noResize="1" noEditPoints="1" noAdjustHandles="1" noChangeArrowheads="1" noChangeShapeType="1" noTextEdit="1"/>
+          </p:cNvSpPr>
+          <p:nvPr>
+            <p:extLst>
+              <p:ext uri="{386F3935-93C4-4BCD-93E2-E3B085C9AB24}">
+                <p16:designElem xmlns:p16="http://schemas.microsoft.com/office/powerpoint/2015/main" val="1"/>
+              </p:ext>
+            </p:extLst>
+          </p:nvPr>
+        </p:nvSpPr>
+        <p:spPr bwMode="grayWhite">
+          <a:xfrm>
+            <a:off x="0" y="4249541"/>
+            <a:ext cx="8968085" cy="1660332"/>
+          </a:xfrm>
+          <a:prstGeom prst="rect">
+            <a:avLst/>
+          </a:prstGeom>
+          <a:solidFill>
+            <a:schemeClr val="bg1">
+              <a:lumMod val="95000"/>
+              <a:lumOff val="5000"/>
+              <a:alpha val="90000"/>
+            </a:schemeClr>
+          </a:solidFill>
+          <a:ln>
+            <a:noFill/>
+          </a:ln>
+        </p:spPr>
+        <p:style>
+          <a:lnRef idx="2">
+            <a:schemeClr val="accent1">
+              <a:shade val="50000"/>
+            </a:schemeClr>
+          </a:lnRef>
+          <a:fillRef idx="1">
+            <a:schemeClr val="accent1"/>
+          </a:fillRef>
+          <a:effectRef idx="0">
+            <a:schemeClr val="accent1"/>
+          </a:effectRef>
+          <a:fontRef idx="minor">
+            <a:schemeClr val="lt1"/>
+          </a:fontRef>
+        </p:style>
+      </p:sp>
+      <p:sp>
+        <p:nvSpPr>
+          <p:cNvPr id="2" name="Title 1">
+            <a:extLst>
+              <a:ext uri="{FF2B5EF4-FFF2-40B4-BE49-F238E27FC236}">
+                <a16:creationId xmlns:a16="http://schemas.microsoft.com/office/drawing/2014/main" id="{671DF85A-7AFD-8B26-6F31-F4C3B45290A7}"/>
+              </a:ext>
+            </a:extLst>
+          </p:cNvPr>
+          <p:cNvSpPr>
+            <a:spLocks noGrp="1"/>
+          </p:cNvSpPr>
+          <p:nvPr>
+            <p:ph type="title"/>
+          </p:nvPr>
+        </p:nvSpPr>
+        <p:spPr>
+          <a:xfrm>
+            <a:off x="680322" y="4261987"/>
+            <a:ext cx="8133478" cy="940240"/>
+          </a:xfrm>
+        </p:spPr>
+        <p:txBody>
+          <a:bodyPr vert="horz" lIns="91440" tIns="45720" rIns="91440" bIns="45720" rtlCol="0" anchor="b">
+            <a:normAutofit/>
+          </a:bodyPr>
+          <a:lstStyle/>
+          <a:p>
+            <a:r>
+              <a:rPr lang="en-US" sz="4800" dirty="0"/>
+              <a:t>Age conclusion</a:t>
+            </a:r>
+          </a:p>
+        </p:txBody>
+      </p:sp>
+      <p:sp>
+        <p:nvSpPr>
+          <p:cNvPr id="3" name="Text Placeholder 2">
+            <a:extLst>
+              <a:ext uri="{FF2B5EF4-FFF2-40B4-BE49-F238E27FC236}">
+                <a16:creationId xmlns:a16="http://schemas.microsoft.com/office/drawing/2014/main" id="{DAA3291E-AFCA-B0DD-9CB2-3C86B8491763}"/>
+              </a:ext>
+            </a:extLst>
+          </p:cNvPr>
+          <p:cNvSpPr>
+            <a:spLocks noGrp="1"/>
+          </p:cNvSpPr>
+          <p:nvPr>
+            <p:ph type="body" idx="1"/>
+          </p:nvPr>
+        </p:nvSpPr>
+        <p:spPr>
+          <a:xfrm>
+            <a:off x="-5480" y="5201622"/>
+            <a:ext cx="8968083" cy="719828"/>
+          </a:xfrm>
+        </p:spPr>
+        <p:txBody>
+          <a:bodyPr vert="horz" lIns="91440" tIns="45720" rIns="91440" bIns="45720" rtlCol="0">
+            <a:noAutofit/>
+          </a:bodyPr>
+          <a:lstStyle/>
+          <a:p>
+            <a:r>
+              <a:rPr lang="en-US" dirty="0">
+                <a:solidFill>
+                  <a:schemeClr val="tx1"/>
+                </a:solidFill>
+              </a:rPr>
+              <a:t>No matter how old you were, if you slept more, you were less stressed.</a:t>
+            </a:r>
+          </a:p>
+          <a:p>
+            <a:r>
+              <a:rPr lang="en-US" dirty="0">
+                <a:solidFill>
+                  <a:schemeClr val="tx1"/>
+                </a:solidFill>
+              </a:rPr>
+              <a:t>Chicken or the egg…</a:t>
+            </a:r>
+          </a:p>
+          <a:p>
+            <a:endParaRPr lang="en-US" dirty="0">
+              <a:solidFill>
+                <a:schemeClr val="tx1"/>
+              </a:solidFill>
+            </a:endParaRPr>
+          </a:p>
+          <a:p>
+            <a:endParaRPr lang="en-US" dirty="0">
+              <a:solidFill>
+                <a:schemeClr val="tx1"/>
+              </a:solidFill>
+            </a:endParaRPr>
+          </a:p>
+        </p:txBody>
+      </p:sp>
+      <p:sp>
+        <p:nvSpPr>
+          <p:cNvPr id="21" name="Rectangle 20">
+            <a:extLst>
+              <a:ext uri="{FF2B5EF4-FFF2-40B4-BE49-F238E27FC236}">
+                <a16:creationId xmlns:a16="http://schemas.microsoft.com/office/drawing/2014/main" id="{A9C04EC1-26B9-40BD-84A6-B2C0A913D0F9}"/>
+              </a:ext>
+              <a:ext uri="{C183D7F6-B498-43B3-948B-1728B52AA6E4}">
+                <adec:decorative xmlns:adec="http://schemas.microsoft.com/office/drawing/2017/decorative" val="1"/>
+              </a:ext>
+            </a:extLst>
+          </p:cNvPr>
+          <p:cNvSpPr>
+            <a:spLocks noGrp="1" noRot="1" noChangeAspect="1" noMove="1" noResize="1" noEditPoints="1" noAdjustHandles="1" noChangeArrowheads="1" noChangeShapeType="1" noTextEdit="1"/>
+          </p:cNvSpPr>
+          <p:nvPr>
+            <p:extLst>
+              <p:ext uri="{386F3935-93C4-4BCD-93E2-E3B085C9AB24}">
+                <p16:designElem xmlns:p16="http://schemas.microsoft.com/office/powerpoint/2015/main" val="1"/>
+              </p:ext>
+            </p:extLst>
+          </p:nvPr>
+        </p:nvSpPr>
+        <p:spPr>
+          <a:xfrm>
+            <a:off x="9111715" y="4249541"/>
+            <a:ext cx="3077109" cy="1660332"/>
+          </a:xfrm>
+          <a:prstGeom prst="rect">
+            <a:avLst/>
+          </a:prstGeom>
+          <a:solidFill>
+            <a:schemeClr val="accent1"/>
+          </a:solidFill>
+          <a:ln>
+            <a:noFill/>
+          </a:ln>
+        </p:spPr>
+        <p:style>
+          <a:lnRef idx="2">
+            <a:schemeClr val="accent1">
+              <a:shade val="50000"/>
+            </a:schemeClr>
+          </a:lnRef>
+          <a:fillRef idx="1">
+            <a:schemeClr val="accent1"/>
+          </a:fillRef>
+          <a:effectRef idx="0">
+            <a:schemeClr val="accent1"/>
+          </a:effectRef>
+          <a:fontRef idx="minor">
+            <a:schemeClr val="lt1"/>
+          </a:fontRef>
+        </p:style>
+      </p:sp>
+      <p:sp>
+        <p:nvSpPr>
+          <p:cNvPr id="23" name="Rectangle 22">
+            <a:extLst>
+              <a:ext uri="{FF2B5EF4-FFF2-40B4-BE49-F238E27FC236}">
+                <a16:creationId xmlns:a16="http://schemas.microsoft.com/office/drawing/2014/main" id="{9BAB74E2-5A82-47FD-BBB4-BFD47779FFB9}"/>
+              </a:ext>
+              <a:ext uri="{C183D7F6-B498-43B3-948B-1728B52AA6E4}">
+                <adec:decorative xmlns:adec="http://schemas.microsoft.com/office/drawing/2017/decorative" val="1"/>
+              </a:ext>
+            </a:extLst>
+          </p:cNvPr>
+          <p:cNvSpPr>
+            <a:spLocks noGrp="1" noRot="1" noChangeAspect="1" noMove="1" noResize="1" noEditPoints="1" noAdjustHandles="1" noChangeArrowheads="1" noChangeShapeType="1" noTextEdit="1"/>
+          </p:cNvSpPr>
+          <p:nvPr>
+            <p:extLst>
+              <p:ext uri="{386F3935-93C4-4BCD-93E2-E3B085C9AB24}">
+                <p16:designElem xmlns:p16="http://schemas.microsoft.com/office/powerpoint/2015/main" val="1"/>
+              </p:ext>
+            </p:extLst>
+          </p:nvPr>
+        </p:nvSpPr>
+        <p:spPr>
+          <a:xfrm>
+            <a:off x="0" y="5902314"/>
+            <a:ext cx="8968085" cy="275942"/>
+          </a:xfrm>
+          <a:prstGeom prst="rect">
+            <a:avLst/>
+          </a:prstGeom>
+          <a:blipFill>
+            <a:blip r:embed="rId6"/>
+            <a:stretch>
+              <a:fillRect/>
+            </a:stretch>
+          </a:blipFill>
+          <a:ln>
+            <a:noFill/>
+          </a:ln>
+        </p:spPr>
+        <p:style>
+          <a:lnRef idx="2">
+            <a:schemeClr val="accent1">
+              <a:shade val="50000"/>
+            </a:schemeClr>
+          </a:lnRef>
+          <a:fillRef idx="1">
+            <a:schemeClr val="accent1"/>
+          </a:fillRef>
+          <a:effectRef idx="0">
+            <a:schemeClr val="accent1"/>
+          </a:effectRef>
+          <a:fontRef idx="minor">
+            <a:schemeClr val="lt1"/>
+          </a:fontRef>
+        </p:style>
+        <p:txBody>
+          <a:bodyPr rtlCol="0" anchor="ctr"/>
+          <a:lstStyle/>
+          <a:p>
+            <a:pPr algn="ctr"/>
+            <a:endParaRPr lang="en-US"/>
+          </a:p>
+        </p:txBody>
+      </p:sp>
+      <p:sp>
+        <p:nvSpPr>
+          <p:cNvPr id="25" name="Rectangle 24">
+            <a:extLst>
+              <a:ext uri="{FF2B5EF4-FFF2-40B4-BE49-F238E27FC236}">
+                <a16:creationId xmlns:a16="http://schemas.microsoft.com/office/drawing/2014/main" id="{9C4FFB60-A034-4994-8F55-E38D4F31C874}"/>
+              </a:ext>
+              <a:ext uri="{C183D7F6-B498-43B3-948B-1728B52AA6E4}">
+                <adec:decorative xmlns:adec="http://schemas.microsoft.com/office/drawing/2017/decorative" val="1"/>
+              </a:ext>
+            </a:extLst>
+          </p:cNvPr>
+          <p:cNvSpPr>
+            <a:spLocks noGrp="1" noRot="1" noChangeAspect="1" noMove="1" noResize="1" noEditPoints="1" noAdjustHandles="1" noChangeArrowheads="1" noChangeShapeType="1" noTextEdit="1"/>
+          </p:cNvSpPr>
+          <p:nvPr>
+            <p:extLst>
+              <p:ext uri="{386F3935-93C4-4BCD-93E2-E3B085C9AB24}">
+                <p16:designElem xmlns:p16="http://schemas.microsoft.com/office/powerpoint/2015/main" val="1"/>
+              </p:ext>
+            </p:extLst>
+          </p:nvPr>
+        </p:nvSpPr>
+        <p:spPr>
+          <a:xfrm>
+            <a:off x="9111715" y="5902314"/>
+            <a:ext cx="3080285" cy="275942"/>
+          </a:xfrm>
+          <a:prstGeom prst="rect">
+            <a:avLst/>
+          </a:prstGeom>
+          <a:blipFill>
+            <a:blip r:embed="rId7"/>
+            <a:stretch>
+              <a:fillRect/>
+            </a:stretch>
+          </a:blipFill>
+          <a:ln>
+            <a:noFill/>
+          </a:ln>
+        </p:spPr>
+        <p:style>
+          <a:lnRef idx="2">
+            <a:schemeClr val="accent1">
+              <a:shade val="50000"/>
+            </a:schemeClr>
+          </a:lnRef>
+          <a:fillRef idx="1">
+            <a:schemeClr val="accent1"/>
+          </a:fillRef>
+          <a:effectRef idx="0">
+            <a:schemeClr val="accent1"/>
+          </a:effectRef>
+          <a:fontRef idx="minor">
+            <a:schemeClr val="lt1"/>
+          </a:fontRef>
+        </p:style>
+        <p:txBody>
+          <a:bodyPr rtlCol="0" anchor="ctr"/>
+          <a:lstStyle/>
+          <a:p>
+            <a:pPr algn="ctr"/>
+            <a:endParaRPr lang="en-US"/>
+          </a:p>
+        </p:txBody>
+      </p:sp>
     </p:spTree>
     <p:extLst>
       <p:ext uri="{BB962C8B-B14F-4D97-AF65-F5344CB8AC3E}">
-        <p14:creationId xmlns:p14="http://schemas.microsoft.com/office/powerpoint/2010/main" val="1174100958"/>
+        <p14:creationId xmlns:p14="http://schemas.microsoft.com/office/powerpoint/2010/main" val="1571786278"/>
       </p:ext>
     </p:extLst>
   </p:cSld>
@@ -9420,7 +12800,13 @@
       </p:grpSpPr>
       <p:sp>
         <p:nvSpPr>
-          <p:cNvPr id="2" name="Title 1"/>
+          <p:cNvPr id="2" name="Title 1">
+            <a:extLst>
+              <a:ext uri="{FF2B5EF4-FFF2-40B4-BE49-F238E27FC236}">
+                <a16:creationId xmlns:a16="http://schemas.microsoft.com/office/drawing/2014/main" id="{EA8BA58E-9E1A-19A0-3D51-70C7A50446F8}"/>
+              </a:ext>
+            </a:extLst>
+          </p:cNvPr>
           <p:cNvSpPr>
             <a:spLocks noGrp="1"/>
           </p:cNvSpPr>
@@ -9435,65 +12821,35 @@
           <a:p>
             <a:r>
               <a:rPr lang="en-US" dirty="0"/>
-              <a:t>Which Gender Gets the Better Quality of Sleep?</a:t>
-            </a:r>
-          </a:p>
-        </p:txBody>
-      </p:sp>
-      <p:pic>
-        <p:nvPicPr>
-          <p:cNvPr id="4" name="Content Placeholder 3"/>
-          <p:cNvPicPr>
-            <a:picLocks noGrp="1" noChangeAspect="1"/>
-          </p:cNvPicPr>
-          <p:nvPr>
-            <p:ph idx="1"/>
-          </p:nvPr>
-        </p:nvPicPr>
-        <p:blipFill>
-          <a:blip r:embed="rId2">
+              <a:t>Does occupation affect quality of sleep?</a:t>
+            </a:r>
+          </a:p>
+        </p:txBody>
+      </p:sp>
+      <p:sp>
+        <p:nvSpPr>
+          <p:cNvPr id="3" name="Text Placeholder 2">
             <a:extLst>
-              <a:ext uri="{28A0092B-C50C-407E-A947-70E740481C1C}">
-                <a14:useLocalDpi xmlns:a14="http://schemas.microsoft.com/office/drawing/2010/main" val="0"/>
+              <a:ext uri="{FF2B5EF4-FFF2-40B4-BE49-F238E27FC236}">
+                <a16:creationId xmlns:a16="http://schemas.microsoft.com/office/drawing/2014/main" id="{110537A1-4568-8426-C0BA-C1F19BEC2BA1}"/>
               </a:ext>
             </a:extLst>
-          </a:blip>
-          <a:stretch>
-            <a:fillRect/>
-          </a:stretch>
-        </p:blipFill>
-        <p:spPr>
-          <a:xfrm>
-            <a:off x="680321" y="2112210"/>
-            <a:ext cx="5360097" cy="4416927"/>
-          </a:xfrm>
-        </p:spPr>
-      </p:pic>
-      <p:sp>
-        <p:nvSpPr>
-          <p:cNvPr id="5" name="TextBox 4"/>
-          <p:cNvSpPr txBox="1"/>
-          <p:nvPr/>
-        </p:nvSpPr>
-        <p:spPr>
-          <a:xfrm>
-            <a:off x="6748182" y="2797179"/>
-            <a:ext cx="4919579" cy="3046988"/>
-          </a:xfrm>
-          <a:prstGeom prst="rect">
-            <a:avLst/>
-          </a:prstGeom>
-          <a:noFill/>
-        </p:spPr>
-        <p:txBody>
-          <a:bodyPr wrap="square" rtlCol="0">
-            <a:spAutoFit/>
-          </a:bodyPr>
+          </p:cNvPr>
+          <p:cNvSpPr>
+            <a:spLocks noGrp="1"/>
+          </p:cNvSpPr>
+          <p:nvPr>
+            <p:ph type="body" idx="1"/>
+          </p:nvPr>
+        </p:nvSpPr>
+        <p:spPr/>
+        <p:txBody>
+          <a:bodyPr/>
           <a:lstStyle/>
           <a:p>
             <a:r>
-              <a:rPr lang="en-US" sz="2400" dirty="0"/>
-              <a:t>In this dataset, 185 males and 189 females were analyzed. On average, the men from the dataset get a more restful and restorative sleep. Men, on average, received 8 hours of quality sleep, while women received 7 hours. </a:t>
+              <a:rPr lang="en-US" dirty="0"/>
+              <a:t>Who has it worse… teachers or nurses?</a:t>
             </a:r>
           </a:p>
         </p:txBody>
@@ -9501,7 +12857,7 @@
     </p:spTree>
     <p:extLst>
       <p:ext uri="{BB962C8B-B14F-4D97-AF65-F5344CB8AC3E}">
-        <p14:creationId xmlns:p14="http://schemas.microsoft.com/office/powerpoint/2010/main" val="687638618"/>
+        <p14:creationId xmlns:p14="http://schemas.microsoft.com/office/powerpoint/2010/main" val="2851874302"/>
       </p:ext>
     </p:extLst>
   </p:cSld>
